--- a/CS555/L10/Lecture 10_ANOVA and ANCOVA.pptx
+++ b/CS555/L10/Lecture 10_ANOVA and ANCOVA.pptx
@@ -6,7 +6,7 @@
     <p:sldMasterId id="2147483651" r:id="rId2"/>
   </p:sldMasterIdLst>
   <p:notesMasterIdLst>
-    <p:notesMasterId r:id="rId51"/>
+    <p:notesMasterId r:id="rId41"/>
   </p:notesMasterIdLst>
   <p:sldIdLst>
     <p:sldId id="260" r:id="rId3"/>
@@ -19,44 +19,34 @@
     <p:sldId id="594" r:id="rId10"/>
     <p:sldId id="596" r:id="rId11"/>
     <p:sldId id="598" r:id="rId12"/>
-    <p:sldId id="597" r:id="rId13"/>
-    <p:sldId id="600" r:id="rId14"/>
-    <p:sldId id="601" r:id="rId15"/>
-    <p:sldId id="570" r:id="rId16"/>
-    <p:sldId id="602" r:id="rId17"/>
-    <p:sldId id="604" r:id="rId18"/>
-    <p:sldId id="605" r:id="rId19"/>
-    <p:sldId id="606" r:id="rId20"/>
-    <p:sldId id="607" r:id="rId21"/>
-    <p:sldId id="608" r:id="rId22"/>
-    <p:sldId id="609" r:id="rId23"/>
-    <p:sldId id="603" r:id="rId24"/>
-    <p:sldId id="610" r:id="rId25"/>
-    <p:sldId id="611" r:id="rId26"/>
-    <p:sldId id="595" r:id="rId27"/>
-    <p:sldId id="612" r:id="rId28"/>
-    <p:sldId id="613" r:id="rId29"/>
-    <p:sldId id="614" r:id="rId30"/>
-    <p:sldId id="615" r:id="rId31"/>
-    <p:sldId id="616" r:id="rId32"/>
-    <p:sldId id="617" r:id="rId33"/>
-    <p:sldId id="618" r:id="rId34"/>
-    <p:sldId id="619" r:id="rId35"/>
-    <p:sldId id="620" r:id="rId36"/>
-    <p:sldId id="621" r:id="rId37"/>
-    <p:sldId id="623" r:id="rId38"/>
-    <p:sldId id="624" r:id="rId39"/>
-    <p:sldId id="625" r:id="rId40"/>
-    <p:sldId id="626" r:id="rId41"/>
-    <p:sldId id="627" r:id="rId42"/>
-    <p:sldId id="628" r:id="rId43"/>
-    <p:sldId id="630" r:id="rId44"/>
-    <p:sldId id="635" r:id="rId45"/>
-    <p:sldId id="636" r:id="rId46"/>
-    <p:sldId id="629" r:id="rId47"/>
-    <p:sldId id="632" r:id="rId48"/>
-    <p:sldId id="633" r:id="rId49"/>
-    <p:sldId id="634" r:id="rId50"/>
+    <p:sldId id="637" r:id="rId13"/>
+    <p:sldId id="601" r:id="rId14"/>
+    <p:sldId id="570" r:id="rId15"/>
+    <p:sldId id="602" r:id="rId16"/>
+    <p:sldId id="604" r:id="rId17"/>
+    <p:sldId id="605" r:id="rId18"/>
+    <p:sldId id="606" r:id="rId19"/>
+    <p:sldId id="607" r:id="rId20"/>
+    <p:sldId id="608" r:id="rId21"/>
+    <p:sldId id="609" r:id="rId22"/>
+    <p:sldId id="603" r:id="rId23"/>
+    <p:sldId id="610" r:id="rId24"/>
+    <p:sldId id="617" r:id="rId25"/>
+    <p:sldId id="618" r:id="rId26"/>
+    <p:sldId id="619" r:id="rId27"/>
+    <p:sldId id="620" r:id="rId28"/>
+    <p:sldId id="621" r:id="rId29"/>
+    <p:sldId id="623" r:id="rId30"/>
+    <p:sldId id="624" r:id="rId31"/>
+    <p:sldId id="625" r:id="rId32"/>
+    <p:sldId id="626" r:id="rId33"/>
+    <p:sldId id="627" r:id="rId34"/>
+    <p:sldId id="628" r:id="rId35"/>
+    <p:sldId id="630" r:id="rId36"/>
+    <p:sldId id="635" r:id="rId37"/>
+    <p:sldId id="636" r:id="rId38"/>
+    <p:sldId id="629" r:id="rId39"/>
+    <p:sldId id="632" r:id="rId40"/>
   </p:sldIdLst>
   <p:sldSz cx="10080625" cy="7559675"/>
   <p:notesSz cx="7010400" cy="9296400"/>
@@ -16989,220 +16979,6 @@
           <a:bodyPr/>
           <a:lstStyle/>
           <a:p>
-            <a:r>
-              <a:rPr lang="en-US" b="0" i="0" dirty="0">
-                <a:solidFill>
-                  <a:srgbClr val="000000"/>
-                </a:solidFill>
-                <a:effectLst/>
-                <a:latin typeface="Helvetica" panose="020B0604020202020204" pitchFamily="34" charset="0"/>
-              </a:rPr>
-              <a:t>We use </a:t>
-            </a:r>
-            <a:r>
-              <a:rPr lang="en-US" b="1" i="0" dirty="0" err="1">
-                <a:solidFill>
-                  <a:srgbClr val="000000"/>
-                </a:solidFill>
-                <a:effectLst/>
-                <a:latin typeface="Helvetica" panose="020B0604020202020204" pitchFamily="34" charset="0"/>
-              </a:rPr>
-              <a:t>aov</a:t>
-            </a:r>
-            <a:r>
-              <a:rPr lang="en-US" b="1" i="0" dirty="0">
-                <a:solidFill>
-                  <a:srgbClr val="000000"/>
-                </a:solidFill>
-                <a:effectLst/>
-                <a:latin typeface="Helvetica" panose="020B0604020202020204" pitchFamily="34" charset="0"/>
-              </a:rPr>
-              <a:t>()</a:t>
-            </a:r>
-            <a:r>
-              <a:rPr lang="en-US" b="0" i="0" dirty="0">
-                <a:solidFill>
-                  <a:srgbClr val="000000"/>
-                </a:solidFill>
-                <a:effectLst/>
-                <a:latin typeface="Helvetica" panose="020B0604020202020204" pitchFamily="34" charset="0"/>
-              </a:rPr>
-              <a:t> when we would like to fit an ANOVA model and view the results in an ANOVA summary table</a:t>
-            </a:r>
-          </a:p>
-          <a:p>
-            <a:r>
-              <a:rPr lang="en-US" b="0" i="0" dirty="0">
-                <a:solidFill>
-                  <a:srgbClr val="000000"/>
-                </a:solidFill>
-                <a:effectLst/>
-                <a:latin typeface="Helvetica" panose="020B0604020202020204" pitchFamily="34" charset="0"/>
-              </a:rPr>
-              <a:t>We use </a:t>
-            </a:r>
-            <a:r>
-              <a:rPr lang="en-US" b="1" i="0" dirty="0" err="1">
-                <a:solidFill>
-                  <a:srgbClr val="000000"/>
-                </a:solidFill>
-                <a:effectLst/>
-                <a:latin typeface="Helvetica" panose="020B0604020202020204" pitchFamily="34" charset="0"/>
-              </a:rPr>
-              <a:t>anova</a:t>
-            </a:r>
-            <a:r>
-              <a:rPr lang="en-US" b="1" i="0" dirty="0">
-                <a:solidFill>
-                  <a:srgbClr val="000000"/>
-                </a:solidFill>
-                <a:effectLst/>
-                <a:latin typeface="Helvetica" panose="020B0604020202020204" pitchFamily="34" charset="0"/>
-              </a:rPr>
-              <a:t>()</a:t>
-            </a:r>
-            <a:r>
-              <a:rPr lang="en-US" b="0" i="0" dirty="0">
-                <a:solidFill>
-                  <a:srgbClr val="000000"/>
-                </a:solidFill>
-                <a:effectLst/>
-                <a:latin typeface="Helvetica" panose="020B0604020202020204" pitchFamily="34" charset="0"/>
-              </a:rPr>
-              <a:t> when we would like to compare the fit of nested regression models to determine if a regression model with a certain set of coefficients offers a significantly better fit than a model with only a subset of the coefficients.</a:t>
-            </a:r>
-            <a:endParaRPr lang="en-US" dirty="0"/>
-          </a:p>
-        </p:txBody>
-      </p:sp>
-    </p:spTree>
-    <p:extLst>
-      <p:ext uri="{BB962C8B-B14F-4D97-AF65-F5344CB8AC3E}">
-        <p14:creationId xmlns:p14="http://schemas.microsoft.com/office/powerpoint/2010/main" val="161763790"/>
-      </p:ext>
-    </p:extLst>
-  </p:cSld>
-  <p:clrMapOvr>
-    <a:masterClrMapping/>
-  </p:clrMapOvr>
-</p:notes>
-</file>
-
-<file path=ppt/notesSlides/notesSlide6.xml><?xml version="1.0" encoding="utf-8"?>
-<p:notes xmlns:a="http://schemas.openxmlformats.org/drawingml/2006/main" xmlns:r="http://schemas.openxmlformats.org/officeDocument/2006/relationships" xmlns:p="http://schemas.openxmlformats.org/presentationml/2006/main">
-  <p:cSld>
-    <p:spTree>
-      <p:nvGrpSpPr>
-        <p:cNvPr id="1" name=""/>
-        <p:cNvGrpSpPr/>
-        <p:nvPr/>
-      </p:nvGrpSpPr>
-      <p:grpSpPr>
-        <a:xfrm>
-          <a:off x="0" y="0"/>
-          <a:ext cx="0" cy="0"/>
-          <a:chOff x="0" y="0"/>
-          <a:chExt cx="0" cy="0"/>
-        </a:xfrm>
-      </p:grpSpPr>
-      <p:sp>
-        <p:nvSpPr>
-          <p:cNvPr id="2" name="Slide Image Placeholder 1"/>
-          <p:cNvSpPr>
-            <a:spLocks noGrp="1" noRot="1" noChangeAspect="1"/>
-          </p:cNvSpPr>
-          <p:nvPr>
-            <p:ph type="sldImg"/>
-          </p:nvPr>
-        </p:nvSpPr>
-        <p:spPr/>
-      </p:sp>
-      <p:sp>
-        <p:nvSpPr>
-          <p:cNvPr id="3" name="Notes Placeholder 2"/>
-          <p:cNvSpPr>
-            <a:spLocks noGrp="1"/>
-          </p:cNvSpPr>
-          <p:nvPr>
-            <p:ph type="body" idx="1"/>
-          </p:nvPr>
-        </p:nvSpPr>
-        <p:spPr/>
-        <p:txBody>
-          <a:bodyPr/>
-          <a:lstStyle/>
-          <a:p>
-            <a:r>
-              <a:rPr lang="en-US" b="0" i="0" dirty="0">
-                <a:solidFill>
-                  <a:srgbClr val="000000"/>
-                </a:solidFill>
-                <a:effectLst/>
-                <a:latin typeface="Times New Roman" panose="02020603050405020304" pitchFamily="18" charset="0"/>
-              </a:rPr>
-              <a:t>Obtain estimated marginal means (EMMs) for many linear, generalized linear, and mixed models.</a:t>
-            </a:r>
-            <a:endParaRPr lang="en-US" dirty="0"/>
-          </a:p>
-        </p:txBody>
-      </p:sp>
-    </p:spTree>
-    <p:extLst>
-      <p:ext uri="{BB962C8B-B14F-4D97-AF65-F5344CB8AC3E}">
-        <p14:creationId xmlns:p14="http://schemas.microsoft.com/office/powerpoint/2010/main" val="1058210382"/>
-      </p:ext>
-    </p:extLst>
-  </p:cSld>
-  <p:clrMapOvr>
-    <a:masterClrMapping/>
-  </p:clrMapOvr>
-</p:notes>
-</file>
-
-<file path=ppt/notesSlides/notesSlide7.xml><?xml version="1.0" encoding="utf-8"?>
-<p:notes xmlns:a="http://schemas.openxmlformats.org/drawingml/2006/main" xmlns:r="http://schemas.openxmlformats.org/officeDocument/2006/relationships" xmlns:p="http://schemas.openxmlformats.org/presentationml/2006/main">
-  <p:cSld>
-    <p:spTree>
-      <p:nvGrpSpPr>
-        <p:cNvPr id="1" name=""/>
-        <p:cNvGrpSpPr/>
-        <p:nvPr/>
-      </p:nvGrpSpPr>
-      <p:grpSpPr>
-        <a:xfrm>
-          <a:off x="0" y="0"/>
-          <a:ext cx="0" cy="0"/>
-          <a:chOff x="0" y="0"/>
-          <a:chExt cx="0" cy="0"/>
-        </a:xfrm>
-      </p:grpSpPr>
-      <p:sp>
-        <p:nvSpPr>
-          <p:cNvPr id="2" name="Slide Image Placeholder 1"/>
-          <p:cNvSpPr>
-            <a:spLocks noGrp="1" noRot="1" noChangeAspect="1"/>
-          </p:cNvSpPr>
-          <p:nvPr>
-            <p:ph type="sldImg"/>
-          </p:nvPr>
-        </p:nvSpPr>
-        <p:spPr/>
-      </p:sp>
-      <p:sp>
-        <p:nvSpPr>
-          <p:cNvPr id="3" name="Notes Placeholder 2"/>
-          <p:cNvSpPr>
-            <a:spLocks noGrp="1"/>
-          </p:cNvSpPr>
-          <p:nvPr>
-            <p:ph type="body" idx="1"/>
-          </p:nvPr>
-        </p:nvSpPr>
-        <p:spPr/>
-        <p:txBody>
-          <a:bodyPr/>
-          <a:lstStyle/>
-          <a:p>
             <a:endParaRPr lang="en-US" dirty="0"/>
           </a:p>
         </p:txBody>
@@ -17211,188 +16987,6 @@
     <p:extLst>
       <p:ext uri="{BB962C8B-B14F-4D97-AF65-F5344CB8AC3E}">
         <p14:creationId xmlns:p14="http://schemas.microsoft.com/office/powerpoint/2010/main" val="3843588261"/>
-      </p:ext>
-    </p:extLst>
-  </p:cSld>
-  <p:clrMapOvr>
-    <a:masterClrMapping/>
-  </p:clrMapOvr>
-</p:notes>
-</file>
-
-<file path=ppt/notesSlides/notesSlide8.xml><?xml version="1.0" encoding="utf-8"?>
-<p:notes xmlns:a="http://schemas.openxmlformats.org/drawingml/2006/main" xmlns:r="http://schemas.openxmlformats.org/officeDocument/2006/relationships" xmlns:p="http://schemas.openxmlformats.org/presentationml/2006/main">
-  <p:cSld>
-    <p:spTree>
-      <p:nvGrpSpPr>
-        <p:cNvPr id="1" name=""/>
-        <p:cNvGrpSpPr/>
-        <p:nvPr/>
-      </p:nvGrpSpPr>
-      <p:grpSpPr>
-        <a:xfrm>
-          <a:off x="0" y="0"/>
-          <a:ext cx="0" cy="0"/>
-          <a:chOff x="0" y="0"/>
-          <a:chExt cx="0" cy="0"/>
-        </a:xfrm>
-      </p:grpSpPr>
-      <p:sp>
-        <p:nvSpPr>
-          <p:cNvPr id="2" name="Slide Image Placeholder 1"/>
-          <p:cNvSpPr>
-            <a:spLocks noGrp="1" noRot="1" noChangeAspect="1"/>
-          </p:cNvSpPr>
-          <p:nvPr>
-            <p:ph type="sldImg"/>
-          </p:nvPr>
-        </p:nvSpPr>
-        <p:spPr/>
-      </p:sp>
-      <p:sp>
-        <p:nvSpPr>
-          <p:cNvPr id="3" name="Notes Placeholder 2"/>
-          <p:cNvSpPr>
-            <a:spLocks noGrp="1"/>
-          </p:cNvSpPr>
-          <p:nvPr>
-            <p:ph type="body" idx="1"/>
-          </p:nvPr>
-        </p:nvSpPr>
-        <p:spPr/>
-        <p:txBody>
-          <a:bodyPr/>
-          <a:lstStyle/>
-          <a:p>
-            <a:r>
-              <a:rPr lang="en-US" dirty="0"/>
-              <a:t>Alpha=0.10</a:t>
-            </a:r>
-          </a:p>
-          <a:p>
-            <a:r>
-              <a:rPr lang="en-US" dirty="0"/>
-              <a:t>Interaction is </a:t>
-            </a:r>
-            <a:r>
-              <a:rPr lang="en-US" dirty="0" err="1"/>
-              <a:t>Presetrect:Ankleweights</a:t>
-            </a:r>
-            <a:endParaRPr lang="en-US" dirty="0"/>
-          </a:p>
-          <a:p>
-            <a:endParaRPr lang="en-US" dirty="0"/>
-          </a:p>
-          <a:p>
-            <a:r>
-              <a:rPr lang="en-US" dirty="0"/>
-              <a:t>Energy: </a:t>
-            </a:r>
-            <a:r>
-              <a:rPr lang="en-US" dirty="0" err="1"/>
-              <a:t>prestretch</a:t>
-            </a:r>
-            <a:r>
-              <a:rPr lang="en-US" dirty="0"/>
-              <a:t> and </a:t>
-            </a:r>
-            <a:r>
-              <a:rPr lang="en-US" dirty="0" err="1"/>
-              <a:t>ankleweights</a:t>
-            </a:r>
-            <a:endParaRPr lang="en-US" dirty="0"/>
-          </a:p>
-          <a:p>
-            <a:r>
-              <a:rPr lang="en-US" dirty="0"/>
-              <a:t>Speed: None</a:t>
-            </a:r>
-          </a:p>
-          <a:p>
-            <a:r>
-              <a:rPr lang="en-US" dirty="0"/>
-              <a:t>Oxygen: </a:t>
-            </a:r>
-            <a:r>
-              <a:rPr lang="en-US" dirty="0" err="1"/>
-              <a:t>Ankleweights</a:t>
-            </a:r>
-            <a:endParaRPr lang="en-US" dirty="0"/>
-          </a:p>
-        </p:txBody>
-      </p:sp>
-    </p:spTree>
-    <p:extLst>
-      <p:ext uri="{BB962C8B-B14F-4D97-AF65-F5344CB8AC3E}">
-        <p14:creationId xmlns:p14="http://schemas.microsoft.com/office/powerpoint/2010/main" val="3599821293"/>
-      </p:ext>
-    </p:extLst>
-  </p:cSld>
-  <p:clrMapOvr>
-    <a:masterClrMapping/>
-  </p:clrMapOvr>
-</p:notes>
-</file>
-
-<file path=ppt/notesSlides/notesSlide9.xml><?xml version="1.0" encoding="utf-8"?>
-<p:notes xmlns:a="http://schemas.openxmlformats.org/drawingml/2006/main" xmlns:r="http://schemas.openxmlformats.org/officeDocument/2006/relationships" xmlns:p="http://schemas.openxmlformats.org/presentationml/2006/main">
-  <p:cSld>
-    <p:spTree>
-      <p:nvGrpSpPr>
-        <p:cNvPr id="1" name=""/>
-        <p:cNvGrpSpPr/>
-        <p:nvPr/>
-      </p:nvGrpSpPr>
-      <p:grpSpPr>
-        <a:xfrm>
-          <a:off x="0" y="0"/>
-          <a:ext cx="0" cy="0"/>
-          <a:chOff x="0" y="0"/>
-          <a:chExt cx="0" cy="0"/>
-        </a:xfrm>
-      </p:grpSpPr>
-      <p:sp>
-        <p:nvSpPr>
-          <p:cNvPr id="2" name="Slide Image Placeholder 1"/>
-          <p:cNvSpPr>
-            <a:spLocks noGrp="1" noRot="1" noChangeAspect="1"/>
-          </p:cNvSpPr>
-          <p:nvPr>
-            <p:ph type="sldImg"/>
-          </p:nvPr>
-        </p:nvSpPr>
-        <p:spPr/>
-      </p:sp>
-      <p:sp>
-        <p:nvSpPr>
-          <p:cNvPr id="3" name="Notes Placeholder 2"/>
-          <p:cNvSpPr>
-            <a:spLocks noGrp="1"/>
-          </p:cNvSpPr>
-          <p:nvPr>
-            <p:ph type="body" idx="1"/>
-          </p:nvPr>
-        </p:nvSpPr>
-        <p:spPr/>
-        <p:txBody>
-          <a:bodyPr/>
-          <a:lstStyle/>
-          <a:p>
-            <a:r>
-              <a:rPr lang="en-US"/>
-              <a:t>col </a:t>
-            </a:r>
-            <a:r>
-              <a:rPr lang="en-US" dirty="0"/>
-              <a:t>= color</a:t>
-            </a:r>
-          </a:p>
-        </p:txBody>
-      </p:sp>
-    </p:spTree>
-    <p:extLst>
-      <p:ext uri="{BB962C8B-B14F-4D97-AF65-F5344CB8AC3E}">
-        <p14:creationId xmlns:p14="http://schemas.microsoft.com/office/powerpoint/2010/main" val="238458663"/>
       </p:ext>
     </p:extLst>
   </p:cSld>
@@ -20771,758 +20365,70 @@
           <a:chExt cx="0" cy="0"/>
         </a:xfrm>
       </p:grpSpPr>
-      <p:sp>
-        <p:nvSpPr>
-          <p:cNvPr id="2" name="Title 1">
+      <p:pic>
+        <p:nvPicPr>
+          <p:cNvPr id="5" name="Picture 4">
             <a:extLst>
               <a:ext uri="{FF2B5EF4-FFF2-40B4-BE49-F238E27FC236}">
-                <a16:creationId xmlns:a16="http://schemas.microsoft.com/office/drawing/2014/main" id="{49F385ED-DC40-6AAA-9E3A-F1C859308B2E}"/>
+                <a16:creationId xmlns:a16="http://schemas.microsoft.com/office/drawing/2014/main" id="{72ED8871-C616-C679-D322-916B3246F056}"/>
               </a:ext>
             </a:extLst>
           </p:cNvPr>
-          <p:cNvSpPr>
-            <a:spLocks noGrp="1"/>
-          </p:cNvSpPr>
-          <p:nvPr>
-            <p:ph type="title"/>
-          </p:nvPr>
-        </p:nvSpPr>
-        <p:spPr/>
-        <p:txBody>
-          <a:bodyPr/>
-          <a:lstStyle/>
-          <a:p>
-            <a:r>
-              <a:rPr lang="en-US" dirty="0"/>
-              <a:t>Pairwise Comparisons – t-test</a:t>
-            </a:r>
-          </a:p>
-        </p:txBody>
-      </p:sp>
-      <mc:AlternateContent xmlns:mc="http://schemas.openxmlformats.org/markup-compatibility/2006">
-        <mc:Choice xmlns:a14="http://schemas.microsoft.com/office/drawing/2010/main" Requires="a14">
-          <p:sp>
-            <p:nvSpPr>
-              <p:cNvPr id="3" name="Text Placeholder 2">
-                <a:extLst>
-                  <a:ext uri="{FF2B5EF4-FFF2-40B4-BE49-F238E27FC236}">
-                    <a16:creationId xmlns:a16="http://schemas.microsoft.com/office/drawing/2014/main" id="{FE4E824D-2955-7A99-7C1E-212948E70354}"/>
-                  </a:ext>
-                </a:extLst>
-              </p:cNvPr>
-              <p:cNvSpPr>
-                <a:spLocks noGrp="1"/>
-              </p:cNvSpPr>
-              <p:nvPr>
-                <p:ph type="body" sz="quarter" idx="10"/>
-              </p:nvPr>
-            </p:nvSpPr>
-            <p:spPr>
-              <a:xfrm>
-                <a:off x="239712" y="1565832"/>
-                <a:ext cx="9143999" cy="5029200"/>
-              </a:xfrm>
-            </p:spPr>
-            <p:txBody>
-              <a:bodyPr/>
-              <a:lstStyle/>
-              <a:p>
-                <a:pPr marL="182880" indent="0" algn="l">
-                  <a:buNone/>
-                </a:pPr>
-                <a:r>
-                  <a:rPr lang="en-US" sz="2000" b="0" i="0" u="none" strike="noStrike" baseline="0" dirty="0">
-                    <a:solidFill>
-                      <a:srgbClr val="A10000"/>
-                    </a:solidFill>
-                    <a:latin typeface="Times New Roman" panose="02020603050405020304" pitchFamily="18" charset="0"/>
-                    <a:cs typeface="Times New Roman" panose="02020603050405020304" pitchFamily="18" charset="0"/>
-                  </a:rPr>
-                  <a:t>Pairwise comparisons can also be performed in the regression framework. </a:t>
-                </a:r>
-                <a:r>
-                  <a:rPr lang="en-US" sz="2000" b="0" i="0" u="none" strike="noStrike" baseline="0" dirty="0">
-                    <a:solidFill>
-                      <a:srgbClr val="000000"/>
-                    </a:solidFill>
-                    <a:latin typeface="Times New Roman" panose="02020603050405020304" pitchFamily="18" charset="0"/>
-                    <a:cs typeface="Times New Roman" panose="02020603050405020304" pitchFamily="18" charset="0"/>
-                  </a:rPr>
-                  <a:t>The simplest is the test of the underlying mean from group </a:t>
-                </a:r>
-                <a14:m>
-                  <m:oMath xmlns:m="http://schemas.openxmlformats.org/officeDocument/2006/math">
-                    <m:r>
-                      <a:rPr lang="en-US" sz="2000" b="0" i="1" u="none" strike="noStrike" dirty="0" smtClean="0">
-                        <a:solidFill>
-                          <a:srgbClr val="000000"/>
-                        </a:solidFill>
-                        <a:latin typeface="Cambria Math" panose="02040503050406030204" pitchFamily="18" charset="0"/>
-                      </a:rPr>
-                      <m:t>𝑖</m:t>
-                    </m:r>
-                  </m:oMath>
-                </a14:m>
-                <a:r>
-                  <a:rPr lang="en-US" sz="2000" dirty="0">
-                    <a:latin typeface="Times New Roman" panose="02020603050405020304" pitchFamily="18" charset="0"/>
-                    <a:cs typeface="Times New Roman" panose="02020603050405020304" pitchFamily="18" charset="0"/>
-                  </a:rPr>
-                  <a:t> </a:t>
-                </a:r>
-                <a:r>
-                  <a:rPr lang="en-US" sz="2000" b="0" i="0" u="none" strike="noStrike" baseline="0" dirty="0">
-                    <a:solidFill>
-                      <a:srgbClr val="000000"/>
-                    </a:solidFill>
-                    <a:latin typeface="Times New Roman" panose="02020603050405020304" pitchFamily="18" charset="0"/>
-                    <a:cs typeface="Times New Roman" panose="02020603050405020304" pitchFamily="18" charset="0"/>
-                  </a:rPr>
-                  <a:t>to the reference group (group 1 as outlined above).</a:t>
-                </a:r>
-              </a:p>
-              <a:p>
-                <a:pPr marL="182880" indent="0">
-                  <a:buNone/>
-                </a:pPr>
-                <a:r>
-                  <a:rPr lang="en-US" sz="2000" b="0" i="0" u="none" strike="noStrike" baseline="0" dirty="0">
-                    <a:solidFill>
-                      <a:srgbClr val="000000"/>
-                    </a:solidFill>
-                    <a:latin typeface="Times New Roman" panose="02020603050405020304" pitchFamily="18" charset="0"/>
-                    <a:cs typeface="Times New Roman" panose="02020603050405020304" pitchFamily="18" charset="0"/>
-                  </a:rPr>
-                  <a:t>In the one-way ANOVA framework, the test of the null hypothesis </a:t>
-                </a:r>
-                <a14:m>
-                  <m:oMath xmlns:m="http://schemas.openxmlformats.org/officeDocument/2006/math">
-                    <m:sSub>
-                      <m:sSubPr>
-                        <m:ctrlPr>
-                          <a:rPr lang="en-US" sz="2000" b="0" i="1" u="none" strike="noStrike" baseline="0" dirty="0" smtClean="0">
-                            <a:solidFill>
-                              <a:srgbClr val="000000"/>
-                            </a:solidFill>
-                            <a:latin typeface="Cambria Math" panose="02040503050406030204" pitchFamily="18" charset="0"/>
-                          </a:rPr>
-                        </m:ctrlPr>
-                      </m:sSubPr>
-                      <m:e>
-                        <m:r>
-                          <a:rPr lang="en-US" sz="2000" b="0" i="1" u="none" strike="noStrike" baseline="0" dirty="0" smtClean="0">
-                            <a:solidFill>
-                              <a:srgbClr val="000000"/>
-                            </a:solidFill>
-                            <a:latin typeface="Cambria Math" panose="02040503050406030204" pitchFamily="18" charset="0"/>
-                            <a:ea typeface="Cambria Math" panose="02040503050406030204" pitchFamily="18" charset="0"/>
-                          </a:rPr>
-                          <m:t>𝜇</m:t>
-                        </m:r>
-                      </m:e>
-                      <m:sub>
-                        <m:r>
-                          <a:rPr lang="en-US" sz="2000" b="0" i="1" u="none" strike="noStrike" baseline="0" dirty="0" smtClean="0">
-                            <a:solidFill>
-                              <a:srgbClr val="000000"/>
-                            </a:solidFill>
-                            <a:latin typeface="Cambria Math" panose="02040503050406030204" pitchFamily="18" charset="0"/>
-                          </a:rPr>
-                          <m:t>𝑖</m:t>
-                        </m:r>
-                      </m:sub>
-                    </m:sSub>
-                    <m:r>
-                      <a:rPr lang="en-US" sz="2000" b="0" i="1" u="none" strike="noStrike" baseline="0" dirty="0" smtClean="0">
-                        <a:solidFill>
-                          <a:srgbClr val="000000"/>
-                        </a:solidFill>
-                        <a:latin typeface="Cambria Math" panose="02040503050406030204" pitchFamily="18" charset="0"/>
-                      </a:rPr>
-                      <m:t> =</m:t>
-                    </m:r>
-                    <m:sSub>
-                      <m:sSubPr>
-                        <m:ctrlPr>
-                          <a:rPr lang="en-US" sz="2000" i="1" dirty="0">
-                            <a:latin typeface="Cambria Math" panose="02040503050406030204" pitchFamily="18" charset="0"/>
-                          </a:rPr>
-                        </m:ctrlPr>
-                      </m:sSubPr>
-                      <m:e>
-                        <m:r>
-                          <a:rPr lang="en-US" sz="2000" i="1" dirty="0">
-                            <a:latin typeface="Cambria Math" panose="02040503050406030204" pitchFamily="18" charset="0"/>
-                            <a:ea typeface="Cambria Math" panose="02040503050406030204" pitchFamily="18" charset="0"/>
-                          </a:rPr>
-                          <m:t>𝜇</m:t>
-                        </m:r>
-                      </m:e>
-                      <m:sub>
-                        <m:r>
-                          <a:rPr lang="en-US" sz="2000" b="0" i="1" dirty="0" smtClean="0">
-                            <a:latin typeface="Cambria Math" panose="02040503050406030204" pitchFamily="18" charset="0"/>
-                            <a:ea typeface="Cambria Math" panose="02040503050406030204" pitchFamily="18" charset="0"/>
-                          </a:rPr>
-                          <m:t>𝑗</m:t>
-                        </m:r>
-                      </m:sub>
-                    </m:sSub>
-                    <m:r>
-                      <a:rPr lang="en-US" sz="2000" b="0" i="1" u="none" strike="noStrike" baseline="0" dirty="0" smtClean="0">
-                        <a:solidFill>
-                          <a:srgbClr val="000000"/>
-                        </a:solidFill>
-                        <a:latin typeface="Cambria Math" panose="02040503050406030204" pitchFamily="18" charset="0"/>
-                      </a:rPr>
-                      <m:t> </m:t>
-                    </m:r>
-                  </m:oMath>
-                </a14:m>
-                <a:r>
-                  <a:rPr lang="en-US" sz="2000" b="0" i="0" u="none" strike="noStrike" baseline="0" dirty="0">
-                    <a:solidFill>
-                      <a:srgbClr val="000000"/>
-                    </a:solidFill>
-                    <a:latin typeface="Times New Roman" panose="02020603050405020304" pitchFamily="18" charset="0"/>
-                    <a:cs typeface="Times New Roman" panose="02020603050405020304" pitchFamily="18" charset="0"/>
-                  </a:rPr>
-                  <a:t>would be accomplished through the use of the t statistic:</a:t>
-                </a:r>
-              </a:p>
-              <a:p>
-                <a:pPr marL="182880" indent="0" algn="l">
-                  <a:buNone/>
-                </a:pPr>
-                <a14:m>
-                  <m:oMathPara xmlns:m="http://schemas.openxmlformats.org/officeDocument/2006/math">
-                    <m:oMathParaPr>
-                      <m:jc m:val="centerGroup"/>
-                    </m:oMathParaPr>
-                    <m:oMath xmlns:m="http://schemas.openxmlformats.org/officeDocument/2006/math">
-                      <m:r>
-                        <a:rPr lang="en-US" sz="2000" b="0" i="1" smtClean="0">
-                          <a:latin typeface="Cambria Math" panose="02040503050406030204" pitchFamily="18" charset="0"/>
-                        </a:rPr>
-                        <m:t>𝑡</m:t>
-                      </m:r>
-                      <m:r>
-                        <a:rPr lang="en-US" sz="2000" b="0" i="1" smtClean="0">
-                          <a:latin typeface="Cambria Math" panose="02040503050406030204" pitchFamily="18" charset="0"/>
-                        </a:rPr>
-                        <m:t>=</m:t>
-                      </m:r>
-                      <m:f>
-                        <m:fPr>
-                          <m:ctrlPr>
-                            <a:rPr lang="en-US" sz="2000" i="1" smtClean="0">
-                              <a:latin typeface="Cambria Math" panose="02040503050406030204" pitchFamily="18" charset="0"/>
-                            </a:rPr>
-                          </m:ctrlPr>
-                        </m:fPr>
-                        <m:num>
-                          <m:acc>
-                            <m:accPr>
-                              <m:chr m:val="̅"/>
-                              <m:ctrlPr>
-                                <a:rPr lang="en-US" sz="2000" i="1" smtClean="0">
-                                  <a:latin typeface="Cambria Math" panose="02040503050406030204" pitchFamily="18" charset="0"/>
-                                </a:rPr>
-                              </m:ctrlPr>
-                            </m:accPr>
-                            <m:e>
-                              <m:sSub>
-                                <m:sSubPr>
-                                  <m:ctrlPr>
-                                    <a:rPr lang="en-US" sz="2000" i="1" smtClean="0">
-                                      <a:latin typeface="Cambria Math" panose="02040503050406030204" pitchFamily="18" charset="0"/>
-                                    </a:rPr>
-                                  </m:ctrlPr>
-                                </m:sSubPr>
-                                <m:e>
-                                  <m:r>
-                                    <a:rPr lang="en-US" sz="2000" b="0" i="1" smtClean="0">
-                                      <a:latin typeface="Cambria Math" panose="02040503050406030204" pitchFamily="18" charset="0"/>
-                                    </a:rPr>
-                                    <m:t>𝑥</m:t>
-                                  </m:r>
-                                </m:e>
-                                <m:sub>
-                                  <m:r>
-                                    <a:rPr lang="en-US" sz="2000" b="0" i="1" smtClean="0">
-                                      <a:latin typeface="Cambria Math" panose="02040503050406030204" pitchFamily="18" charset="0"/>
-                                    </a:rPr>
-                                    <m:t>𝑖</m:t>
-                                  </m:r>
-                                </m:sub>
-                              </m:sSub>
-                            </m:e>
-                          </m:acc>
-                          <m:r>
-                            <a:rPr lang="en-US" sz="2000" b="0" i="1" smtClean="0">
-                              <a:latin typeface="Cambria Math" panose="02040503050406030204" pitchFamily="18" charset="0"/>
-                            </a:rPr>
-                            <m:t>−</m:t>
-                          </m:r>
-                          <m:acc>
-                            <m:accPr>
-                              <m:chr m:val="̅"/>
-                              <m:ctrlPr>
-                                <a:rPr lang="en-US" sz="2000" i="1" smtClean="0">
-                                  <a:latin typeface="Cambria Math" panose="02040503050406030204" pitchFamily="18" charset="0"/>
-                                </a:rPr>
-                              </m:ctrlPr>
-                            </m:accPr>
-                            <m:e>
-                              <m:sSub>
-                                <m:sSubPr>
-                                  <m:ctrlPr>
-                                    <a:rPr lang="en-US" sz="2000" i="1">
-                                      <a:latin typeface="Cambria Math" panose="02040503050406030204" pitchFamily="18" charset="0"/>
-                                    </a:rPr>
-                                  </m:ctrlPr>
-                                </m:sSubPr>
-                                <m:e>
-                                  <m:r>
-                                    <a:rPr lang="en-US" sz="2000" b="0" i="1">
-                                      <a:latin typeface="Cambria Math" panose="02040503050406030204" pitchFamily="18" charset="0"/>
-                                    </a:rPr>
-                                    <m:t>𝑥</m:t>
-                                  </m:r>
-                                </m:e>
-                                <m:sub>
-                                  <m:r>
-                                    <a:rPr lang="en-US" sz="2000" b="0" i="1" smtClean="0">
-                                      <a:latin typeface="Cambria Math" panose="02040503050406030204" pitchFamily="18" charset="0"/>
-                                    </a:rPr>
-                                    <m:t>𝑗</m:t>
-                                  </m:r>
-                                </m:sub>
-                              </m:sSub>
-                            </m:e>
-                          </m:acc>
-                        </m:num>
-                        <m:den>
-                          <m:rad>
-                            <m:radPr>
-                              <m:degHide m:val="on"/>
-                              <m:ctrlPr>
-                                <a:rPr lang="en-US" sz="2000" i="1" smtClean="0">
-                                  <a:latin typeface="Cambria Math" panose="02040503050406030204" pitchFamily="18" charset="0"/>
-                                </a:rPr>
-                              </m:ctrlPr>
-                            </m:radPr>
-                            <m:deg/>
-                            <m:e>
-                              <m:sSubSup>
-                                <m:sSubSupPr>
-                                  <m:ctrlPr>
-                                    <a:rPr lang="en-US" sz="2000" i="1" smtClean="0">
-                                      <a:latin typeface="Cambria Math" panose="02040503050406030204" pitchFamily="18" charset="0"/>
-                                    </a:rPr>
-                                  </m:ctrlPr>
-                                </m:sSubSupPr>
-                                <m:e>
-                                  <m:r>
-                                    <a:rPr lang="en-US" sz="2000" b="0" i="1" smtClean="0">
-                                      <a:latin typeface="Cambria Math" panose="02040503050406030204" pitchFamily="18" charset="0"/>
-                                    </a:rPr>
-                                    <m:t>𝑠</m:t>
-                                  </m:r>
-                                </m:e>
-                                <m:sub>
-                                  <m:r>
-                                    <a:rPr lang="en-US" sz="2000" b="0" i="1" smtClean="0">
-                                      <a:latin typeface="Cambria Math" panose="02040503050406030204" pitchFamily="18" charset="0"/>
-                                    </a:rPr>
-                                    <m:t>𝑝</m:t>
-                                  </m:r>
-                                </m:sub>
-                                <m:sup>
-                                  <m:r>
-                                    <a:rPr lang="en-US" sz="2000" b="0" i="1" smtClean="0">
-                                      <a:latin typeface="Cambria Math" panose="02040503050406030204" pitchFamily="18" charset="0"/>
-                                    </a:rPr>
-                                    <m:t>2</m:t>
-                                  </m:r>
-                                </m:sup>
-                              </m:sSubSup>
-                              <m:r>
-                                <a:rPr lang="en-US" sz="2000" b="0" i="1" smtClean="0">
-                                  <a:latin typeface="Cambria Math" panose="02040503050406030204" pitchFamily="18" charset="0"/>
-                                </a:rPr>
-                                <m:t>(</m:t>
-                              </m:r>
-                              <m:f>
-                                <m:fPr>
-                                  <m:ctrlPr>
-                                    <a:rPr lang="en-US" sz="2000" i="1" smtClean="0">
-                                      <a:latin typeface="Cambria Math" panose="02040503050406030204" pitchFamily="18" charset="0"/>
-                                    </a:rPr>
-                                  </m:ctrlPr>
-                                </m:fPr>
-                                <m:num>
-                                  <m:r>
-                                    <a:rPr lang="en-US" sz="2000" b="0" i="1" smtClean="0">
-                                      <a:latin typeface="Cambria Math" panose="02040503050406030204" pitchFamily="18" charset="0"/>
-                                    </a:rPr>
-                                    <m:t>1</m:t>
-                                  </m:r>
-                                </m:num>
-                                <m:den>
-                                  <m:sSub>
-                                    <m:sSubPr>
-                                      <m:ctrlPr>
-                                        <a:rPr lang="en-US" sz="2000" i="1" smtClean="0">
-                                          <a:latin typeface="Cambria Math" panose="02040503050406030204" pitchFamily="18" charset="0"/>
-                                        </a:rPr>
-                                      </m:ctrlPr>
-                                    </m:sSubPr>
-                                    <m:e>
-                                      <m:r>
-                                        <a:rPr lang="en-US" sz="2000" b="0" i="1" smtClean="0">
-                                          <a:latin typeface="Cambria Math" panose="02040503050406030204" pitchFamily="18" charset="0"/>
-                                        </a:rPr>
-                                        <m:t>𝑛</m:t>
-                                      </m:r>
-                                    </m:e>
-                                    <m:sub>
-                                      <m:r>
-                                        <a:rPr lang="en-US" sz="2000" b="0" i="1" smtClean="0">
-                                          <a:latin typeface="Cambria Math" panose="02040503050406030204" pitchFamily="18" charset="0"/>
-                                        </a:rPr>
-                                        <m:t>𝑖</m:t>
-                                      </m:r>
-                                    </m:sub>
-                                  </m:sSub>
-                                </m:den>
-                              </m:f>
-                              <m:r>
-                                <a:rPr lang="en-US" sz="2000" b="0" i="1" smtClean="0">
-                                  <a:latin typeface="Cambria Math" panose="02040503050406030204" pitchFamily="18" charset="0"/>
-                                </a:rPr>
-                                <m:t>+</m:t>
-                              </m:r>
-                              <m:f>
-                                <m:fPr>
-                                  <m:ctrlPr>
-                                    <a:rPr lang="en-US" sz="2000" i="1">
-                                      <a:latin typeface="Cambria Math" panose="02040503050406030204" pitchFamily="18" charset="0"/>
-                                    </a:rPr>
-                                  </m:ctrlPr>
-                                </m:fPr>
-                                <m:num>
-                                  <m:r>
-                                    <a:rPr lang="en-US" sz="2000" b="0" i="1">
-                                      <a:latin typeface="Cambria Math" panose="02040503050406030204" pitchFamily="18" charset="0"/>
-                                    </a:rPr>
-                                    <m:t>1</m:t>
-                                  </m:r>
-                                </m:num>
-                                <m:den>
-                                  <m:sSub>
-                                    <m:sSubPr>
-                                      <m:ctrlPr>
-                                        <a:rPr lang="en-US" sz="2000" i="1">
-                                          <a:latin typeface="Cambria Math" panose="02040503050406030204" pitchFamily="18" charset="0"/>
-                                        </a:rPr>
-                                      </m:ctrlPr>
-                                    </m:sSubPr>
-                                    <m:e>
-                                      <m:r>
-                                        <a:rPr lang="en-US" sz="2000" b="0" i="1">
-                                          <a:latin typeface="Cambria Math" panose="02040503050406030204" pitchFamily="18" charset="0"/>
-                                        </a:rPr>
-                                        <m:t>𝑛</m:t>
-                                      </m:r>
-                                    </m:e>
-                                    <m:sub>
-                                      <m:r>
-                                        <a:rPr lang="en-US" sz="2000" b="0" i="1" smtClean="0">
-                                          <a:latin typeface="Cambria Math" panose="02040503050406030204" pitchFamily="18" charset="0"/>
-                                        </a:rPr>
-                                        <m:t>𝑗</m:t>
-                                      </m:r>
-                                    </m:sub>
-                                  </m:sSub>
-                                </m:den>
-                              </m:f>
-                              <m:r>
-                                <a:rPr lang="en-US" sz="2000" b="0" i="1" smtClean="0">
-                                  <a:latin typeface="Cambria Math" panose="02040503050406030204" pitchFamily="18" charset="0"/>
-                                </a:rPr>
-                                <m:t>)</m:t>
-                              </m:r>
-                            </m:e>
-                          </m:rad>
-                        </m:den>
-                      </m:f>
-                    </m:oMath>
-                  </m:oMathPara>
-                </a14:m>
-                <a:endParaRPr lang="en-US" sz="2000" b="0" i="0" u="none" strike="noStrike" baseline="0" dirty="0">
-                  <a:solidFill>
-                    <a:srgbClr val="000000"/>
-                  </a:solidFill>
-                  <a:latin typeface="Times New Roman" panose="02020603050405020304" pitchFamily="18" charset="0"/>
-                  <a:cs typeface="Times New Roman" panose="02020603050405020304" pitchFamily="18" charset="0"/>
-                </a:endParaRPr>
-              </a:p>
-              <a:p>
-                <a:pPr marL="182880" indent="0" algn="l">
-                  <a:buNone/>
-                </a:pPr>
-                <a:r>
-                  <a:rPr lang="en-US" sz="2000" b="0" i="0" u="none" strike="noStrike" baseline="0" dirty="0">
-                    <a:solidFill>
-                      <a:srgbClr val="000000"/>
-                    </a:solidFill>
-                    <a:latin typeface="Times New Roman" panose="02020603050405020304" pitchFamily="18" charset="0"/>
-                    <a:cs typeface="Times New Roman" panose="02020603050405020304" pitchFamily="18" charset="0"/>
-                  </a:rPr>
-                  <a:t>which follows a t-distribution with </a:t>
-                </a:r>
-                <a14:m>
-                  <m:oMath xmlns:m="http://schemas.openxmlformats.org/officeDocument/2006/math">
-                    <m:r>
-                      <a:rPr lang="en-US" sz="2000" b="0" i="1" u="none" strike="noStrike" baseline="0" dirty="0" smtClean="0">
-                        <a:solidFill>
-                          <a:srgbClr val="000000"/>
-                        </a:solidFill>
-                        <a:latin typeface="Cambria Math" panose="02040503050406030204" pitchFamily="18" charset="0"/>
-                      </a:rPr>
-                      <m:t>𝑛</m:t>
-                    </m:r>
-                    <m:r>
-                      <a:rPr lang="en-US" sz="2000" b="0" i="1" u="none" strike="noStrike" baseline="0" dirty="0" smtClean="0">
-                        <a:solidFill>
-                          <a:srgbClr val="000000"/>
-                        </a:solidFill>
-                        <a:latin typeface="Cambria Math" panose="02040503050406030204" pitchFamily="18" charset="0"/>
-                      </a:rPr>
-                      <m:t>−</m:t>
-                    </m:r>
-                    <m:r>
-                      <a:rPr lang="en-US" sz="2000" b="0" i="1" u="none" strike="noStrike" baseline="0" dirty="0" smtClean="0">
-                        <a:solidFill>
-                          <a:srgbClr val="000000"/>
-                        </a:solidFill>
-                        <a:latin typeface="Cambria Math" panose="02040503050406030204" pitchFamily="18" charset="0"/>
-                      </a:rPr>
-                      <m:t>𝑘</m:t>
-                    </m:r>
-                  </m:oMath>
-                </a14:m>
-                <a:r>
-                  <a:rPr lang="en-US" sz="2000" b="0" i="0" u="none" strike="noStrike" baseline="0" dirty="0">
-                    <a:solidFill>
-                      <a:srgbClr val="000000"/>
-                    </a:solidFill>
-                    <a:latin typeface="Times New Roman" panose="02020603050405020304" pitchFamily="18" charset="0"/>
-                    <a:cs typeface="Times New Roman" panose="02020603050405020304" pitchFamily="18" charset="0"/>
-                  </a:rPr>
-                  <a:t> degrees of freedom under </a:t>
-                </a:r>
-                <a14:m>
-                  <m:oMath xmlns:m="http://schemas.openxmlformats.org/officeDocument/2006/math">
-                    <m:sSub>
-                      <m:sSubPr>
-                        <m:ctrlPr>
-                          <a:rPr lang="en-US" sz="2000" b="0" i="1" u="none" strike="noStrike" baseline="0" smtClean="0">
-                            <a:solidFill>
-                              <a:srgbClr val="000000"/>
-                            </a:solidFill>
-                            <a:latin typeface="Cambria Math" panose="02040503050406030204" pitchFamily="18" charset="0"/>
-                          </a:rPr>
-                        </m:ctrlPr>
-                      </m:sSubPr>
-                      <m:e>
-                        <m:r>
-                          <a:rPr lang="en-US" sz="2000" b="0" i="1" u="none" strike="noStrike" baseline="0" smtClean="0">
-                            <a:solidFill>
-                              <a:srgbClr val="000000"/>
-                            </a:solidFill>
-                            <a:latin typeface="Cambria Math" panose="02040503050406030204" pitchFamily="18" charset="0"/>
-                          </a:rPr>
-                          <m:t>𝐻</m:t>
-                        </m:r>
-                      </m:e>
-                      <m:sub>
-                        <m:r>
-                          <a:rPr lang="en-US" sz="2000" b="0" i="1" u="none" strike="noStrike" baseline="0" smtClean="0">
-                            <a:solidFill>
-                              <a:srgbClr val="000000"/>
-                            </a:solidFill>
-                            <a:latin typeface="Cambria Math" panose="02040503050406030204" pitchFamily="18" charset="0"/>
-                          </a:rPr>
-                          <m:t>0</m:t>
-                        </m:r>
-                      </m:sub>
-                    </m:sSub>
-                    <m:r>
-                      <a:rPr lang="en-US" sz="2000" b="0" i="1" u="none" strike="noStrike" baseline="0" smtClean="0">
-                        <a:solidFill>
-                          <a:srgbClr val="000000"/>
-                        </a:solidFill>
-                        <a:latin typeface="Cambria Math" panose="02040503050406030204" pitchFamily="18" charset="0"/>
-                      </a:rPr>
-                      <m:t> </m:t>
-                    </m:r>
-                  </m:oMath>
-                </a14:m>
-                <a:r>
-                  <a:rPr lang="en-US" sz="2000" b="0" i="0" u="none" strike="noStrike" baseline="0" dirty="0">
-                    <a:solidFill>
-                      <a:srgbClr val="000000"/>
-                    </a:solidFill>
-                    <a:latin typeface="Times New Roman" panose="02020603050405020304" pitchFamily="18" charset="0"/>
-                    <a:cs typeface="Times New Roman" panose="02020603050405020304" pitchFamily="18" charset="0"/>
-                  </a:rPr>
-                  <a:t>(</a:t>
-                </a:r>
-                <a14:m>
-                  <m:oMath xmlns:m="http://schemas.openxmlformats.org/officeDocument/2006/math">
-                    <m:r>
-                      <a:rPr lang="en-US" sz="2000" b="0" i="1" u="none" strike="noStrike" baseline="0" dirty="0" smtClean="0">
-                        <a:solidFill>
-                          <a:srgbClr val="000000"/>
-                        </a:solidFill>
-                        <a:latin typeface="Cambria Math" panose="02040503050406030204" pitchFamily="18" charset="0"/>
-                      </a:rPr>
-                      <m:t>𝑘</m:t>
-                    </m:r>
-                  </m:oMath>
-                </a14:m>
-                <a:r>
-                  <a:rPr lang="en-US" sz="2000" b="0" i="0" u="none" strike="noStrike" baseline="0" dirty="0">
-                    <a:solidFill>
-                      <a:srgbClr val="000000"/>
-                    </a:solidFill>
-                    <a:latin typeface="Times New Roman" panose="02020603050405020304" pitchFamily="18" charset="0"/>
-                    <a:cs typeface="Times New Roman" panose="02020603050405020304" pitchFamily="18" charset="0"/>
-                  </a:rPr>
-                  <a:t> here is the number of groups).</a:t>
-                </a:r>
-              </a:p>
-              <a:p>
-                <a:pPr marL="182880" indent="0" algn="l">
-                  <a:buNone/>
-                </a:pPr>
-                <a:r>
-                  <a:rPr lang="en-US" sz="2000" b="0" i="0" u="none" strike="noStrike" baseline="0" dirty="0">
-                    <a:solidFill>
-                      <a:srgbClr val="000000"/>
-                    </a:solidFill>
-                    <a:latin typeface="Times New Roman" panose="02020603050405020304" pitchFamily="18" charset="0"/>
-                    <a:cs typeface="Times New Roman" panose="02020603050405020304" pitchFamily="18" charset="0"/>
-                  </a:rPr>
-                  <a:t>This test is the same as the t-test in the regression setting, which tests the null hypothesis </a:t>
-                </a:r>
-                <a14:m>
-                  <m:oMath xmlns:m="http://schemas.openxmlformats.org/officeDocument/2006/math">
-                    <m:sSub>
-                      <m:sSubPr>
-                        <m:ctrlPr>
-                          <a:rPr lang="en-US" sz="2000" b="0" i="1" u="none" strike="noStrike" baseline="0" smtClean="0">
-                            <a:solidFill>
-                              <a:srgbClr val="000000"/>
-                            </a:solidFill>
-                            <a:latin typeface="Cambria Math" panose="02040503050406030204" pitchFamily="18" charset="0"/>
-                          </a:rPr>
-                        </m:ctrlPr>
-                      </m:sSubPr>
-                      <m:e>
-                        <m:r>
-                          <a:rPr lang="en-US" sz="2000" b="0" i="1" u="none" strike="noStrike" baseline="0" smtClean="0">
-                            <a:solidFill>
-                              <a:srgbClr val="000000"/>
-                            </a:solidFill>
-                            <a:latin typeface="Cambria Math" panose="02040503050406030204" pitchFamily="18" charset="0"/>
-                            <a:ea typeface="Cambria Math" panose="02040503050406030204" pitchFamily="18" charset="0"/>
-                          </a:rPr>
-                          <m:t>𝛽</m:t>
-                        </m:r>
-                      </m:e>
-                      <m:sub>
-                        <m:r>
-                          <a:rPr lang="en-US" sz="2000" b="0" i="1" u="none" strike="noStrike" baseline="0" smtClean="0">
-                            <a:solidFill>
-                              <a:srgbClr val="000000"/>
-                            </a:solidFill>
-                            <a:latin typeface="Cambria Math" panose="02040503050406030204" pitchFamily="18" charset="0"/>
-                          </a:rPr>
-                          <m:t>𝑖</m:t>
-                        </m:r>
-                      </m:sub>
-                    </m:sSub>
-                  </m:oMath>
-                </a14:m>
-                <a:r>
-                  <a:rPr lang="en-US" sz="2000" b="0" i="0" u="none" strike="noStrike" baseline="0" dirty="0">
-                    <a:solidFill>
-                      <a:srgbClr val="000000"/>
-                    </a:solidFill>
-                    <a:latin typeface="Times New Roman" panose="02020603050405020304" pitchFamily="18" charset="0"/>
-                    <a:cs typeface="Times New Roman" panose="02020603050405020304" pitchFamily="18" charset="0"/>
-                  </a:rPr>
-                  <a:t> = 0 after controlling for the other independent variables in the model</a:t>
-                </a:r>
-                <a:endParaRPr lang="en-US" sz="2000" dirty="0">
-                  <a:latin typeface="Times New Roman" panose="02020603050405020304" pitchFamily="18" charset="0"/>
-                  <a:cs typeface="Times New Roman" panose="02020603050405020304" pitchFamily="18" charset="0"/>
-                </a:endParaRPr>
-              </a:p>
-            </p:txBody>
-          </p:sp>
-        </mc:Choice>
-        <mc:Fallback>
-          <p:sp>
-            <p:nvSpPr>
-              <p:cNvPr id="3" name="Text Placeholder 2">
-                <a:extLst>
-                  <a:ext uri="{FF2B5EF4-FFF2-40B4-BE49-F238E27FC236}">
-                    <a16:creationId xmlns:a16="http://schemas.microsoft.com/office/drawing/2014/main" id="{FE4E824D-2955-7A99-7C1E-212948E70354}"/>
-                  </a:ext>
-                </a:extLst>
-              </p:cNvPr>
-              <p:cNvSpPr>
-                <a:spLocks noGrp="1" noRot="1" noChangeAspect="1" noMove="1" noResize="1" noEditPoints="1" noAdjustHandles="1" noChangeArrowheads="1" noChangeShapeType="1" noTextEdit="1"/>
-              </p:cNvSpPr>
-              <p:nvPr>
-                <p:ph type="body" sz="quarter" idx="10"/>
-              </p:nvPr>
-            </p:nvSpPr>
-            <p:spPr>
-              <a:xfrm>
-                <a:off x="239712" y="1565832"/>
-                <a:ext cx="9143999" cy="5029200"/>
-              </a:xfrm>
-              <a:blipFill>
-                <a:blip r:embed="rId2"/>
-                <a:stretch>
-                  <a:fillRect t="-1091" r="-1467" b="-9697"/>
-                </a:stretch>
-              </a:blipFill>
-            </p:spPr>
-            <p:txBody>
-              <a:bodyPr/>
-              <a:lstStyle/>
-              <a:p>
-                <a:r>
-                  <a:rPr lang="en-US">
-                    <a:noFill/>
-                  </a:rPr>
-                  <a:t> </a:t>
-                </a:r>
-              </a:p>
-            </p:txBody>
-          </p:sp>
-        </mc:Fallback>
-      </mc:AlternateContent>
+          <p:cNvPicPr>
+            <a:picLocks noChangeAspect="1"/>
+          </p:cNvPicPr>
+          <p:nvPr/>
+        </p:nvPicPr>
+        <p:blipFill>
+          <a:blip r:embed="rId2"/>
+          <a:stretch>
+            <a:fillRect/>
+          </a:stretch>
+        </p:blipFill>
+        <p:spPr>
+          <a:xfrm>
+            <a:off x="163512" y="274637"/>
+            <a:ext cx="6067425" cy="3957638"/>
+          </a:xfrm>
+          <a:prstGeom prst="rect">
+            <a:avLst/>
+          </a:prstGeom>
+        </p:spPr>
+      </p:pic>
+      <p:pic>
+        <p:nvPicPr>
+          <p:cNvPr id="7" name="Picture 6">
+            <a:extLst>
+              <a:ext uri="{FF2B5EF4-FFF2-40B4-BE49-F238E27FC236}">
+                <a16:creationId xmlns:a16="http://schemas.microsoft.com/office/drawing/2014/main" id="{39CE5D20-52FA-FA52-0496-935257B16B71}"/>
+              </a:ext>
+            </a:extLst>
+          </p:cNvPr>
+          <p:cNvPicPr>
+            <a:picLocks noChangeAspect="1"/>
+          </p:cNvPicPr>
+          <p:nvPr/>
+        </p:nvPicPr>
+        <p:blipFill>
+          <a:blip r:embed="rId3"/>
+          <a:stretch>
+            <a:fillRect/>
+          </a:stretch>
+        </p:blipFill>
+        <p:spPr>
+          <a:xfrm>
+            <a:off x="3668712" y="4389437"/>
+            <a:ext cx="6067426" cy="3014663"/>
+          </a:xfrm>
+          <a:prstGeom prst="rect">
+            <a:avLst/>
+          </a:prstGeom>
+        </p:spPr>
+      </p:pic>
     </p:spTree>
     <p:extLst>
       <p:ext uri="{BB962C8B-B14F-4D97-AF65-F5344CB8AC3E}">
-        <p14:creationId xmlns:p14="http://schemas.microsoft.com/office/powerpoint/2010/main" val="2522244049"/>
+        <p14:creationId xmlns:p14="http://schemas.microsoft.com/office/powerpoint/2010/main" val="1651193419"/>
       </p:ext>
     </p:extLst>
   </p:cSld>
@@ -21533,735 +20439,6 @@
 </file>
 
 <file path=ppt/slides/slide12.xml><?xml version="1.0" encoding="utf-8"?>
-<p:sld xmlns:a="http://schemas.openxmlformats.org/drawingml/2006/main" xmlns:r="http://schemas.openxmlformats.org/officeDocument/2006/relationships" xmlns:p="http://schemas.openxmlformats.org/presentationml/2006/main">
-  <p:cSld>
-    <p:spTree>
-      <p:nvGrpSpPr>
-        <p:cNvPr id="1" name=""/>
-        <p:cNvGrpSpPr/>
-        <p:nvPr/>
-      </p:nvGrpSpPr>
-      <p:grpSpPr>
-        <a:xfrm>
-          <a:off x="0" y="0"/>
-          <a:ext cx="0" cy="0"/>
-          <a:chOff x="0" y="0"/>
-          <a:chExt cx="0" cy="0"/>
-        </a:xfrm>
-      </p:grpSpPr>
-      <p:sp>
-        <p:nvSpPr>
-          <p:cNvPr id="2" name="Title 1">
-            <a:extLst>
-              <a:ext uri="{FF2B5EF4-FFF2-40B4-BE49-F238E27FC236}">
-                <a16:creationId xmlns:a16="http://schemas.microsoft.com/office/drawing/2014/main" id="{49F385ED-DC40-6AAA-9E3A-F1C859308B2E}"/>
-              </a:ext>
-            </a:extLst>
-          </p:cNvPr>
-          <p:cNvSpPr>
-            <a:spLocks noGrp="1"/>
-          </p:cNvSpPr>
-          <p:nvPr>
-            <p:ph type="title"/>
-          </p:nvPr>
-        </p:nvSpPr>
-        <p:spPr/>
-        <p:txBody>
-          <a:bodyPr/>
-          <a:lstStyle/>
-          <a:p>
-            <a:r>
-              <a:rPr lang="en-US" dirty="0"/>
-              <a:t>Pairwise Comparisons – t-test</a:t>
-            </a:r>
-          </a:p>
-        </p:txBody>
-      </p:sp>
-      <mc:AlternateContent xmlns:mc="http://schemas.openxmlformats.org/markup-compatibility/2006" xmlns:a14="http://schemas.microsoft.com/office/drawing/2010/main">
-        <mc:Choice Requires="a14">
-          <p:sp>
-            <p:nvSpPr>
-              <p:cNvPr id="3" name="Text Placeholder 2">
-                <a:extLst>
-                  <a:ext uri="{FF2B5EF4-FFF2-40B4-BE49-F238E27FC236}">
-                    <a16:creationId xmlns:a16="http://schemas.microsoft.com/office/drawing/2014/main" id="{FE4E824D-2955-7A99-7C1E-212948E70354}"/>
-                  </a:ext>
-                </a:extLst>
-              </p:cNvPr>
-              <p:cNvSpPr>
-                <a:spLocks noGrp="1"/>
-              </p:cNvSpPr>
-              <p:nvPr>
-                <p:ph type="body" sz="quarter" idx="10"/>
-              </p:nvPr>
-            </p:nvSpPr>
-            <p:spPr>
-              <a:xfrm>
-                <a:off x="239712" y="1565832"/>
-                <a:ext cx="9143999" cy="5029200"/>
-              </a:xfrm>
-            </p:spPr>
-            <p:txBody>
-              <a:bodyPr/>
-              <a:lstStyle/>
-              <a:p>
-                <a:pPr marL="182880" indent="0" algn="l">
-                  <a:buNone/>
-                </a:pPr>
-                <a14:m>
-                  <m:oMathPara xmlns:m="http://schemas.openxmlformats.org/officeDocument/2006/math">
-                    <m:oMathParaPr>
-                      <m:jc m:val="centerGroup"/>
-                    </m:oMathParaPr>
-                    <m:oMath xmlns:m="http://schemas.openxmlformats.org/officeDocument/2006/math">
-                      <m:r>
-                        <a:rPr lang="en-US" sz="2000" b="0" i="1" smtClean="0">
-                          <a:latin typeface="Cambria Math" panose="02040503050406030204" pitchFamily="18" charset="0"/>
-                        </a:rPr>
-                        <m:t>𝑡</m:t>
-                      </m:r>
-                      <m:r>
-                        <a:rPr lang="en-US" sz="2000" b="0" i="1" smtClean="0">
-                          <a:latin typeface="Cambria Math" panose="02040503050406030204" pitchFamily="18" charset="0"/>
-                        </a:rPr>
-                        <m:t>=</m:t>
-                      </m:r>
-                      <m:f>
-                        <m:fPr>
-                          <m:ctrlPr>
-                            <a:rPr lang="en-US" sz="2000" i="1" smtClean="0">
-                              <a:latin typeface="Cambria Math" panose="02040503050406030204" pitchFamily="18" charset="0"/>
-                            </a:rPr>
-                          </m:ctrlPr>
-                        </m:fPr>
-                        <m:num>
-                          <m:acc>
-                            <m:accPr>
-                              <m:chr m:val="̅"/>
-                              <m:ctrlPr>
-                                <a:rPr lang="en-US" sz="2000" i="1" smtClean="0">
-                                  <a:latin typeface="Cambria Math" panose="02040503050406030204" pitchFamily="18" charset="0"/>
-                                </a:rPr>
-                              </m:ctrlPr>
-                            </m:accPr>
-                            <m:e>
-                              <m:sSub>
-                                <m:sSubPr>
-                                  <m:ctrlPr>
-                                    <a:rPr lang="en-US" sz="2000" i="1" smtClean="0">
-                                      <a:latin typeface="Cambria Math" panose="02040503050406030204" pitchFamily="18" charset="0"/>
-                                    </a:rPr>
-                                  </m:ctrlPr>
-                                </m:sSubPr>
-                                <m:e>
-                                  <m:r>
-                                    <a:rPr lang="en-US" sz="2000" b="0" i="1" smtClean="0">
-                                      <a:latin typeface="Cambria Math" panose="02040503050406030204" pitchFamily="18" charset="0"/>
-                                    </a:rPr>
-                                    <m:t>𝑥</m:t>
-                                  </m:r>
-                                </m:e>
-                                <m:sub>
-                                  <m:r>
-                                    <a:rPr lang="en-US" sz="2000" b="0" i="1" smtClean="0">
-                                      <a:latin typeface="Cambria Math" panose="02040503050406030204" pitchFamily="18" charset="0"/>
-                                    </a:rPr>
-                                    <m:t>𝑖</m:t>
-                                  </m:r>
-                                </m:sub>
-                              </m:sSub>
-                            </m:e>
-                          </m:acc>
-                          <m:r>
-                            <a:rPr lang="en-US" sz="2000" b="0" i="1" smtClean="0">
-                              <a:latin typeface="Cambria Math" panose="02040503050406030204" pitchFamily="18" charset="0"/>
-                            </a:rPr>
-                            <m:t>−</m:t>
-                          </m:r>
-                          <m:acc>
-                            <m:accPr>
-                              <m:chr m:val="̅"/>
-                              <m:ctrlPr>
-                                <a:rPr lang="en-US" sz="2000" i="1" smtClean="0">
-                                  <a:latin typeface="Cambria Math" panose="02040503050406030204" pitchFamily="18" charset="0"/>
-                                </a:rPr>
-                              </m:ctrlPr>
-                            </m:accPr>
-                            <m:e>
-                              <m:sSub>
-                                <m:sSubPr>
-                                  <m:ctrlPr>
-                                    <a:rPr lang="en-US" sz="2000" i="1">
-                                      <a:latin typeface="Cambria Math" panose="02040503050406030204" pitchFamily="18" charset="0"/>
-                                    </a:rPr>
-                                  </m:ctrlPr>
-                                </m:sSubPr>
-                                <m:e>
-                                  <m:r>
-                                    <a:rPr lang="en-US" sz="2000" b="0" i="1">
-                                      <a:latin typeface="Cambria Math" panose="02040503050406030204" pitchFamily="18" charset="0"/>
-                                    </a:rPr>
-                                    <m:t>𝑥</m:t>
-                                  </m:r>
-                                </m:e>
-                                <m:sub>
-                                  <m:r>
-                                    <a:rPr lang="en-US" sz="2000" b="0" i="1" smtClean="0">
-                                      <a:latin typeface="Cambria Math" panose="02040503050406030204" pitchFamily="18" charset="0"/>
-                                    </a:rPr>
-                                    <m:t>𝑗</m:t>
-                                  </m:r>
-                                </m:sub>
-                              </m:sSub>
-                            </m:e>
-                          </m:acc>
-                        </m:num>
-                        <m:den>
-                          <m:rad>
-                            <m:radPr>
-                              <m:degHide m:val="on"/>
-                              <m:ctrlPr>
-                                <a:rPr lang="en-US" sz="2000" i="1" smtClean="0">
-                                  <a:latin typeface="Cambria Math" panose="02040503050406030204" pitchFamily="18" charset="0"/>
-                                </a:rPr>
-                              </m:ctrlPr>
-                            </m:radPr>
-                            <m:deg/>
-                            <m:e>
-                              <m:sSubSup>
-                                <m:sSubSupPr>
-                                  <m:ctrlPr>
-                                    <a:rPr lang="en-US" sz="2000" i="1" smtClean="0">
-                                      <a:latin typeface="Cambria Math" panose="02040503050406030204" pitchFamily="18" charset="0"/>
-                                    </a:rPr>
-                                  </m:ctrlPr>
-                                </m:sSubSupPr>
-                                <m:e>
-                                  <m:r>
-                                    <a:rPr lang="en-US" sz="2000" b="0" i="1" smtClean="0">
-                                      <a:latin typeface="Cambria Math" panose="02040503050406030204" pitchFamily="18" charset="0"/>
-                                    </a:rPr>
-                                    <m:t>𝑠</m:t>
-                                  </m:r>
-                                </m:e>
-                                <m:sub>
-                                  <m:r>
-                                    <a:rPr lang="en-US" sz="2000" b="0" i="1" smtClean="0">
-                                      <a:latin typeface="Cambria Math" panose="02040503050406030204" pitchFamily="18" charset="0"/>
-                                    </a:rPr>
-                                    <m:t>𝑝</m:t>
-                                  </m:r>
-                                </m:sub>
-                                <m:sup>
-                                  <m:r>
-                                    <a:rPr lang="en-US" sz="2000" b="0" i="1" smtClean="0">
-                                      <a:latin typeface="Cambria Math" panose="02040503050406030204" pitchFamily="18" charset="0"/>
-                                    </a:rPr>
-                                    <m:t>2</m:t>
-                                  </m:r>
-                                </m:sup>
-                              </m:sSubSup>
-                              <m:r>
-                                <a:rPr lang="en-US" sz="2000" b="0" i="1" smtClean="0">
-                                  <a:latin typeface="Cambria Math" panose="02040503050406030204" pitchFamily="18" charset="0"/>
-                                </a:rPr>
-                                <m:t>(</m:t>
-                              </m:r>
-                              <m:f>
-                                <m:fPr>
-                                  <m:ctrlPr>
-                                    <a:rPr lang="en-US" sz="2000" i="1" smtClean="0">
-                                      <a:latin typeface="Cambria Math" panose="02040503050406030204" pitchFamily="18" charset="0"/>
-                                    </a:rPr>
-                                  </m:ctrlPr>
-                                </m:fPr>
-                                <m:num>
-                                  <m:r>
-                                    <a:rPr lang="en-US" sz="2000" b="0" i="1" smtClean="0">
-                                      <a:latin typeface="Cambria Math" panose="02040503050406030204" pitchFamily="18" charset="0"/>
-                                    </a:rPr>
-                                    <m:t>1</m:t>
-                                  </m:r>
-                                </m:num>
-                                <m:den>
-                                  <m:sSub>
-                                    <m:sSubPr>
-                                      <m:ctrlPr>
-                                        <a:rPr lang="en-US" sz="2000" i="1" smtClean="0">
-                                          <a:latin typeface="Cambria Math" panose="02040503050406030204" pitchFamily="18" charset="0"/>
-                                        </a:rPr>
-                                      </m:ctrlPr>
-                                    </m:sSubPr>
-                                    <m:e>
-                                      <m:r>
-                                        <a:rPr lang="en-US" sz="2000" b="0" i="1" smtClean="0">
-                                          <a:latin typeface="Cambria Math" panose="02040503050406030204" pitchFamily="18" charset="0"/>
-                                        </a:rPr>
-                                        <m:t>𝑛</m:t>
-                                      </m:r>
-                                    </m:e>
-                                    <m:sub>
-                                      <m:r>
-                                        <a:rPr lang="en-US" sz="2000" b="0" i="1" smtClean="0">
-                                          <a:latin typeface="Cambria Math" panose="02040503050406030204" pitchFamily="18" charset="0"/>
-                                        </a:rPr>
-                                        <m:t>𝑖</m:t>
-                                      </m:r>
-                                    </m:sub>
-                                  </m:sSub>
-                                </m:den>
-                              </m:f>
-                              <m:r>
-                                <a:rPr lang="en-US" sz="2000" b="0" i="1" smtClean="0">
-                                  <a:latin typeface="Cambria Math" panose="02040503050406030204" pitchFamily="18" charset="0"/>
-                                </a:rPr>
-                                <m:t>+</m:t>
-                              </m:r>
-                              <m:f>
-                                <m:fPr>
-                                  <m:ctrlPr>
-                                    <a:rPr lang="en-US" sz="2000" i="1">
-                                      <a:latin typeface="Cambria Math" panose="02040503050406030204" pitchFamily="18" charset="0"/>
-                                    </a:rPr>
-                                  </m:ctrlPr>
-                                </m:fPr>
-                                <m:num>
-                                  <m:r>
-                                    <a:rPr lang="en-US" sz="2000" b="0" i="1">
-                                      <a:latin typeface="Cambria Math" panose="02040503050406030204" pitchFamily="18" charset="0"/>
-                                    </a:rPr>
-                                    <m:t>1</m:t>
-                                  </m:r>
-                                </m:num>
-                                <m:den>
-                                  <m:sSub>
-                                    <m:sSubPr>
-                                      <m:ctrlPr>
-                                        <a:rPr lang="en-US" sz="2000" i="1">
-                                          <a:latin typeface="Cambria Math" panose="02040503050406030204" pitchFamily="18" charset="0"/>
-                                        </a:rPr>
-                                      </m:ctrlPr>
-                                    </m:sSubPr>
-                                    <m:e>
-                                      <m:r>
-                                        <a:rPr lang="en-US" sz="2000" b="0" i="1">
-                                          <a:latin typeface="Cambria Math" panose="02040503050406030204" pitchFamily="18" charset="0"/>
-                                        </a:rPr>
-                                        <m:t>𝑛</m:t>
-                                      </m:r>
-                                    </m:e>
-                                    <m:sub>
-                                      <m:r>
-                                        <a:rPr lang="en-US" sz="2000" b="0" i="1" smtClean="0">
-                                          <a:latin typeface="Cambria Math" panose="02040503050406030204" pitchFamily="18" charset="0"/>
-                                        </a:rPr>
-                                        <m:t>𝑗</m:t>
-                                      </m:r>
-                                    </m:sub>
-                                  </m:sSub>
-                                </m:den>
-                              </m:f>
-                              <m:r>
-                                <a:rPr lang="en-US" sz="2000" b="0" i="1" smtClean="0">
-                                  <a:latin typeface="Cambria Math" panose="02040503050406030204" pitchFamily="18" charset="0"/>
-                                </a:rPr>
-                                <m:t>)</m:t>
-                              </m:r>
-                            </m:e>
-                          </m:rad>
-                        </m:den>
-                      </m:f>
-                    </m:oMath>
-                  </m:oMathPara>
-                </a14:m>
-                <a:endParaRPr lang="en-US" sz="2000" b="0" i="0" u="none" strike="noStrike" baseline="0" dirty="0">
-                  <a:solidFill>
-                    <a:srgbClr val="000000"/>
-                  </a:solidFill>
-                  <a:latin typeface="Times New Roman" panose="02020603050405020304" pitchFamily="18" charset="0"/>
-                  <a:cs typeface="Times New Roman" panose="02020603050405020304" pitchFamily="18" charset="0"/>
-                </a:endParaRPr>
-              </a:p>
-              <a:p>
-                <a:pPr marL="182880" indent="0" algn="l">
-                  <a:buNone/>
-                </a:pPr>
-                <a:r>
-                  <a:rPr lang="en-US" sz="2000" b="0" i="0" u="none" strike="noStrike" baseline="0" dirty="0">
-                    <a:latin typeface="Times New Roman" panose="02020603050405020304" pitchFamily="18" charset="0"/>
-                    <a:cs typeface="Times New Roman" panose="02020603050405020304" pitchFamily="18" charset="0"/>
-                  </a:rPr>
-                  <a:t>The t-statistic here is the same as the t-statistic for multiple regression:</a:t>
-                </a:r>
-              </a:p>
-              <a:p>
-                <a:pPr marL="182880" indent="0" algn="ctr">
-                  <a:buNone/>
-                </a:pPr>
-                <a14:m>
-                  <m:oMathPara xmlns:m="http://schemas.openxmlformats.org/officeDocument/2006/math">
-                    <m:oMathParaPr>
-                      <m:jc m:val="centerGroup"/>
-                    </m:oMathParaPr>
-                    <m:oMath xmlns:m="http://schemas.openxmlformats.org/officeDocument/2006/math">
-                      <m:r>
-                        <a:rPr lang="en-US" sz="2000" b="0" i="1" u="none" strike="noStrike" baseline="0" smtClean="0">
-                          <a:solidFill>
-                            <a:srgbClr val="000000"/>
-                          </a:solidFill>
-                          <a:latin typeface="Cambria Math" panose="02040503050406030204" pitchFamily="18" charset="0"/>
-                          <a:cs typeface="Times New Roman" panose="02020603050405020304" pitchFamily="18" charset="0"/>
-                        </a:rPr>
-                        <m:t>𝑡</m:t>
-                      </m:r>
-                      <m:r>
-                        <a:rPr lang="en-US" sz="2000" b="0" i="1" u="none" strike="noStrike" baseline="0" smtClean="0">
-                          <a:solidFill>
-                            <a:srgbClr val="000000"/>
-                          </a:solidFill>
-                          <a:latin typeface="Cambria Math" panose="02040503050406030204" pitchFamily="18" charset="0"/>
-                          <a:cs typeface="Times New Roman" panose="02020603050405020304" pitchFamily="18" charset="0"/>
-                        </a:rPr>
-                        <m:t>=</m:t>
-                      </m:r>
-                      <m:f>
-                        <m:fPr>
-                          <m:ctrlPr>
-                            <a:rPr lang="en-US" sz="2000" b="0" i="1" u="none" strike="noStrike" baseline="0" smtClean="0">
-                              <a:solidFill>
-                                <a:srgbClr val="000000"/>
-                              </a:solidFill>
-                              <a:latin typeface="Cambria Math" panose="02040503050406030204" pitchFamily="18" charset="0"/>
-                              <a:cs typeface="Times New Roman" panose="02020603050405020304" pitchFamily="18" charset="0"/>
-                            </a:rPr>
-                          </m:ctrlPr>
-                        </m:fPr>
-                        <m:num>
-                          <m:acc>
-                            <m:accPr>
-                              <m:chr m:val="̂"/>
-                              <m:ctrlPr>
-                                <a:rPr lang="en-US" sz="2000" b="0" i="1" u="none" strike="noStrike" baseline="0" smtClean="0">
-                                  <a:solidFill>
-                                    <a:srgbClr val="000000"/>
-                                  </a:solidFill>
-                                  <a:latin typeface="Cambria Math" panose="02040503050406030204" pitchFamily="18" charset="0"/>
-                                  <a:cs typeface="Times New Roman" panose="02020603050405020304" pitchFamily="18" charset="0"/>
-                                </a:rPr>
-                              </m:ctrlPr>
-                            </m:accPr>
-                            <m:e>
-                              <m:sSub>
-                                <m:sSubPr>
-                                  <m:ctrlPr>
-                                    <a:rPr lang="en-US" sz="2000" b="0" i="1" u="none" strike="noStrike" baseline="0" smtClean="0">
-                                      <a:solidFill>
-                                        <a:srgbClr val="000000"/>
-                                      </a:solidFill>
-                                      <a:latin typeface="Cambria Math" panose="02040503050406030204" pitchFamily="18" charset="0"/>
-                                      <a:cs typeface="Times New Roman" panose="02020603050405020304" pitchFamily="18" charset="0"/>
-                                    </a:rPr>
-                                  </m:ctrlPr>
-                                </m:sSubPr>
-                                <m:e>
-                                  <m:r>
-                                    <a:rPr lang="en-US" sz="2000" b="0" i="1" u="none" strike="noStrike" baseline="0" smtClean="0">
-                                      <a:solidFill>
-                                        <a:srgbClr val="000000"/>
-                                      </a:solidFill>
-                                      <a:latin typeface="Cambria Math" panose="02040503050406030204" pitchFamily="18" charset="0"/>
-                                      <a:ea typeface="Cambria Math" panose="02040503050406030204" pitchFamily="18" charset="0"/>
-                                      <a:cs typeface="Times New Roman" panose="02020603050405020304" pitchFamily="18" charset="0"/>
-                                    </a:rPr>
-                                    <m:t>𝛽</m:t>
-                                  </m:r>
-                                </m:e>
-                                <m:sub>
-                                  <m:r>
-                                    <a:rPr lang="en-US" sz="2000" b="0" i="1" u="none" strike="noStrike" baseline="0" smtClean="0">
-                                      <a:solidFill>
-                                        <a:srgbClr val="000000"/>
-                                      </a:solidFill>
-                                      <a:latin typeface="Cambria Math" panose="02040503050406030204" pitchFamily="18" charset="0"/>
-                                      <a:cs typeface="Times New Roman" panose="02020603050405020304" pitchFamily="18" charset="0"/>
-                                    </a:rPr>
-                                    <m:t>𝑖</m:t>
-                                  </m:r>
-                                </m:sub>
-                              </m:sSub>
-                            </m:e>
-                          </m:acc>
-                        </m:num>
-                        <m:den>
-                          <m:sSub>
-                            <m:sSubPr>
-                              <m:ctrlPr>
-                                <a:rPr lang="en-US" sz="2000" b="0" i="1" u="none" strike="noStrike" baseline="0" smtClean="0">
-                                  <a:solidFill>
-                                    <a:srgbClr val="000000"/>
-                                  </a:solidFill>
-                                  <a:latin typeface="Cambria Math" panose="02040503050406030204" pitchFamily="18" charset="0"/>
-                                  <a:cs typeface="Times New Roman" panose="02020603050405020304" pitchFamily="18" charset="0"/>
-                                </a:rPr>
-                              </m:ctrlPr>
-                            </m:sSubPr>
-                            <m:e>
-                              <m:r>
-                                <a:rPr lang="en-US" sz="2000" b="0" i="1" u="none" strike="noStrike" baseline="0" smtClean="0">
-                                  <a:solidFill>
-                                    <a:srgbClr val="000000"/>
-                                  </a:solidFill>
-                                  <a:latin typeface="Cambria Math" panose="02040503050406030204" pitchFamily="18" charset="0"/>
-                                  <a:cs typeface="Times New Roman" panose="02020603050405020304" pitchFamily="18" charset="0"/>
-                                </a:rPr>
-                                <m:t>𝑆𝐸</m:t>
-                              </m:r>
-                            </m:e>
-                            <m:sub>
-                              <m:acc>
-                                <m:accPr>
-                                  <m:chr m:val="̂"/>
-                                  <m:ctrlPr>
-                                    <a:rPr lang="en-US" sz="2000" i="1">
-                                      <a:latin typeface="Cambria Math" panose="02040503050406030204" pitchFamily="18" charset="0"/>
-                                      <a:cs typeface="Times New Roman" panose="02020603050405020304" pitchFamily="18" charset="0"/>
-                                    </a:rPr>
-                                  </m:ctrlPr>
-                                </m:accPr>
-                                <m:e>
-                                  <m:sSub>
-                                    <m:sSubPr>
-                                      <m:ctrlPr>
-                                        <a:rPr lang="en-US" sz="2000" i="1">
-                                          <a:latin typeface="Cambria Math" panose="02040503050406030204" pitchFamily="18" charset="0"/>
-                                          <a:cs typeface="Times New Roman" panose="02020603050405020304" pitchFamily="18" charset="0"/>
-                                        </a:rPr>
-                                      </m:ctrlPr>
-                                    </m:sSubPr>
-                                    <m:e>
-                                      <m:r>
-                                        <a:rPr lang="en-US" sz="2000" i="1">
-                                          <a:latin typeface="Cambria Math" panose="02040503050406030204" pitchFamily="18" charset="0"/>
-                                          <a:ea typeface="Cambria Math" panose="02040503050406030204" pitchFamily="18" charset="0"/>
-                                          <a:cs typeface="Times New Roman" panose="02020603050405020304" pitchFamily="18" charset="0"/>
-                                        </a:rPr>
-                                        <m:t>𝛽</m:t>
-                                      </m:r>
-                                    </m:e>
-                                    <m:sub>
-                                      <m:r>
-                                        <a:rPr lang="en-US" sz="2000" i="1">
-                                          <a:latin typeface="Cambria Math" panose="02040503050406030204" pitchFamily="18" charset="0"/>
-                                          <a:cs typeface="Times New Roman" panose="02020603050405020304" pitchFamily="18" charset="0"/>
-                                        </a:rPr>
-                                        <m:t>𝑖</m:t>
-                                      </m:r>
-                                    </m:sub>
-                                  </m:sSub>
-                                </m:e>
-                              </m:acc>
-                            </m:sub>
-                          </m:sSub>
-                        </m:den>
-                      </m:f>
-                    </m:oMath>
-                  </m:oMathPara>
-                </a14:m>
-                <a:endParaRPr lang="en-US" sz="2000" b="0" i="0" u="none" strike="noStrike" baseline="0" dirty="0">
-                  <a:solidFill>
-                    <a:srgbClr val="000000"/>
-                  </a:solidFill>
-                  <a:latin typeface="Times New Roman" panose="02020603050405020304" pitchFamily="18" charset="0"/>
-                  <a:cs typeface="Times New Roman" panose="02020603050405020304" pitchFamily="18" charset="0"/>
-                </a:endParaRPr>
-              </a:p>
-              <a:p>
-                <a:pPr marL="182880" indent="0">
-                  <a:buNone/>
-                </a:pPr>
-                <a:r>
-                  <a:rPr lang="en-US" sz="2000" dirty="0">
-                    <a:latin typeface="Times New Roman" panose="02020603050405020304" pitchFamily="18" charset="0"/>
-                    <a:cs typeface="Times New Roman" panose="02020603050405020304" pitchFamily="18" charset="0"/>
-                  </a:rPr>
-                  <a:t>which follows a t-distribution with </a:t>
-                </a:r>
-                <a14:m>
-                  <m:oMath xmlns:m="http://schemas.openxmlformats.org/officeDocument/2006/math">
-                    <m:r>
-                      <a:rPr lang="en-US" sz="2000" i="1" dirty="0" smtClean="0">
-                        <a:latin typeface="Cambria Math" panose="02040503050406030204" pitchFamily="18" charset="0"/>
-                        <a:cs typeface="Times New Roman" panose="02020603050405020304" pitchFamily="18" charset="0"/>
-                      </a:rPr>
-                      <m:t>𝑛</m:t>
-                    </m:r>
-                    <m:r>
-                      <a:rPr lang="en-US" sz="2000" i="1" dirty="0" smtClean="0">
-                        <a:latin typeface="Cambria Math" panose="02040503050406030204" pitchFamily="18" charset="0"/>
-                        <a:cs typeface="Times New Roman" panose="02020603050405020304" pitchFamily="18" charset="0"/>
-                      </a:rPr>
-                      <m:t> − </m:t>
-                    </m:r>
-                    <m:r>
-                      <a:rPr lang="en-US" sz="2000" i="1" dirty="0" smtClean="0">
-                        <a:latin typeface="Cambria Math" panose="02040503050406030204" pitchFamily="18" charset="0"/>
-                        <a:cs typeface="Times New Roman" panose="02020603050405020304" pitchFamily="18" charset="0"/>
-                      </a:rPr>
-                      <m:t>𝑘</m:t>
-                    </m:r>
-                    <m:r>
-                      <a:rPr lang="en-US" sz="2000" i="1" dirty="0" smtClean="0">
-                        <a:latin typeface="Cambria Math" panose="02040503050406030204" pitchFamily="18" charset="0"/>
-                        <a:cs typeface="Times New Roman" panose="02020603050405020304" pitchFamily="18" charset="0"/>
-                      </a:rPr>
-                      <m:t> </m:t>
-                    </m:r>
-                  </m:oMath>
-                </a14:m>
-                <a:r>
-                  <a:rPr lang="en-US" sz="2000" dirty="0">
-                    <a:latin typeface="Times New Roman" panose="02020603050405020304" pitchFamily="18" charset="0"/>
-                    <a:cs typeface="Times New Roman" panose="02020603050405020304" pitchFamily="18" charset="0"/>
-                  </a:rPr>
-                  <a:t>degrees of freedom under </a:t>
-                </a:r>
-                <a14:m>
-                  <m:oMath xmlns:m="http://schemas.openxmlformats.org/officeDocument/2006/math">
-                    <m:sSub>
-                      <m:sSubPr>
-                        <m:ctrlPr>
-                          <a:rPr lang="en-US" sz="2000" i="1" smtClean="0">
-                            <a:latin typeface="Cambria Math" panose="02040503050406030204" pitchFamily="18" charset="0"/>
-                            <a:cs typeface="Times New Roman" panose="02020603050405020304" pitchFamily="18" charset="0"/>
-                          </a:rPr>
-                        </m:ctrlPr>
-                      </m:sSubPr>
-                      <m:e>
-                        <m:r>
-                          <a:rPr lang="en-US" sz="2000" b="0" i="1" smtClean="0">
-                            <a:latin typeface="Cambria Math" panose="02040503050406030204" pitchFamily="18" charset="0"/>
-                            <a:cs typeface="Times New Roman" panose="02020603050405020304" pitchFamily="18" charset="0"/>
-                          </a:rPr>
-                          <m:t>𝐻</m:t>
-                        </m:r>
-                      </m:e>
-                      <m:sub>
-                        <m:r>
-                          <a:rPr lang="en-US" sz="2000" b="0" i="1" smtClean="0">
-                            <a:latin typeface="Cambria Math" panose="02040503050406030204" pitchFamily="18" charset="0"/>
-                            <a:cs typeface="Times New Roman" panose="02020603050405020304" pitchFamily="18" charset="0"/>
-                          </a:rPr>
-                          <m:t>0</m:t>
-                        </m:r>
-                      </m:sub>
-                    </m:sSub>
-                  </m:oMath>
-                </a14:m>
-                <a:endParaRPr lang="en-US" sz="2000" dirty="0">
-                  <a:latin typeface="Times New Roman" panose="02020603050405020304" pitchFamily="18" charset="0"/>
-                  <a:cs typeface="Times New Roman" panose="02020603050405020304" pitchFamily="18" charset="0"/>
-                </a:endParaRPr>
-              </a:p>
-              <a:p>
-                <a:pPr marL="182880" indent="0">
-                  <a:buNone/>
-                </a:pPr>
-                <a:r>
-                  <a:rPr lang="en-US" sz="2000" dirty="0">
-                    <a:solidFill>
-                      <a:srgbClr val="C00000"/>
-                    </a:solidFill>
-                    <a:latin typeface="Times New Roman" panose="02020603050405020304" pitchFamily="18" charset="0"/>
-                    <a:cs typeface="Times New Roman" panose="02020603050405020304" pitchFamily="18" charset="0"/>
-                  </a:rPr>
-                  <a:t>(</a:t>
-                </a:r>
-                <a14:m>
-                  <m:oMath xmlns:m="http://schemas.openxmlformats.org/officeDocument/2006/math">
-                    <m:r>
-                      <a:rPr lang="en-US" sz="2000" i="1" dirty="0" smtClean="0">
-                        <a:solidFill>
-                          <a:srgbClr val="C00000"/>
-                        </a:solidFill>
-                        <a:latin typeface="Cambria Math" panose="02040503050406030204" pitchFamily="18" charset="0"/>
-                        <a:cs typeface="Times New Roman" panose="02020603050405020304" pitchFamily="18" charset="0"/>
-                      </a:rPr>
-                      <m:t>𝑘</m:t>
-                    </m:r>
-                  </m:oMath>
-                </a14:m>
-                <a:r>
-                  <a:rPr lang="en-US" sz="2000" dirty="0">
-                    <a:solidFill>
-                      <a:srgbClr val="C00000"/>
-                    </a:solidFill>
-                    <a:latin typeface="Times New Roman" panose="02020603050405020304" pitchFamily="18" charset="0"/>
-                    <a:cs typeface="Times New Roman" panose="02020603050405020304" pitchFamily="18" charset="0"/>
-                  </a:rPr>
-                  <a:t> here represents the number of groups and not the number of variables in the model as we had defined it in the regression context).</a:t>
-                </a:r>
-              </a:p>
-            </p:txBody>
-          </p:sp>
-        </mc:Choice>
-        <mc:Fallback xmlns="">
-          <p:sp>
-            <p:nvSpPr>
-              <p:cNvPr id="3" name="Text Placeholder 2">
-                <a:extLst>
-                  <a:ext uri="{FF2B5EF4-FFF2-40B4-BE49-F238E27FC236}">
-                    <a16:creationId xmlns:a16="http://schemas.microsoft.com/office/drawing/2014/main" id="{FE4E824D-2955-7A99-7C1E-212948E70354}"/>
-                  </a:ext>
-                </a:extLst>
-              </p:cNvPr>
-              <p:cNvSpPr>
-                <a:spLocks noGrp="1" noRot="1" noChangeAspect="1" noMove="1" noResize="1" noEditPoints="1" noAdjustHandles="1" noChangeArrowheads="1" noChangeShapeType="1" noTextEdit="1"/>
-              </p:cNvSpPr>
-              <p:nvPr>
-                <p:ph type="body" sz="quarter" idx="10"/>
-              </p:nvPr>
-            </p:nvSpPr>
-            <p:spPr>
-              <a:xfrm>
-                <a:off x="239712" y="1565832"/>
-                <a:ext cx="9143999" cy="5029200"/>
-              </a:xfrm>
-              <a:blipFill>
-                <a:blip r:embed="rId2"/>
-                <a:stretch>
-                  <a:fillRect r="-2267"/>
-                </a:stretch>
-              </a:blipFill>
-            </p:spPr>
-            <p:txBody>
-              <a:bodyPr/>
-              <a:lstStyle/>
-              <a:p>
-                <a:r>
-                  <a:rPr lang="en-US">
-                    <a:noFill/>
-                  </a:rPr>
-                  <a:t> </a:t>
-                </a:r>
-              </a:p>
-            </p:txBody>
-          </p:sp>
-        </mc:Fallback>
-      </mc:AlternateContent>
-    </p:spTree>
-    <p:extLst>
-      <p:ext uri="{BB962C8B-B14F-4D97-AF65-F5344CB8AC3E}">
-        <p14:creationId xmlns:p14="http://schemas.microsoft.com/office/powerpoint/2010/main" val="1786279306"/>
-      </p:ext>
-    </p:extLst>
-  </p:cSld>
-  <p:clrMapOvr>
-    <a:masterClrMapping/>
-  </p:clrMapOvr>
-</p:sld>
-</file>
-
-<file path=ppt/slides/slide13.xml><?xml version="1.0" encoding="utf-8"?>
 <p:sld xmlns:a="http://schemas.openxmlformats.org/drawingml/2006/main" xmlns:r="http://schemas.openxmlformats.org/officeDocument/2006/relationships" xmlns:p="http://schemas.openxmlformats.org/presentationml/2006/main">
   <p:cSld>
     <p:spTree>
@@ -22311,8 +20488,8 @@
           </a:p>
         </p:txBody>
       </p:sp>
-      <mc:AlternateContent xmlns:mc="http://schemas.openxmlformats.org/markup-compatibility/2006">
-        <mc:Choice xmlns:a14="http://schemas.microsoft.com/office/drawing/2010/main" Requires="a14">
+      <mc:AlternateContent xmlns:mc="http://schemas.openxmlformats.org/markup-compatibility/2006" xmlns:a14="http://schemas.microsoft.com/office/drawing/2010/main">
+        <mc:Choice Requires="a14">
           <p:sp>
             <p:nvSpPr>
               <p:cNvPr id="3" name="Text Placeholder 2">
@@ -22616,7 +20793,17 @@
                     <a:latin typeface="Times New Roman" panose="02020603050405020304" pitchFamily="18" charset="0"/>
                     <a:cs typeface="Times New Roman" panose="02020603050405020304" pitchFamily="18" charset="0"/>
                   </a:rPr>
-                  <a:t>The same comparisons are relatively easy to make from the one-way ANOVA setting</a:t>
+                  <a:t>The same comparisons </a:t>
+                </a:r>
+                <a:r>
+                  <a:rPr lang="en-US" sz="2000" dirty="0">
+                    <a:highlight>
+                      <a:srgbClr val="FFFF00"/>
+                    </a:highlight>
+                    <a:latin typeface="Times New Roman" panose="02020603050405020304" pitchFamily="18" charset="0"/>
+                    <a:cs typeface="Times New Roman" panose="02020603050405020304" pitchFamily="18" charset="0"/>
+                  </a:rPr>
+                  <a:t>are relatively easy to make from the one-way ANOVA setting</a:t>
                 </a:r>
               </a:p>
               <a:p>
@@ -22650,7 +20837,7 @@
             </p:txBody>
           </p:sp>
         </mc:Choice>
-        <mc:Fallback>
+        <mc:Fallback xmlns="">
           <p:sp>
             <p:nvSpPr>
               <p:cNvPr id="3" name="Text Placeholder 2">
@@ -22694,66 +20881,6 @@
           </p:sp>
         </mc:Fallback>
       </mc:AlternateContent>
-      <p:pic>
-        <p:nvPicPr>
-          <p:cNvPr id="5" name="Picture 4">
-            <a:extLst>
-              <a:ext uri="{FF2B5EF4-FFF2-40B4-BE49-F238E27FC236}">
-                <a16:creationId xmlns:a16="http://schemas.microsoft.com/office/drawing/2014/main" id="{D57EAF29-784A-8E66-F7A7-90E1B34E472F}"/>
-              </a:ext>
-            </a:extLst>
-          </p:cNvPr>
-          <p:cNvPicPr>
-            <a:picLocks noChangeAspect="1"/>
-          </p:cNvPicPr>
-          <p:nvPr/>
-        </p:nvPicPr>
-        <p:blipFill>
-          <a:blip r:embed="rId3"/>
-          <a:stretch>
-            <a:fillRect/>
-          </a:stretch>
-        </p:blipFill>
-        <p:spPr>
-          <a:xfrm>
-            <a:off x="468313" y="5693338"/>
-            <a:ext cx="6096000" cy="1828800"/>
-          </a:xfrm>
-          <a:prstGeom prst="rect">
-            <a:avLst/>
-          </a:prstGeom>
-        </p:spPr>
-      </p:pic>
-      <p:pic>
-        <p:nvPicPr>
-          <p:cNvPr id="6" name="Picture 5">
-            <a:extLst>
-              <a:ext uri="{FF2B5EF4-FFF2-40B4-BE49-F238E27FC236}">
-                <a16:creationId xmlns:a16="http://schemas.microsoft.com/office/drawing/2014/main" id="{60D43131-341A-54A5-A14E-EE19CFD82277}"/>
-              </a:ext>
-            </a:extLst>
-          </p:cNvPr>
-          <p:cNvPicPr>
-            <a:picLocks noChangeAspect="1"/>
-          </p:cNvPicPr>
-          <p:nvPr/>
-        </p:nvPicPr>
-        <p:blipFill>
-          <a:blip r:embed="rId4"/>
-          <a:stretch>
-            <a:fillRect/>
-          </a:stretch>
-        </p:blipFill>
-        <p:spPr>
-          <a:xfrm>
-            <a:off x="7173911" y="5456237"/>
-            <a:ext cx="2746939" cy="2103438"/>
-          </a:xfrm>
-          <a:prstGeom prst="rect">
-            <a:avLst/>
-          </a:prstGeom>
-        </p:spPr>
-      </p:pic>
     </p:spTree>
     <p:extLst>
       <p:ext uri="{BB962C8B-B14F-4D97-AF65-F5344CB8AC3E}">
@@ -22767,7 +20894,7 @@
 </p:sld>
 </file>
 
-<file path=ppt/slides/slide14.xml><?xml version="1.0" encoding="utf-8"?>
+<file path=ppt/slides/slide13.xml><?xml version="1.0" encoding="utf-8"?>
 <p:sld xmlns:a="http://schemas.openxmlformats.org/drawingml/2006/main" xmlns:r="http://schemas.openxmlformats.org/officeDocument/2006/relationships" xmlns:p="http://schemas.openxmlformats.org/presentationml/2006/main">
   <p:cSld>
     <p:spTree>
@@ -23223,7 +21350,7 @@
 </p:sld>
 </file>
 
-<file path=ppt/slides/slide15.xml><?xml version="1.0" encoding="utf-8"?>
+<file path=ppt/slides/slide14.xml><?xml version="1.0" encoding="utf-8"?>
 <p:sld xmlns:a="http://schemas.openxmlformats.org/drawingml/2006/main" xmlns:r="http://schemas.openxmlformats.org/officeDocument/2006/relationships" xmlns:p="http://schemas.openxmlformats.org/presentationml/2006/main">
   <p:cSld>
     <p:spTree>
@@ -23434,7 +21561,7 @@
 </p:sld>
 </file>
 
-<file path=ppt/slides/slide16.xml><?xml version="1.0" encoding="utf-8"?>
+<file path=ppt/slides/slide15.xml><?xml version="1.0" encoding="utf-8"?>
 <p:sld xmlns:a="http://schemas.openxmlformats.org/drawingml/2006/main" xmlns:r="http://schemas.openxmlformats.org/officeDocument/2006/relationships" xmlns:p="http://schemas.openxmlformats.org/presentationml/2006/main">
   <p:cSld>
     <p:spTree>
@@ -23591,13 +21718,29 @@
                 <a:latin typeface="Times New Roman" panose="02020603050405020304" pitchFamily="18" charset="0"/>
                 <a:cs typeface="Times New Roman" panose="02020603050405020304" pitchFamily="18" charset="0"/>
               </a:rPr>
-              <a:t>Covariates are also named “Intervening</a:t>
+              <a:t>Covariates are also named </a:t>
+            </a:r>
+            <a:r>
+              <a:rPr lang="en-US" sz="2400" b="0" i="0" u="none" strike="noStrike" baseline="0" dirty="0">
+                <a:solidFill>
+                  <a:srgbClr val="A10000"/>
+                </a:solidFill>
+                <a:highlight>
+                  <a:srgbClr val="FFFF00"/>
+                </a:highlight>
+                <a:latin typeface="Times New Roman" panose="02020603050405020304" pitchFamily="18" charset="0"/>
+                <a:cs typeface="Times New Roman" panose="02020603050405020304" pitchFamily="18" charset="0"/>
+              </a:rPr>
+              <a:t>“Intervening</a:t>
             </a:r>
             <a:r>
               <a:rPr lang="en-US" sz="2400" dirty="0">
                 <a:solidFill>
                   <a:srgbClr val="A10000"/>
                 </a:solidFill>
+                <a:highlight>
+                  <a:srgbClr val="FFFF00"/>
+                </a:highlight>
                 <a:latin typeface="Times New Roman" panose="02020603050405020304" pitchFamily="18" charset="0"/>
                 <a:cs typeface="Times New Roman" panose="02020603050405020304" pitchFamily="18" charset="0"/>
               </a:rPr>
@@ -23608,6 +21751,9 @@
                 <a:solidFill>
                   <a:srgbClr val="A10000"/>
                 </a:solidFill>
+                <a:highlight>
+                  <a:srgbClr val="FFFF00"/>
+                </a:highlight>
                 <a:latin typeface="Times New Roman" panose="02020603050405020304" pitchFamily="18" charset="0"/>
                 <a:cs typeface="Times New Roman" panose="02020603050405020304" pitchFamily="18" charset="0"/>
               </a:rPr>
@@ -23683,7 +21829,7 @@
 </p:sld>
 </file>
 
-<file path=ppt/slides/slide17.xml><?xml version="1.0" encoding="utf-8"?>
+<file path=ppt/slides/slide16.xml><?xml version="1.0" encoding="utf-8"?>
 <p:sld xmlns:a="http://schemas.openxmlformats.org/drawingml/2006/main" xmlns:r="http://schemas.openxmlformats.org/officeDocument/2006/relationships" xmlns:p="http://schemas.openxmlformats.org/presentationml/2006/main">
   <p:cSld>
     <p:spTree>
@@ -23921,7 +22067,30 @@
                 <a:latin typeface="Times New Roman" panose="02020603050405020304" pitchFamily="18" charset="0"/>
                 <a:cs typeface="Times New Roman" panose="02020603050405020304" pitchFamily="18" charset="0"/>
               </a:rPr>
-              <a:t>ANCOVA evaluates whether population means of a response variable are equal across levels of a categorical explanatory variable while statistically controlling for the effects of other continuous variables that are not of primary interest, known as covariates</a:t>
+              <a:t>ANCOVA evaluates whether population means of a response variable are equal across levels of a categorical explanatory variable </a:t>
+            </a:r>
+            <a:r>
+              <a:rPr lang="en-US" sz="2000" b="0" i="0" u="none" strike="noStrike" baseline="0" dirty="0">
+                <a:solidFill>
+                  <a:srgbClr val="000000"/>
+                </a:solidFill>
+                <a:highlight>
+                  <a:srgbClr val="FFFF00"/>
+                </a:highlight>
+                <a:latin typeface="Times New Roman" panose="02020603050405020304" pitchFamily="18" charset="0"/>
+                <a:cs typeface="Times New Roman" panose="02020603050405020304" pitchFamily="18" charset="0"/>
+              </a:rPr>
+              <a:t>while statistically controlling </a:t>
+            </a:r>
+            <a:r>
+              <a:rPr lang="en-US" sz="2000" b="0" i="0" u="none" strike="noStrike" baseline="0" dirty="0">
+                <a:solidFill>
+                  <a:srgbClr val="000000"/>
+                </a:solidFill>
+                <a:latin typeface="Times New Roman" panose="02020603050405020304" pitchFamily="18" charset="0"/>
+                <a:cs typeface="Times New Roman" panose="02020603050405020304" pitchFamily="18" charset="0"/>
+              </a:rPr>
+              <a:t>for the effects of other continuous variables that are not of primary interest, known as covariates</a:t>
             </a:r>
           </a:p>
           <a:p>
@@ -24006,7 +22175,7 @@
 </p:sld>
 </file>
 
-<file path=ppt/slides/slide18.xml><?xml version="1.0" encoding="utf-8"?>
+<file path=ppt/slides/slide17.xml><?xml version="1.0" encoding="utf-8"?>
 <p:sld xmlns:a="http://schemas.openxmlformats.org/drawingml/2006/main" xmlns:r="http://schemas.openxmlformats.org/officeDocument/2006/relationships" xmlns:p="http://schemas.openxmlformats.org/presentationml/2006/main">
   <p:cSld>
     <p:spTree>
@@ -25395,7 +23564,7 @@
 </p:sld>
 </file>
 
-<file path=ppt/slides/slide19.xml><?xml version="1.0" encoding="utf-8"?>
+<file path=ppt/slides/slide18.xml><?xml version="1.0" encoding="utf-8"?>
 <p:sld xmlns:a="http://schemas.openxmlformats.org/drawingml/2006/main" xmlns:r="http://schemas.openxmlformats.org/officeDocument/2006/relationships" xmlns:p="http://schemas.openxmlformats.org/presentationml/2006/main">
   <p:cSld>
     <p:spTree>
@@ -25983,129 +24152,7 @@
 </p:sld>
 </file>
 
-<file path=ppt/slides/slide2.xml><?xml version="1.0" encoding="utf-8"?>
-<p:sld xmlns:a="http://schemas.openxmlformats.org/drawingml/2006/main" xmlns:r="http://schemas.openxmlformats.org/officeDocument/2006/relationships" xmlns:p="http://schemas.openxmlformats.org/presentationml/2006/main">
-  <p:cSld>
-    <p:spTree>
-      <p:nvGrpSpPr>
-        <p:cNvPr id="1" name=""/>
-        <p:cNvGrpSpPr/>
-        <p:nvPr/>
-      </p:nvGrpSpPr>
-      <p:grpSpPr>
-        <a:xfrm>
-          <a:off x="0" y="0"/>
-          <a:ext cx="0" cy="0"/>
-          <a:chOff x="0" y="0"/>
-          <a:chExt cx="0" cy="0"/>
-        </a:xfrm>
-      </p:grpSpPr>
-      <p:sp>
-        <p:nvSpPr>
-          <p:cNvPr id="2" name="Title 1"/>
-          <p:cNvSpPr>
-            <a:spLocks noGrp="1"/>
-          </p:cNvSpPr>
-          <p:nvPr>
-            <p:ph type="title"/>
-          </p:nvPr>
-        </p:nvSpPr>
-        <p:spPr>
-          <a:noFill/>
-        </p:spPr>
-        <p:txBody>
-          <a:bodyPr/>
-          <a:lstStyle/>
-          <a:p>
-            <a:r>
-              <a:rPr lang="en-US" dirty="0">
-                <a:latin typeface="Consolas" panose="020B0609020204030204" pitchFamily="49" charset="0"/>
-                <a:cs typeface="Consolas" panose="020B0609020204030204" pitchFamily="49" charset="0"/>
-              </a:rPr>
-              <a:t>Study Guide</a:t>
-            </a:r>
-          </a:p>
-        </p:txBody>
-      </p:sp>
-      <p:sp>
-        <p:nvSpPr>
-          <p:cNvPr id="3" name="Content Placeholder 2"/>
-          <p:cNvSpPr>
-            <a:spLocks noGrp="1"/>
-          </p:cNvSpPr>
-          <p:nvPr>
-            <p:ph type="body" sz="quarter" idx="10"/>
-          </p:nvPr>
-        </p:nvSpPr>
-        <p:spPr>
-          <a:xfrm>
-            <a:off x="319783" y="1722437"/>
-            <a:ext cx="9593458" cy="5029200"/>
-          </a:xfrm>
-        </p:spPr>
-        <p:txBody>
-          <a:bodyPr/>
-          <a:lstStyle/>
-          <a:p>
-            <a:pPr marL="182880" indent="0">
-              <a:buNone/>
-            </a:pPr>
-            <a:endParaRPr lang="en-US" dirty="0">
-              <a:solidFill>
-                <a:schemeClr val="tx1"/>
-              </a:solidFill>
-            </a:endParaRPr>
-          </a:p>
-          <a:p>
-            <a:r>
-              <a:rPr lang="en-US" dirty="0">
-                <a:solidFill>
-                  <a:schemeClr val="tx1"/>
-                </a:solidFill>
-              </a:rPr>
-              <a:t>ANOVA and Regression</a:t>
-            </a:r>
-          </a:p>
-          <a:p>
-            <a:r>
-              <a:rPr lang="en-US" dirty="0">
-                <a:solidFill>
-                  <a:schemeClr val="tx1"/>
-                </a:solidFill>
-                <a:latin typeface="Consolas" pitchFamily="49" charset="0"/>
-                <a:cs typeface="Consolas" pitchFamily="49" charset="0"/>
-              </a:rPr>
-              <a:t>One-way Analysis of Covariance (ANCOVA)</a:t>
-            </a:r>
-          </a:p>
-          <a:p>
-            <a:r>
-              <a:rPr lang="en-US" dirty="0">
-                <a:solidFill>
-                  <a:schemeClr val="tx1"/>
-                </a:solidFill>
-                <a:latin typeface="Consolas" pitchFamily="49" charset="0"/>
-                <a:cs typeface="Consolas" pitchFamily="49" charset="0"/>
-              </a:rPr>
-              <a:t>Two-way Analysis of Variance</a:t>
-            </a:r>
-          </a:p>
-        </p:txBody>
-      </p:sp>
-    </p:spTree>
-    <p:extLst>
-      <p:ext uri="{BB962C8B-B14F-4D97-AF65-F5344CB8AC3E}">
-        <p14:creationId xmlns:p14="http://schemas.microsoft.com/office/powerpoint/2010/main" val="5946082"/>
-      </p:ext>
-    </p:extLst>
-  </p:cSld>
-  <p:clrMapOvr>
-    <a:masterClrMapping/>
-  </p:clrMapOvr>
-</p:sld>
-</file>
-
-<file path=ppt/slides/slide20.xml><?xml version="1.0" encoding="utf-8"?>
+<file path=ppt/slides/slide19.xml><?xml version="1.0" encoding="utf-8"?>
 <p:sld xmlns:a="http://schemas.openxmlformats.org/drawingml/2006/main" xmlns:r="http://schemas.openxmlformats.org/officeDocument/2006/relationships" xmlns:p="http://schemas.openxmlformats.org/presentationml/2006/main">
   <p:cSld>
     <p:spTree>
@@ -26155,8 +24202,8 @@
           </a:p>
         </p:txBody>
       </p:sp>
-      <mc:AlternateContent xmlns:mc="http://schemas.openxmlformats.org/markup-compatibility/2006" xmlns:a14="http://schemas.microsoft.com/office/drawing/2010/main">
-        <mc:Choice Requires="a14">
+      <mc:AlternateContent xmlns:mc="http://schemas.openxmlformats.org/markup-compatibility/2006">
+        <mc:Choice xmlns:a14="http://schemas.microsoft.com/office/drawing/2010/main" Requires="a14">
           <p:sp>
             <p:nvSpPr>
               <p:cNvPr id="3" name="Text Placeholder 2">
@@ -26431,139 +24478,16 @@
                         <a:latin typeface="Cambria Math" panose="02040503050406030204" pitchFamily="18" charset="0"/>
                         <a:ea typeface="Cambria Math" panose="02040503050406030204" pitchFamily="18" charset="0"/>
                       </a:rPr>
-                      <m:t>=0,</m:t>
+                      <m:t>=0</m:t>
                     </m:r>
-                    <m:sSub>
-                      <m:sSubPr>
-                        <m:ctrlPr>
-                          <a:rPr lang="en-US" sz="2400" i="1">
-                            <a:solidFill>
-                              <a:srgbClr val="0000FF"/>
-                            </a:solidFill>
-                            <a:latin typeface="Cambria Math" panose="02040503050406030204" pitchFamily="18" charset="0"/>
-                          </a:rPr>
-                        </m:ctrlPr>
-                      </m:sSubPr>
-                      <m:e>
-                        <m:r>
-                          <a:rPr lang="en-US" sz="2400" i="1">
-                            <a:solidFill>
-                              <a:srgbClr val="0000FF"/>
-                            </a:solidFill>
-                            <a:latin typeface="Cambria Math" panose="02040503050406030204" pitchFamily="18" charset="0"/>
-                            <a:ea typeface="Cambria Math" panose="02040503050406030204" pitchFamily="18" charset="0"/>
-                          </a:rPr>
-                          <m:t>𝛽</m:t>
-                        </m:r>
-                      </m:e>
-                      <m:sub>
-                        <m:r>
-                          <a:rPr lang="en-US" sz="2400" i="1">
-                            <a:solidFill>
-                              <a:srgbClr val="0000FF"/>
-                            </a:solidFill>
-                            <a:latin typeface="Cambria Math" panose="02040503050406030204" pitchFamily="18" charset="0"/>
-                            <a:ea typeface="Cambria Math" panose="02040503050406030204" pitchFamily="18" charset="0"/>
-                          </a:rPr>
-                          <m:t>𝑘</m:t>
-                        </m:r>
-                      </m:sub>
-                    </m:sSub>
                     <m:r>
                       <a:rPr lang="en-US" sz="2400" i="1" smtClean="0">
-                        <a:solidFill>
-                          <a:srgbClr val="FF0000"/>
-                        </a:solidFill>
-                        <a:latin typeface="Cambria Math" panose="02040503050406030204" pitchFamily="18" charset="0"/>
-                        <a:ea typeface="Cambria Math" panose="02040503050406030204" pitchFamily="18" charset="0"/>
-                      </a:rPr>
-                      <m:t>≠</m:t>
-                    </m:r>
-                    <m:r>
-                      <a:rPr lang="en-US" sz="2400" b="0" i="1" smtClean="0">
                         <a:solidFill>
                           <a:srgbClr val="0000FF"/>
                         </a:solidFill>
                         <a:latin typeface="Cambria Math" panose="02040503050406030204" pitchFamily="18" charset="0"/>
-                        <a:ea typeface="Cambria Math" panose="02040503050406030204" pitchFamily="18" charset="0"/>
                       </a:rPr>
-                      <m:t>0,…,</m:t>
-                    </m:r>
-                    <m:sSub>
-                      <m:sSubPr>
-                        <m:ctrlPr>
-                          <a:rPr lang="en-US" sz="2400" i="1">
-                            <a:solidFill>
-                              <a:srgbClr val="0000FF"/>
-                            </a:solidFill>
-                            <a:latin typeface="Cambria Math" panose="02040503050406030204" pitchFamily="18" charset="0"/>
-                          </a:rPr>
-                        </m:ctrlPr>
-                      </m:sSubPr>
-                      <m:e>
-                        <m:r>
-                          <a:rPr lang="en-US" sz="2400" i="1">
-                            <a:solidFill>
-                              <a:srgbClr val="0000FF"/>
-                            </a:solidFill>
-                            <a:latin typeface="Cambria Math" panose="02040503050406030204" pitchFamily="18" charset="0"/>
-                            <a:ea typeface="Cambria Math" panose="02040503050406030204" pitchFamily="18" charset="0"/>
-                          </a:rPr>
-                          <m:t>𝛽</m:t>
-                        </m:r>
-                      </m:e>
-                      <m:sub>
-                        <m:r>
-                          <a:rPr lang="en-US" sz="2400" i="1">
-                            <a:solidFill>
-                              <a:srgbClr val="0000FF"/>
-                            </a:solidFill>
-                            <a:latin typeface="Cambria Math" panose="02040503050406030204" pitchFamily="18" charset="0"/>
-                            <a:ea typeface="Cambria Math" panose="02040503050406030204" pitchFamily="18" charset="0"/>
-                          </a:rPr>
-                          <m:t>𝑘</m:t>
-                        </m:r>
-                        <m:r>
-                          <a:rPr lang="en-US" sz="2400" i="1">
-                            <a:solidFill>
-                              <a:srgbClr val="0000FF"/>
-                            </a:solidFill>
-                            <a:latin typeface="Cambria Math" panose="02040503050406030204" pitchFamily="18" charset="0"/>
-                            <a:ea typeface="Cambria Math" panose="02040503050406030204" pitchFamily="18" charset="0"/>
-                          </a:rPr>
-                          <m:t>+</m:t>
-                        </m:r>
-                        <m:r>
-                          <a:rPr lang="en-US" sz="2400" i="1">
-                            <a:solidFill>
-                              <a:srgbClr val="0000FF"/>
-                            </a:solidFill>
-                            <a:latin typeface="Cambria Math" panose="02040503050406030204" pitchFamily="18" charset="0"/>
-                            <a:ea typeface="Cambria Math" panose="02040503050406030204" pitchFamily="18" charset="0"/>
-                          </a:rPr>
-                          <m:t>𝑗</m:t>
-                        </m:r>
-                      </m:sub>
-                    </m:sSub>
-                    <m:r>
-                      <a:rPr lang="en-US" sz="2400" i="1" smtClean="0">
-                        <a:solidFill>
-                          <a:srgbClr val="FF0000"/>
-                        </a:solidFill>
-                        <a:latin typeface="Cambria Math" panose="02040503050406030204" pitchFamily="18" charset="0"/>
-                        <a:ea typeface="Cambria Math" panose="02040503050406030204" pitchFamily="18" charset="0"/>
-                      </a:rPr>
-                      <m:t>≠</m:t>
-                    </m:r>
-                    <m:r>
-                      <a:rPr lang="en-US" sz="2400" b="0" i="1" smtClean="0">
-                        <a:solidFill>
-                          <a:srgbClr val="0000FF"/>
-                        </a:solidFill>
-                        <a:latin typeface="Cambria Math" panose="02040503050406030204" pitchFamily="18" charset="0"/>
-                        <a:ea typeface="Cambria Math" panose="02040503050406030204" pitchFamily="18" charset="0"/>
-                      </a:rPr>
-                      <m:t>0</m:t>
+                      <m:t> </m:t>
                     </m:r>
                   </m:oMath>
                 </a14:m>
@@ -26572,13 +24496,26 @@
                     <a:latin typeface="Times New Roman" panose="02020603050405020304" pitchFamily="18" charset="0"/>
                     <a:cs typeface="Times New Roman" panose="02020603050405020304" pitchFamily="18" charset="0"/>
                   </a:rPr>
-                  <a:t> (all underlying population means are equal after controlling </a:t>
+                  <a:t>(all underlying population means are equal </a:t>
+                </a:r>
+                <a:r>
+                  <a:rPr lang="en-US" sz="2400" dirty="0">
+                    <a:highlight>
+                      <a:srgbClr val="FFFF00"/>
+                    </a:highlight>
+                    <a:latin typeface="Times New Roman" panose="02020603050405020304" pitchFamily="18" charset="0"/>
+                    <a:cs typeface="Times New Roman" panose="02020603050405020304" pitchFamily="18" charset="0"/>
+                  </a:rPr>
+                  <a:t>after controlling </a:t>
                 </a:r>
                 <a:r>
                   <a:rPr lang="en-US" sz="2400" dirty="0">
                     <a:solidFill>
                       <a:schemeClr val="tx1"/>
                     </a:solidFill>
+                    <a:highlight>
+                      <a:srgbClr val="FFFF00"/>
+                    </a:highlight>
                     <a:latin typeface="Times New Roman" panose="02020603050405020304" pitchFamily="18" charset="0"/>
                     <a:cs typeface="Times New Roman" panose="02020603050405020304" pitchFamily="18" charset="0"/>
                   </a:rPr>
@@ -26593,6 +24530,9 @@
                             <a:solidFill>
                               <a:schemeClr val="tx1"/>
                             </a:solidFill>
+                            <a:highlight>
+                              <a:srgbClr val="FFFF00"/>
+                            </a:highlight>
                             <a:latin typeface="Cambria Math" panose="02040503050406030204" pitchFamily="18" charset="0"/>
                             <a:cs typeface="Times New Roman" panose="02020603050405020304" pitchFamily="18" charset="0"/>
                           </a:rPr>
@@ -26604,6 +24544,9 @@
                             <a:solidFill>
                               <a:schemeClr val="tx1"/>
                             </a:solidFill>
+                            <a:highlight>
+                              <a:srgbClr val="FFFF00"/>
+                            </a:highlight>
                             <a:latin typeface="Cambria Math" panose="02040503050406030204" pitchFamily="18" charset="0"/>
                             <a:cs typeface="Times New Roman" panose="02020603050405020304" pitchFamily="18" charset="0"/>
                           </a:rPr>
@@ -26616,6 +24559,9 @@
                             <a:solidFill>
                               <a:schemeClr val="tx1"/>
                             </a:solidFill>
+                            <a:highlight>
+                              <a:srgbClr val="FFFF00"/>
+                            </a:highlight>
                             <a:latin typeface="Cambria Math" panose="02040503050406030204" pitchFamily="18" charset="0"/>
                             <a:cs typeface="Times New Roman" panose="02020603050405020304" pitchFamily="18" charset="0"/>
                           </a:rPr>
@@ -26628,6 +24574,9 @@
                         <a:solidFill>
                           <a:schemeClr val="tx1"/>
                         </a:solidFill>
+                        <a:highlight>
+                          <a:srgbClr val="FFFF00"/>
+                        </a:highlight>
                         <a:latin typeface="Cambria Math" panose="02040503050406030204" pitchFamily="18" charset="0"/>
                         <a:ea typeface="Cambria Math" panose="02040503050406030204" pitchFamily="18" charset="0"/>
                         <a:cs typeface="Times New Roman" panose="02020603050405020304" pitchFamily="18" charset="0"/>
@@ -26641,6 +24590,9 @@
                     <a:solidFill>
                       <a:schemeClr val="tx1"/>
                     </a:solidFill>
+                    <a:highlight>
+                      <a:srgbClr val="FFFF00"/>
+                    </a:highlight>
                     <a:latin typeface="Times New Roman" panose="02020603050405020304" pitchFamily="18" charset="0"/>
                     <a:cs typeface="Times New Roman" panose="02020603050405020304" pitchFamily="18" charset="0"/>
                   </a:rPr>
@@ -26655,6 +24607,9 @@
                             <a:solidFill>
                               <a:schemeClr val="tx1"/>
                             </a:solidFill>
+                            <a:highlight>
+                              <a:srgbClr val="FFFF00"/>
+                            </a:highlight>
                             <a:latin typeface="Cambria Math" panose="02040503050406030204" pitchFamily="18" charset="0"/>
                             <a:cs typeface="Times New Roman" panose="02020603050405020304" pitchFamily="18" charset="0"/>
                           </a:rPr>
@@ -26666,6 +24621,9 @@
                             <a:solidFill>
                               <a:schemeClr val="tx1"/>
                             </a:solidFill>
+                            <a:highlight>
+                              <a:srgbClr val="FFFF00"/>
+                            </a:highlight>
                             <a:latin typeface="Cambria Math" panose="02040503050406030204" pitchFamily="18" charset="0"/>
                             <a:cs typeface="Times New Roman" panose="02020603050405020304" pitchFamily="18" charset="0"/>
                           </a:rPr>
@@ -26678,6 +24636,9 @@
                             <a:solidFill>
                               <a:schemeClr val="tx1"/>
                             </a:solidFill>
+                            <a:highlight>
+                              <a:srgbClr val="FFFF00"/>
+                            </a:highlight>
                             <a:latin typeface="Cambria Math" panose="02040503050406030204" pitchFamily="18" charset="0"/>
                             <a:cs typeface="Times New Roman" panose="02020603050405020304" pitchFamily="18" charset="0"/>
                           </a:rPr>
@@ -26692,6 +24653,9 @@
                     <a:solidFill>
                       <a:schemeClr val="tx1"/>
                     </a:solidFill>
+                    <a:highlight>
+                      <a:srgbClr val="FFFF00"/>
+                    </a:highlight>
                     <a:latin typeface="Times New Roman" panose="02020603050405020304" pitchFamily="18" charset="0"/>
                     <a:cs typeface="Times New Roman" panose="02020603050405020304" pitchFamily="18" charset="0"/>
                   </a:rPr>
@@ -26706,6 +24670,9 @@
                             <a:solidFill>
                               <a:schemeClr val="tx1"/>
                             </a:solidFill>
+                            <a:highlight>
+                              <a:srgbClr val="FFFF00"/>
+                            </a:highlight>
                             <a:latin typeface="Cambria Math" panose="02040503050406030204" pitchFamily="18" charset="0"/>
                             <a:cs typeface="Times New Roman" panose="02020603050405020304" pitchFamily="18" charset="0"/>
                           </a:rPr>
@@ -26717,6 +24684,9 @@
                             <a:solidFill>
                               <a:schemeClr val="tx1"/>
                             </a:solidFill>
+                            <a:highlight>
+                              <a:srgbClr val="FFFF00"/>
+                            </a:highlight>
                             <a:latin typeface="Cambria Math" panose="02040503050406030204" pitchFamily="18" charset="0"/>
                             <a:cs typeface="Times New Roman" panose="02020603050405020304" pitchFamily="18" charset="0"/>
                           </a:rPr>
@@ -26729,6 +24699,9 @@
                             <a:solidFill>
                               <a:schemeClr val="tx1"/>
                             </a:solidFill>
+                            <a:highlight>
+                              <a:srgbClr val="FFFF00"/>
+                            </a:highlight>
                             <a:latin typeface="Cambria Math" panose="02040503050406030204" pitchFamily="18" charset="0"/>
                             <a:cs typeface="Times New Roman" panose="02020603050405020304" pitchFamily="18" charset="0"/>
                           </a:rPr>
@@ -27022,7 +24995,7 @@
             </p:txBody>
           </p:sp>
         </mc:Choice>
-        <mc:Fallback xmlns="">
+        <mc:Fallback>
           <p:sp>
             <p:nvSpPr>
               <p:cNvPr id="3" name="Text Placeholder 2">
@@ -27079,7 +25052,129 @@
 </p:sld>
 </file>
 
-<file path=ppt/slides/slide21.xml><?xml version="1.0" encoding="utf-8"?>
+<file path=ppt/slides/slide2.xml><?xml version="1.0" encoding="utf-8"?>
+<p:sld xmlns:a="http://schemas.openxmlformats.org/drawingml/2006/main" xmlns:r="http://schemas.openxmlformats.org/officeDocument/2006/relationships" xmlns:p="http://schemas.openxmlformats.org/presentationml/2006/main">
+  <p:cSld>
+    <p:spTree>
+      <p:nvGrpSpPr>
+        <p:cNvPr id="1" name=""/>
+        <p:cNvGrpSpPr/>
+        <p:nvPr/>
+      </p:nvGrpSpPr>
+      <p:grpSpPr>
+        <a:xfrm>
+          <a:off x="0" y="0"/>
+          <a:ext cx="0" cy="0"/>
+          <a:chOff x="0" y="0"/>
+          <a:chExt cx="0" cy="0"/>
+        </a:xfrm>
+      </p:grpSpPr>
+      <p:sp>
+        <p:nvSpPr>
+          <p:cNvPr id="2" name="Title 1"/>
+          <p:cNvSpPr>
+            <a:spLocks noGrp="1"/>
+          </p:cNvSpPr>
+          <p:nvPr>
+            <p:ph type="title"/>
+          </p:nvPr>
+        </p:nvSpPr>
+        <p:spPr>
+          <a:noFill/>
+        </p:spPr>
+        <p:txBody>
+          <a:bodyPr/>
+          <a:lstStyle/>
+          <a:p>
+            <a:r>
+              <a:rPr lang="en-US" dirty="0">
+                <a:latin typeface="Consolas" panose="020B0609020204030204" pitchFamily="49" charset="0"/>
+                <a:cs typeface="Consolas" panose="020B0609020204030204" pitchFamily="49" charset="0"/>
+              </a:rPr>
+              <a:t>Study Guide</a:t>
+            </a:r>
+          </a:p>
+        </p:txBody>
+      </p:sp>
+      <p:sp>
+        <p:nvSpPr>
+          <p:cNvPr id="3" name="Content Placeholder 2"/>
+          <p:cNvSpPr>
+            <a:spLocks noGrp="1"/>
+          </p:cNvSpPr>
+          <p:nvPr>
+            <p:ph type="body" sz="quarter" idx="10"/>
+          </p:nvPr>
+        </p:nvSpPr>
+        <p:spPr>
+          <a:xfrm>
+            <a:off x="319783" y="1722437"/>
+            <a:ext cx="9593458" cy="5029200"/>
+          </a:xfrm>
+        </p:spPr>
+        <p:txBody>
+          <a:bodyPr/>
+          <a:lstStyle/>
+          <a:p>
+            <a:pPr marL="182880" indent="0">
+              <a:buNone/>
+            </a:pPr>
+            <a:endParaRPr lang="en-US" dirty="0">
+              <a:solidFill>
+                <a:schemeClr val="tx1"/>
+              </a:solidFill>
+            </a:endParaRPr>
+          </a:p>
+          <a:p>
+            <a:r>
+              <a:rPr lang="en-US" dirty="0">
+                <a:solidFill>
+                  <a:schemeClr val="tx1"/>
+                </a:solidFill>
+              </a:rPr>
+              <a:t>ANOVA and Regression</a:t>
+            </a:r>
+          </a:p>
+          <a:p>
+            <a:r>
+              <a:rPr lang="en-US" dirty="0">
+                <a:solidFill>
+                  <a:schemeClr val="tx1"/>
+                </a:solidFill>
+                <a:latin typeface="Consolas" pitchFamily="49" charset="0"/>
+                <a:cs typeface="Consolas" pitchFamily="49" charset="0"/>
+              </a:rPr>
+              <a:t>One-way Analysis of Covariance (ANCOVA)</a:t>
+            </a:r>
+          </a:p>
+          <a:p>
+            <a:r>
+              <a:rPr lang="en-US" dirty="0">
+                <a:solidFill>
+                  <a:schemeClr val="tx1"/>
+                </a:solidFill>
+                <a:latin typeface="Consolas" pitchFamily="49" charset="0"/>
+                <a:cs typeface="Consolas" pitchFamily="49" charset="0"/>
+              </a:rPr>
+              <a:t>Two-way Analysis of Variance</a:t>
+            </a:r>
+          </a:p>
+        </p:txBody>
+      </p:sp>
+    </p:spTree>
+    <p:extLst>
+      <p:ext uri="{BB962C8B-B14F-4D97-AF65-F5344CB8AC3E}">
+        <p14:creationId xmlns:p14="http://schemas.microsoft.com/office/powerpoint/2010/main" val="5946082"/>
+      </p:ext>
+    </p:extLst>
+  </p:cSld>
+  <p:clrMapOvr>
+    <a:masterClrMapping/>
+  </p:clrMapOvr>
+</p:sld>
+</file>
+
+<file path=ppt/slides/slide20.xml><?xml version="1.0" encoding="utf-8"?>
 <p:sld xmlns:a="http://schemas.openxmlformats.org/drawingml/2006/main" xmlns:r="http://schemas.openxmlformats.org/officeDocument/2006/relationships" xmlns:p="http://schemas.openxmlformats.org/presentationml/2006/main">
   <p:cSld>
     <p:spTree>
@@ -27432,7 +25527,7 @@
 </p:sld>
 </file>
 
-<file path=ppt/slides/slide22.xml><?xml version="1.0" encoding="utf-8"?>
+<file path=ppt/slides/slide21.xml><?xml version="1.0" encoding="utf-8"?>
 <p:sld xmlns:a="http://schemas.openxmlformats.org/drawingml/2006/main" xmlns:r="http://schemas.openxmlformats.org/officeDocument/2006/relationships" xmlns:p="http://schemas.openxmlformats.org/presentationml/2006/main">
   <p:cSld>
     <p:spTree>
@@ -27554,7 +25649,27 @@
                 <a:latin typeface="Times New Roman" panose="02020603050405020304" pitchFamily="18" charset="0"/>
                 <a:cs typeface="Times New Roman" panose="02020603050405020304" pitchFamily="18" charset="0"/>
               </a:rPr>
-              <a:t>Need to use ANIVA from car package to get Type III sum of squares</a:t>
+              <a:t>Need to use </a:t>
+            </a:r>
+            <a:r>
+              <a:rPr lang="en-US" sz="2400" dirty="0" err="1">
+                <a:solidFill>
+                  <a:srgbClr val="0000FF"/>
+                </a:solidFill>
+                <a:latin typeface="Times New Roman" panose="02020603050405020304" pitchFamily="18" charset="0"/>
+                <a:cs typeface="Times New Roman" panose="02020603050405020304" pitchFamily="18" charset="0"/>
+              </a:rPr>
+              <a:t>Anova</a:t>
+            </a:r>
+            <a:r>
+              <a:rPr lang="en-US" sz="2400" dirty="0">
+                <a:solidFill>
+                  <a:srgbClr val="0000FF"/>
+                </a:solidFill>
+                <a:latin typeface="Times New Roman" panose="02020603050405020304" pitchFamily="18" charset="0"/>
+                <a:cs typeface="Times New Roman" panose="02020603050405020304" pitchFamily="18" charset="0"/>
+              </a:rPr>
+              <a:t> from car package to get Type III sum of squares</a:t>
             </a:r>
             <a:endParaRPr lang="en-US" sz="2400" b="0" i="0" u="none" strike="noStrike" baseline="0" dirty="0">
               <a:solidFill>
@@ -27681,7 +25796,7 @@
 </p:sld>
 </file>
 
-<file path=ppt/slides/slide23.xml><?xml version="1.0" encoding="utf-8"?>
+<file path=ppt/slides/slide22.xml><?xml version="1.0" encoding="utf-8"?>
 <p:sld xmlns:a="http://schemas.openxmlformats.org/drawingml/2006/main" xmlns:r="http://schemas.openxmlformats.org/officeDocument/2006/relationships" xmlns:p="http://schemas.openxmlformats.org/presentationml/2006/main">
   <p:cSld>
     <p:spTree>
@@ -27812,42 +25927,12 @@
           </a:p>
         </p:txBody>
       </p:sp>
-    </p:spTree>
-    <p:extLst>
-      <p:ext uri="{BB962C8B-B14F-4D97-AF65-F5344CB8AC3E}">
-        <p14:creationId xmlns:p14="http://schemas.microsoft.com/office/powerpoint/2010/main" val="2256411907"/>
-      </p:ext>
-    </p:extLst>
-  </p:cSld>
-  <p:clrMapOvr>
-    <a:masterClrMapping/>
-  </p:clrMapOvr>
-</p:sld>
-</file>
-
-<file path=ppt/slides/slide24.xml><?xml version="1.0" encoding="utf-8"?>
-<p:sld xmlns:a="http://schemas.openxmlformats.org/drawingml/2006/main" xmlns:r="http://schemas.openxmlformats.org/officeDocument/2006/relationships" xmlns:p="http://schemas.openxmlformats.org/presentationml/2006/main">
-  <p:cSld>
-    <p:spTree>
-      <p:nvGrpSpPr>
-        <p:cNvPr id="1" name=""/>
-        <p:cNvGrpSpPr/>
-        <p:nvPr/>
-      </p:nvGrpSpPr>
-      <p:grpSpPr>
-        <a:xfrm>
-          <a:off x="0" y="0"/>
-          <a:ext cx="0" cy="0"/>
-          <a:chOff x="0" y="0"/>
-          <a:chExt cx="0" cy="0"/>
-        </a:xfrm>
-      </p:grpSpPr>
       <p:pic>
         <p:nvPicPr>
           <p:cNvPr id="5" name="Picture 4">
             <a:extLst>
               <a:ext uri="{FF2B5EF4-FFF2-40B4-BE49-F238E27FC236}">
-                <a16:creationId xmlns:a16="http://schemas.microsoft.com/office/drawing/2014/main" id="{45CD040F-510F-8717-6F72-1D5A8F858FCC}"/>
+                <a16:creationId xmlns:a16="http://schemas.microsoft.com/office/drawing/2014/main" id="{184D2A55-788C-8B88-C97F-E8B19E9725A2}"/>
               </a:ext>
             </a:extLst>
           </p:cNvPr>
@@ -27864,38 +25949,8 @@
         </p:blipFill>
         <p:spPr>
           <a:xfrm>
-            <a:off x="0" y="1265237"/>
-            <a:ext cx="10080625" cy="1745991"/>
-          </a:xfrm>
-          <a:prstGeom prst="rect">
-            <a:avLst/>
-          </a:prstGeom>
-        </p:spPr>
-      </p:pic>
-      <p:pic>
-        <p:nvPicPr>
-          <p:cNvPr id="7" name="Picture 6">
-            <a:extLst>
-              <a:ext uri="{FF2B5EF4-FFF2-40B4-BE49-F238E27FC236}">
-                <a16:creationId xmlns:a16="http://schemas.microsoft.com/office/drawing/2014/main" id="{7B96D737-DC46-D093-48E9-F25F145BF28C}"/>
-              </a:ext>
-            </a:extLst>
-          </p:cNvPr>
-          <p:cNvPicPr>
-            <a:picLocks noChangeAspect="1"/>
-          </p:cNvPicPr>
-          <p:nvPr/>
-        </p:nvPicPr>
-        <p:blipFill>
-          <a:blip r:embed="rId3"/>
-          <a:stretch>
-            <a:fillRect/>
-          </a:stretch>
-        </p:blipFill>
-        <p:spPr>
-          <a:xfrm>
-            <a:off x="1230312" y="2883958"/>
-            <a:ext cx="7587456" cy="4299986"/>
+            <a:off x="3973512" y="5952101"/>
+            <a:ext cx="3324225" cy="1381125"/>
           </a:xfrm>
           <a:prstGeom prst="rect">
             <a:avLst/>
@@ -27905,7 +25960,7 @@
     </p:spTree>
     <p:extLst>
       <p:ext uri="{BB962C8B-B14F-4D97-AF65-F5344CB8AC3E}">
-        <p14:creationId xmlns:p14="http://schemas.microsoft.com/office/powerpoint/2010/main" val="3219096932"/>
+        <p14:creationId xmlns:p14="http://schemas.microsoft.com/office/powerpoint/2010/main" val="2256411907"/>
       </p:ext>
     </p:extLst>
   </p:cSld>
@@ -27915,1440 +25970,7 @@
 </p:sld>
 </file>
 
-<file path=ppt/slides/slide25.xml><?xml version="1.0" encoding="utf-8"?>
-<p:sld xmlns:a="http://schemas.openxmlformats.org/drawingml/2006/main" xmlns:r="http://schemas.openxmlformats.org/officeDocument/2006/relationships" xmlns:p="http://schemas.openxmlformats.org/presentationml/2006/main">
-  <p:cSld>
-    <p:spTree>
-      <p:nvGrpSpPr>
-        <p:cNvPr id="1" name=""/>
-        <p:cNvGrpSpPr/>
-        <p:nvPr/>
-      </p:nvGrpSpPr>
-      <p:grpSpPr>
-        <a:xfrm>
-          <a:off x="0" y="0"/>
-          <a:ext cx="0" cy="0"/>
-          <a:chOff x="0" y="0"/>
-          <a:chExt cx="0" cy="0"/>
-        </a:xfrm>
-      </p:grpSpPr>
-      <p:sp>
-        <p:nvSpPr>
-          <p:cNvPr id="2" name="Title 1">
-            <a:extLst>
-              <a:ext uri="{FF2B5EF4-FFF2-40B4-BE49-F238E27FC236}">
-                <a16:creationId xmlns:a16="http://schemas.microsoft.com/office/drawing/2014/main" id="{5D187F7E-BA44-535C-9667-AAE93025FC3A}"/>
-              </a:ext>
-            </a:extLst>
-          </p:cNvPr>
-          <p:cNvSpPr>
-            <a:spLocks noGrp="1"/>
-          </p:cNvSpPr>
-          <p:nvPr>
-            <p:ph type="title"/>
-          </p:nvPr>
-        </p:nvSpPr>
-        <p:spPr>
-          <a:xfrm>
-            <a:off x="487168" y="309562"/>
-            <a:ext cx="9593458" cy="1260475"/>
-          </a:xfrm>
-        </p:spPr>
-        <p:txBody>
-          <a:bodyPr/>
-          <a:lstStyle/>
-          <a:p>
-            <a:r>
-              <a:rPr lang="en-US" dirty="0"/>
-              <a:t>R Functions for One-way ANOVA Using </a:t>
-            </a:r>
-            <a:r>
-              <a:rPr lang="en-US" dirty="0" err="1"/>
-              <a:t>lm</a:t>
-            </a:r>
-            <a:r>
-              <a:rPr lang="en-US" dirty="0"/>
-              <a:t>()</a:t>
-            </a:r>
-          </a:p>
-        </p:txBody>
-      </p:sp>
-      <p:sp>
-        <p:nvSpPr>
-          <p:cNvPr id="3" name="Text Placeholder 2">
-            <a:extLst>
-              <a:ext uri="{FF2B5EF4-FFF2-40B4-BE49-F238E27FC236}">
-                <a16:creationId xmlns:a16="http://schemas.microsoft.com/office/drawing/2014/main" id="{BE1E957E-4DA9-12AC-95EC-F6804DCF97E6}"/>
-              </a:ext>
-            </a:extLst>
-          </p:cNvPr>
-          <p:cNvSpPr>
-            <a:spLocks noGrp="1"/>
-          </p:cNvSpPr>
-          <p:nvPr>
-            <p:ph type="body" sz="quarter" idx="10"/>
-          </p:nvPr>
-        </p:nvSpPr>
-        <p:spPr>
-          <a:xfrm>
-            <a:off x="449458" y="1417637"/>
-            <a:ext cx="9143999" cy="914400"/>
-          </a:xfrm>
-        </p:spPr>
-        <p:txBody>
-          <a:bodyPr/>
-          <a:lstStyle/>
-          <a:p>
-            <a:pPr marL="182880" indent="0">
-              <a:buNone/>
-            </a:pPr>
-            <a:r>
-              <a:rPr lang="en-US" sz="2400" b="0" i="0" u="none" strike="noStrike" baseline="0" dirty="0">
-                <a:solidFill>
-                  <a:srgbClr val="0000FF"/>
-                </a:solidFill>
-                <a:latin typeface="Times New Roman" panose="02020603050405020304" pitchFamily="18" charset="0"/>
-                <a:cs typeface="Times New Roman" panose="02020603050405020304" pitchFamily="18" charset="0"/>
-              </a:rPr>
-              <a:t>Create dummy variables and One-way ANOVA using </a:t>
-            </a:r>
-            <a:r>
-              <a:rPr lang="en-US" sz="2400" b="0" i="0" u="none" strike="noStrike" baseline="0" dirty="0" err="1">
-                <a:solidFill>
-                  <a:srgbClr val="0000FF"/>
-                </a:solidFill>
-                <a:latin typeface="Times New Roman" panose="02020603050405020304" pitchFamily="18" charset="0"/>
-                <a:cs typeface="Times New Roman" panose="02020603050405020304" pitchFamily="18" charset="0"/>
-              </a:rPr>
-              <a:t>lm</a:t>
-            </a:r>
-            <a:r>
-              <a:rPr lang="en-US" sz="2400" b="0" i="0" u="none" strike="noStrike" baseline="0" dirty="0">
-                <a:solidFill>
-                  <a:srgbClr val="0000FF"/>
-                </a:solidFill>
-                <a:latin typeface="Times New Roman" panose="02020603050405020304" pitchFamily="18" charset="0"/>
-                <a:cs typeface="Times New Roman" panose="02020603050405020304" pitchFamily="18" charset="0"/>
-              </a:rPr>
-              <a:t>() function</a:t>
-            </a:r>
-            <a:endParaRPr lang="en-US" sz="2400" dirty="0">
-              <a:latin typeface="Times New Roman" panose="02020603050405020304" pitchFamily="18" charset="0"/>
-              <a:cs typeface="Times New Roman" panose="02020603050405020304" pitchFamily="18" charset="0"/>
-            </a:endParaRPr>
-          </a:p>
-        </p:txBody>
-      </p:sp>
-      <p:pic>
-        <p:nvPicPr>
-          <p:cNvPr id="5" name="Picture 4">
-            <a:extLst>
-              <a:ext uri="{FF2B5EF4-FFF2-40B4-BE49-F238E27FC236}">
-                <a16:creationId xmlns:a16="http://schemas.microsoft.com/office/drawing/2014/main" id="{45CD80E6-038F-E49C-8B61-28B753F352BA}"/>
-              </a:ext>
-            </a:extLst>
-          </p:cNvPr>
-          <p:cNvPicPr>
-            <a:picLocks noChangeAspect="1"/>
-          </p:cNvPicPr>
-          <p:nvPr/>
-        </p:nvPicPr>
-        <p:blipFill>
-          <a:blip r:embed="rId2"/>
-          <a:stretch>
-            <a:fillRect/>
-          </a:stretch>
-        </p:blipFill>
-        <p:spPr>
-          <a:xfrm>
-            <a:off x="239712" y="1874837"/>
-            <a:ext cx="6400800" cy="4494675"/>
-          </a:xfrm>
-          <a:prstGeom prst="rect">
-            <a:avLst/>
-          </a:prstGeom>
-        </p:spPr>
-      </p:pic>
-      <p:pic>
-        <p:nvPicPr>
-          <p:cNvPr id="6" name="Picture 5">
-            <a:extLst>
-              <a:ext uri="{FF2B5EF4-FFF2-40B4-BE49-F238E27FC236}">
-                <a16:creationId xmlns:a16="http://schemas.microsoft.com/office/drawing/2014/main" id="{DEB347E9-02B5-D0DF-0976-E97AA9846B62}"/>
-              </a:ext>
-            </a:extLst>
-          </p:cNvPr>
-          <p:cNvPicPr>
-            <a:picLocks noChangeAspect="1"/>
-          </p:cNvPicPr>
-          <p:nvPr/>
-        </p:nvPicPr>
-        <p:blipFill>
-          <a:blip r:embed="rId3"/>
-          <a:stretch>
-            <a:fillRect/>
-          </a:stretch>
-        </p:blipFill>
-        <p:spPr>
-          <a:xfrm>
-            <a:off x="5802312" y="3017837"/>
-            <a:ext cx="4202113" cy="3808875"/>
-          </a:xfrm>
-          <a:prstGeom prst="rect">
-            <a:avLst/>
-          </a:prstGeom>
-        </p:spPr>
-      </p:pic>
-    </p:spTree>
-    <p:extLst>
-      <p:ext uri="{BB962C8B-B14F-4D97-AF65-F5344CB8AC3E}">
-        <p14:creationId xmlns:p14="http://schemas.microsoft.com/office/powerpoint/2010/main" val="4243915374"/>
-      </p:ext>
-    </p:extLst>
-  </p:cSld>
-  <p:clrMapOvr>
-    <a:masterClrMapping/>
-  </p:clrMapOvr>
-</p:sld>
-</file>
-
-<file path=ppt/slides/slide26.xml><?xml version="1.0" encoding="utf-8"?>
-<p:sld xmlns:a="http://schemas.openxmlformats.org/drawingml/2006/main" xmlns:r="http://schemas.openxmlformats.org/officeDocument/2006/relationships" xmlns:p="http://schemas.openxmlformats.org/presentationml/2006/main">
-  <p:cSld>
-    <p:spTree>
-      <p:nvGrpSpPr>
-        <p:cNvPr id="1" name=""/>
-        <p:cNvGrpSpPr/>
-        <p:nvPr/>
-      </p:nvGrpSpPr>
-      <p:grpSpPr>
-        <a:xfrm>
-          <a:off x="0" y="0"/>
-          <a:ext cx="0" cy="0"/>
-          <a:chOff x="0" y="0"/>
-          <a:chExt cx="0" cy="0"/>
-        </a:xfrm>
-      </p:grpSpPr>
-      <p:sp>
-        <p:nvSpPr>
-          <p:cNvPr id="3" name="Text Placeholder 2">
-            <a:extLst>
-              <a:ext uri="{FF2B5EF4-FFF2-40B4-BE49-F238E27FC236}">
-                <a16:creationId xmlns:a16="http://schemas.microsoft.com/office/drawing/2014/main" id="{1F11CF7C-DB1A-73A2-C1DB-A101635FA263}"/>
-              </a:ext>
-            </a:extLst>
-          </p:cNvPr>
-          <p:cNvSpPr>
-            <a:spLocks noGrp="1"/>
-          </p:cNvSpPr>
-          <p:nvPr>
-            <p:ph type="body" sz="quarter" idx="10"/>
-          </p:nvPr>
-        </p:nvSpPr>
-        <p:spPr>
-          <a:xfrm>
-            <a:off x="87312" y="655637"/>
-            <a:ext cx="9143999" cy="5029200"/>
-          </a:xfrm>
-        </p:spPr>
-        <p:txBody>
-          <a:bodyPr/>
-          <a:lstStyle/>
-          <a:p>
-            <a:pPr marL="182880" indent="0" algn="l">
-              <a:buNone/>
-            </a:pPr>
-            <a:r>
-              <a:rPr lang="en-US" sz="2400" b="0" i="0" u="none" strike="noStrike" baseline="0" dirty="0">
-                <a:solidFill>
-                  <a:srgbClr val="0000FF"/>
-                </a:solidFill>
-                <a:latin typeface="Times New Roman" panose="02020603050405020304" pitchFamily="18" charset="0"/>
-                <a:cs typeface="Times New Roman" panose="02020603050405020304" pitchFamily="18" charset="0"/>
-              </a:rPr>
-              <a:t>First, run a one-way ANOVA (without adjustment for age).</a:t>
-            </a:r>
-          </a:p>
-          <a:p>
-            <a:pPr marL="182880" indent="0" algn="l">
-              <a:buNone/>
-            </a:pPr>
-            <a:r>
-              <a:rPr lang="en-US" sz="2400" b="0" i="0" u="none" strike="noStrike" baseline="0" dirty="0">
-                <a:solidFill>
-                  <a:srgbClr val="000000"/>
-                </a:solidFill>
-                <a:latin typeface="Times New Roman" panose="02020603050405020304" pitchFamily="18" charset="0"/>
-                <a:cs typeface="Times New Roman" panose="02020603050405020304" pitchFamily="18" charset="0"/>
-              </a:rPr>
-              <a:t>The global F-test showed that mean SBP differed by smoking</a:t>
-            </a:r>
-          </a:p>
-          <a:p>
-            <a:pPr marL="182880" indent="0" algn="l">
-              <a:buNone/>
-            </a:pPr>
-            <a:r>
-              <a:rPr lang="en-US" sz="2400" b="0" i="0" u="none" strike="noStrike" baseline="0" dirty="0">
-                <a:solidFill>
-                  <a:srgbClr val="000000"/>
-                </a:solidFill>
-                <a:latin typeface="Times New Roman" panose="02020603050405020304" pitchFamily="18" charset="0"/>
-                <a:cs typeface="Times New Roman" panose="02020603050405020304" pitchFamily="18" charset="0"/>
-              </a:rPr>
-              <a:t>category (F=21.49 on 3 and 15 degrees of freedom, p &lt; 0.001).</a:t>
-            </a:r>
-            <a:endParaRPr lang="en-US" sz="2400" dirty="0">
-              <a:latin typeface="Times New Roman" panose="02020603050405020304" pitchFamily="18" charset="0"/>
-              <a:cs typeface="Times New Roman" panose="02020603050405020304" pitchFamily="18" charset="0"/>
-            </a:endParaRPr>
-          </a:p>
-        </p:txBody>
-      </p:sp>
-      <p:pic>
-        <p:nvPicPr>
-          <p:cNvPr id="5" name="Picture 4">
-            <a:extLst>
-              <a:ext uri="{FF2B5EF4-FFF2-40B4-BE49-F238E27FC236}">
-                <a16:creationId xmlns:a16="http://schemas.microsoft.com/office/drawing/2014/main" id="{3FCD6284-040D-91B4-3E8A-EBFC28D7E88D}"/>
-              </a:ext>
-            </a:extLst>
-          </p:cNvPr>
-          <p:cNvPicPr>
-            <a:picLocks noChangeAspect="1"/>
-          </p:cNvPicPr>
-          <p:nvPr/>
-        </p:nvPicPr>
-        <p:blipFill>
-          <a:blip r:embed="rId3"/>
-          <a:stretch>
-            <a:fillRect/>
-          </a:stretch>
-        </p:blipFill>
-        <p:spPr>
-          <a:xfrm>
-            <a:off x="-1" y="2560637"/>
-            <a:ext cx="10080625" cy="3743051"/>
-          </a:xfrm>
-          <a:prstGeom prst="rect">
-            <a:avLst/>
-          </a:prstGeom>
-        </p:spPr>
-      </p:pic>
-    </p:spTree>
-    <p:extLst>
-      <p:ext uri="{BB962C8B-B14F-4D97-AF65-F5344CB8AC3E}">
-        <p14:creationId xmlns:p14="http://schemas.microsoft.com/office/powerpoint/2010/main" val="4123124020"/>
-      </p:ext>
-    </p:extLst>
-  </p:cSld>
-  <p:clrMapOvr>
-    <a:masterClrMapping/>
-  </p:clrMapOvr>
-</p:sld>
-</file>
-
-<file path=ppt/slides/slide27.xml><?xml version="1.0" encoding="utf-8"?>
-<p:sld xmlns:a="http://schemas.openxmlformats.org/drawingml/2006/main" xmlns:r="http://schemas.openxmlformats.org/officeDocument/2006/relationships" xmlns:p="http://schemas.openxmlformats.org/presentationml/2006/main">
-  <p:cSld>
-    <p:spTree>
-      <p:nvGrpSpPr>
-        <p:cNvPr id="1" name=""/>
-        <p:cNvGrpSpPr/>
-        <p:nvPr/>
-      </p:nvGrpSpPr>
-      <p:grpSpPr>
-        <a:xfrm>
-          <a:off x="0" y="0"/>
-          <a:ext cx="0" cy="0"/>
-          <a:chOff x="0" y="0"/>
-          <a:chExt cx="0" cy="0"/>
-        </a:xfrm>
-      </p:grpSpPr>
-      <mc:AlternateContent xmlns:mc="http://schemas.openxmlformats.org/markup-compatibility/2006" xmlns:a14="http://schemas.microsoft.com/office/drawing/2010/main">
-        <mc:Choice Requires="a14">
-          <p:sp>
-            <p:nvSpPr>
-              <p:cNvPr id="3" name="Text Placeholder 2">
-                <a:extLst>
-                  <a:ext uri="{FF2B5EF4-FFF2-40B4-BE49-F238E27FC236}">
-                    <a16:creationId xmlns:a16="http://schemas.microsoft.com/office/drawing/2014/main" id="{1F11CF7C-DB1A-73A2-C1DB-A101635FA263}"/>
-                  </a:ext>
-                </a:extLst>
-              </p:cNvPr>
-              <p:cNvSpPr>
-                <a:spLocks noGrp="1"/>
-              </p:cNvSpPr>
-              <p:nvPr>
-                <p:ph type="body" sz="quarter" idx="10"/>
-              </p:nvPr>
-            </p:nvSpPr>
-            <p:spPr>
-              <a:xfrm>
-                <a:off x="64961" y="655637"/>
-                <a:ext cx="10080625" cy="5029200"/>
-              </a:xfrm>
-            </p:spPr>
-            <p:txBody>
-              <a:bodyPr/>
-              <a:lstStyle/>
-              <a:p>
-                <a:pPr marL="182880" indent="0" algn="l">
-                  <a:buNone/>
-                </a:pPr>
-                <a:r>
-                  <a:rPr lang="en-US" sz="2400" b="0" i="0" u="none" strike="noStrike" baseline="0" dirty="0">
-                    <a:solidFill>
-                      <a:srgbClr val="0000FF"/>
-                    </a:solidFill>
-                    <a:latin typeface="Times New Roman" panose="02020603050405020304" pitchFamily="18" charset="0"/>
-                    <a:cs typeface="Times New Roman" panose="02020603050405020304" pitchFamily="18" charset="0"/>
-                  </a:rPr>
-                  <a:t>After adjusting for multiple comparisons using Tukey’s methodology</a:t>
-                </a:r>
-                <a:r>
-                  <a:rPr lang="en-US" sz="2400" b="0" i="0" u="none" strike="noStrike" baseline="0" dirty="0">
-                    <a:solidFill>
-                      <a:srgbClr val="000000"/>
-                    </a:solidFill>
-                    <a:latin typeface="Times New Roman" panose="02020603050405020304" pitchFamily="18" charset="0"/>
-                    <a:cs typeface="Times New Roman" panose="02020603050405020304" pitchFamily="18" charset="0"/>
-                  </a:rPr>
-                  <a:t>,</a:t>
-                </a:r>
-                <a:r>
-                  <a:rPr lang="en-US" sz="2400" b="0" i="0" u="none" strike="noStrike" dirty="0">
-                    <a:solidFill>
-                      <a:srgbClr val="000000"/>
-                    </a:solidFill>
-                    <a:latin typeface="Times New Roman" panose="02020603050405020304" pitchFamily="18" charset="0"/>
-                    <a:cs typeface="Times New Roman" panose="02020603050405020304" pitchFamily="18" charset="0"/>
-                  </a:rPr>
-                  <a:t> </a:t>
-                </a:r>
-                <a:r>
-                  <a:rPr lang="en-US" sz="2400" b="0" i="0" u="none" strike="noStrike" baseline="0" dirty="0">
-                    <a:solidFill>
-                      <a:srgbClr val="000000"/>
-                    </a:solidFill>
-                    <a:latin typeface="Times New Roman" panose="02020603050405020304" pitchFamily="18" charset="0"/>
-                    <a:cs typeface="Times New Roman" panose="02020603050405020304" pitchFamily="18" charset="0"/>
-                  </a:rPr>
-                  <a:t>all pairwise comparisons </a:t>
-                </a:r>
-                <a:r>
-                  <a:rPr lang="en-US" sz="2400" b="0" i="0" u="none" strike="noStrike" baseline="0" dirty="0">
-                    <a:solidFill>
-                      <a:srgbClr val="FF0000"/>
-                    </a:solidFill>
-                    <a:latin typeface="Times New Roman" panose="02020603050405020304" pitchFamily="18" charset="0"/>
-                    <a:cs typeface="Times New Roman" panose="02020603050405020304" pitchFamily="18" charset="0"/>
-                  </a:rPr>
-                  <a:t>except</a:t>
-                </a:r>
-                <a:r>
-                  <a:rPr lang="en-US" sz="2400" b="0" i="0" u="none" strike="noStrike" baseline="0" dirty="0">
-                    <a:solidFill>
-                      <a:srgbClr val="000000"/>
-                    </a:solidFill>
-                    <a:latin typeface="Times New Roman" panose="02020603050405020304" pitchFamily="18" charset="0"/>
-                    <a:cs typeface="Times New Roman" panose="02020603050405020304" pitchFamily="18" charset="0"/>
-                  </a:rPr>
-                  <a:t> for (a) between light and heavy current smokers</a:t>
-                </a:r>
-                <a:r>
-                  <a:rPr lang="en-US" sz="2400" b="0" i="0" u="none" strike="noStrike" dirty="0">
-                    <a:solidFill>
-                      <a:srgbClr val="000000"/>
-                    </a:solidFill>
-                    <a:latin typeface="Times New Roman" panose="02020603050405020304" pitchFamily="18" charset="0"/>
-                    <a:cs typeface="Times New Roman" panose="02020603050405020304" pitchFamily="18" charset="0"/>
-                  </a:rPr>
-                  <a:t> </a:t>
-                </a:r>
-                <a:r>
-                  <a:rPr lang="en-US" sz="2400" b="0" i="0" u="none" strike="noStrike" baseline="0" dirty="0">
-                    <a:solidFill>
-                      <a:srgbClr val="000000"/>
-                    </a:solidFill>
-                    <a:latin typeface="Times New Roman" panose="02020603050405020304" pitchFamily="18" charset="0"/>
-                    <a:cs typeface="Times New Roman" panose="02020603050405020304" pitchFamily="18" charset="0"/>
-                  </a:rPr>
-                  <a:t>and (b) between light and former smokers were significant at the </a:t>
-                </a:r>
-                <a14:m>
-                  <m:oMath xmlns:m="http://schemas.openxmlformats.org/officeDocument/2006/math">
-                    <m:r>
-                      <a:rPr lang="en-US" sz="2400" b="0" i="1" u="none" strike="noStrike" baseline="0" smtClean="0">
-                        <a:solidFill>
-                          <a:srgbClr val="000000"/>
-                        </a:solidFill>
-                        <a:latin typeface="Cambria Math" panose="02040503050406030204" pitchFamily="18" charset="0"/>
-                        <a:ea typeface="Cambria Math" panose="02040503050406030204" pitchFamily="18" charset="0"/>
-                      </a:rPr>
-                      <m:t>𝛼</m:t>
-                    </m:r>
-                  </m:oMath>
-                </a14:m>
-                <a:r>
-                  <a:rPr lang="en-US" sz="2400" b="0" i="0" u="none" strike="noStrike" baseline="0" dirty="0">
-                    <a:solidFill>
-                      <a:srgbClr val="000000"/>
-                    </a:solidFill>
-                    <a:latin typeface="Times New Roman" panose="02020603050405020304" pitchFamily="18" charset="0"/>
-                    <a:cs typeface="Times New Roman" panose="02020603050405020304" pitchFamily="18" charset="0"/>
-                  </a:rPr>
-                  <a:t>=0.05 level.</a:t>
-                </a:r>
-                <a:endParaRPr lang="en-US" sz="2400" dirty="0">
-                  <a:latin typeface="Times New Roman" panose="02020603050405020304" pitchFamily="18" charset="0"/>
-                  <a:cs typeface="Times New Roman" panose="02020603050405020304" pitchFamily="18" charset="0"/>
-                </a:endParaRPr>
-              </a:p>
-            </p:txBody>
-          </p:sp>
-        </mc:Choice>
-        <mc:Fallback xmlns="">
-          <p:sp>
-            <p:nvSpPr>
-              <p:cNvPr id="3" name="Text Placeholder 2">
-                <a:extLst>
-                  <a:ext uri="{FF2B5EF4-FFF2-40B4-BE49-F238E27FC236}">
-                    <a16:creationId xmlns:a16="http://schemas.microsoft.com/office/drawing/2014/main" id="{1F11CF7C-DB1A-73A2-C1DB-A101635FA263}"/>
-                  </a:ext>
-                </a:extLst>
-              </p:cNvPr>
-              <p:cNvSpPr>
-                <a:spLocks noGrp="1" noRot="1" noChangeAspect="1" noMove="1" noResize="1" noEditPoints="1" noAdjustHandles="1" noChangeArrowheads="1" noChangeShapeType="1" noTextEdit="1"/>
-              </p:cNvSpPr>
-              <p:nvPr>
-                <p:ph type="body" sz="quarter" idx="10"/>
-              </p:nvPr>
-            </p:nvSpPr>
-            <p:spPr>
-              <a:xfrm>
-                <a:off x="64961" y="655637"/>
-                <a:ext cx="10080625" cy="5029200"/>
-              </a:xfrm>
-              <a:blipFill>
-                <a:blip r:embed="rId2"/>
-                <a:stretch>
-                  <a:fillRect l="-60" t="-1333"/>
-                </a:stretch>
-              </a:blipFill>
-            </p:spPr>
-            <p:txBody>
-              <a:bodyPr/>
-              <a:lstStyle/>
-              <a:p>
-                <a:r>
-                  <a:rPr lang="en-US">
-                    <a:noFill/>
-                  </a:rPr>
-                  <a:t> </a:t>
-                </a:r>
-              </a:p>
-            </p:txBody>
-          </p:sp>
-        </mc:Fallback>
-      </mc:AlternateContent>
-      <p:pic>
-        <p:nvPicPr>
-          <p:cNvPr id="6" name="Picture 5">
-            <a:extLst>
-              <a:ext uri="{FF2B5EF4-FFF2-40B4-BE49-F238E27FC236}">
-                <a16:creationId xmlns:a16="http://schemas.microsoft.com/office/drawing/2014/main" id="{405CCFD9-067D-7F96-268B-8C26F0420C76}"/>
-              </a:ext>
-            </a:extLst>
-          </p:cNvPr>
-          <p:cNvPicPr>
-            <a:picLocks noChangeAspect="1"/>
-          </p:cNvPicPr>
-          <p:nvPr/>
-        </p:nvPicPr>
-        <p:blipFill>
-          <a:blip r:embed="rId3"/>
-          <a:stretch>
-            <a:fillRect/>
-          </a:stretch>
-        </p:blipFill>
-        <p:spPr>
-          <a:xfrm>
-            <a:off x="163512" y="2027237"/>
-            <a:ext cx="9601200" cy="4454525"/>
-          </a:xfrm>
-          <a:prstGeom prst="rect">
-            <a:avLst/>
-          </a:prstGeom>
-        </p:spPr>
-      </p:pic>
-    </p:spTree>
-    <p:extLst>
-      <p:ext uri="{BB962C8B-B14F-4D97-AF65-F5344CB8AC3E}">
-        <p14:creationId xmlns:p14="http://schemas.microsoft.com/office/powerpoint/2010/main" val="1386655790"/>
-      </p:ext>
-    </p:extLst>
-  </p:cSld>
-  <p:clrMapOvr>
-    <a:masterClrMapping/>
-  </p:clrMapOvr>
-</p:sld>
-</file>
-
-<file path=ppt/slides/slide28.xml><?xml version="1.0" encoding="utf-8"?>
-<p:sld xmlns:a="http://schemas.openxmlformats.org/drawingml/2006/main" xmlns:r="http://schemas.openxmlformats.org/officeDocument/2006/relationships" xmlns:p="http://schemas.openxmlformats.org/presentationml/2006/main">
-  <p:cSld>
-    <p:spTree>
-      <p:nvGrpSpPr>
-        <p:cNvPr id="1" name=""/>
-        <p:cNvGrpSpPr/>
-        <p:nvPr/>
-      </p:nvGrpSpPr>
-      <p:grpSpPr>
-        <a:xfrm>
-          <a:off x="0" y="0"/>
-          <a:ext cx="0" cy="0"/>
-          <a:chOff x="0" y="0"/>
-          <a:chExt cx="0" cy="0"/>
-        </a:xfrm>
-      </p:grpSpPr>
-      <p:sp>
-        <p:nvSpPr>
-          <p:cNvPr id="3" name="Text Placeholder 2">
-            <a:extLst>
-              <a:ext uri="{FF2B5EF4-FFF2-40B4-BE49-F238E27FC236}">
-                <a16:creationId xmlns:a16="http://schemas.microsoft.com/office/drawing/2014/main" id="{1F11CF7C-DB1A-73A2-C1DB-A101635FA263}"/>
-              </a:ext>
-            </a:extLst>
-          </p:cNvPr>
-          <p:cNvSpPr>
-            <a:spLocks noGrp="1"/>
-          </p:cNvSpPr>
-          <p:nvPr>
-            <p:ph type="body" sz="quarter" idx="10"/>
-          </p:nvPr>
-        </p:nvSpPr>
-        <p:spPr>
-          <a:xfrm>
-            <a:off x="0" y="534440"/>
-            <a:ext cx="10244137" cy="5029200"/>
-          </a:xfrm>
-        </p:spPr>
-        <p:txBody>
-          <a:bodyPr/>
-          <a:lstStyle/>
-          <a:p>
-            <a:pPr marL="182880" indent="0">
-              <a:buNone/>
-            </a:pPr>
-            <a:r>
-              <a:rPr lang="en-US" sz="2400" dirty="0">
-                <a:latin typeface="Times New Roman" panose="02020603050405020304" pitchFamily="18" charset="0"/>
-                <a:cs typeface="Times New Roman" panose="02020603050405020304" pitchFamily="18" charset="0"/>
-              </a:rPr>
-              <a:t>However, after adjusting for age using an ANCOVA model, the differences seen in the one-way ANOVA setting, were attenuated and the F-test for the effect of smoking status was no longer significant (F=1.774 on 3 and 14 degrees of freedom, p= 0.1982).</a:t>
-            </a:r>
-          </a:p>
-          <a:p>
-            <a:pPr marL="182880" indent="0">
-              <a:buNone/>
-            </a:pPr>
-            <a:r>
-              <a:rPr lang="en-US" sz="2400" dirty="0">
-                <a:latin typeface="Times New Roman" panose="02020603050405020304" pitchFamily="18" charset="0"/>
-                <a:cs typeface="Times New Roman" panose="02020603050405020304" pitchFamily="18" charset="0"/>
-              </a:rPr>
-              <a:t>The least-square means (adjusted for age) were 129.87, 144.01, 144.01, and 155.11 for the heavy, light, former and never smokers, respectively.</a:t>
-            </a:r>
-          </a:p>
-          <a:p>
-            <a:pPr marL="182880" indent="0">
-              <a:buNone/>
-            </a:pPr>
-            <a:r>
-              <a:rPr lang="en-US" sz="2400" dirty="0">
-                <a:solidFill>
-                  <a:srgbClr val="C00000"/>
-                </a:solidFill>
-                <a:latin typeface="Times New Roman" panose="02020603050405020304" pitchFamily="18" charset="0"/>
-                <a:cs typeface="Times New Roman" panose="02020603050405020304" pitchFamily="18" charset="0"/>
-              </a:rPr>
-              <a:t>As such, the differences we saw in the one-way ANOVA model were due to age differences across the smoking groups as opposed to true differences in SBP attributable only to smoking status.</a:t>
-            </a:r>
-          </a:p>
-        </p:txBody>
-      </p:sp>
-      <p:pic>
-        <p:nvPicPr>
-          <p:cNvPr id="5" name="Picture 4">
-            <a:extLst>
-              <a:ext uri="{FF2B5EF4-FFF2-40B4-BE49-F238E27FC236}">
-                <a16:creationId xmlns:a16="http://schemas.microsoft.com/office/drawing/2014/main" id="{95680FBF-E92B-BEC5-0F23-2D460E37E24E}"/>
-              </a:ext>
-            </a:extLst>
-          </p:cNvPr>
-          <p:cNvPicPr>
-            <a:picLocks noChangeAspect="1"/>
-          </p:cNvPicPr>
-          <p:nvPr/>
-        </p:nvPicPr>
-        <p:blipFill>
-          <a:blip r:embed="rId2"/>
-          <a:stretch>
-            <a:fillRect/>
-          </a:stretch>
-        </p:blipFill>
-        <p:spPr>
-          <a:xfrm>
-            <a:off x="163512" y="4922837"/>
-            <a:ext cx="4800600" cy="1613994"/>
-          </a:xfrm>
-          <a:prstGeom prst="rect">
-            <a:avLst/>
-          </a:prstGeom>
-        </p:spPr>
-      </p:pic>
-    </p:spTree>
-    <p:extLst>
-      <p:ext uri="{BB962C8B-B14F-4D97-AF65-F5344CB8AC3E}">
-        <p14:creationId xmlns:p14="http://schemas.microsoft.com/office/powerpoint/2010/main" val="350021145"/>
-      </p:ext>
-    </p:extLst>
-  </p:cSld>
-  <p:clrMapOvr>
-    <a:masterClrMapping/>
-  </p:clrMapOvr>
-</p:sld>
-</file>
-
-<file path=ppt/slides/slide29.xml><?xml version="1.0" encoding="utf-8"?>
-<p:sld xmlns:a="http://schemas.openxmlformats.org/drawingml/2006/main" xmlns:r="http://schemas.openxmlformats.org/officeDocument/2006/relationships" xmlns:p="http://schemas.openxmlformats.org/presentationml/2006/main">
-  <p:cSld>
-    <p:spTree>
-      <p:nvGrpSpPr>
-        <p:cNvPr id="1" name=""/>
-        <p:cNvGrpSpPr/>
-        <p:nvPr/>
-      </p:nvGrpSpPr>
-      <p:grpSpPr>
-        <a:xfrm>
-          <a:off x="0" y="0"/>
-          <a:ext cx="0" cy="0"/>
-          <a:chOff x="0" y="0"/>
-          <a:chExt cx="0" cy="0"/>
-        </a:xfrm>
-      </p:grpSpPr>
-      <p:sp>
-        <p:nvSpPr>
-          <p:cNvPr id="2" name="Title 1">
-            <a:extLst>
-              <a:ext uri="{FF2B5EF4-FFF2-40B4-BE49-F238E27FC236}">
-                <a16:creationId xmlns:a16="http://schemas.microsoft.com/office/drawing/2014/main" id="{6B928049-ED14-4FE4-1E13-68302068AC2E}"/>
-              </a:ext>
-            </a:extLst>
-          </p:cNvPr>
-          <p:cNvSpPr>
-            <a:spLocks noGrp="1"/>
-          </p:cNvSpPr>
-          <p:nvPr>
-            <p:ph type="title"/>
-          </p:nvPr>
-        </p:nvSpPr>
-        <p:spPr>
-          <a:xfrm>
-            <a:off x="163512" y="290654"/>
-            <a:ext cx="7772401" cy="1260475"/>
-          </a:xfrm>
-        </p:spPr>
-        <p:txBody>
-          <a:bodyPr/>
-          <a:lstStyle/>
-          <a:p>
-            <a:r>
-              <a:rPr lang="en-US" dirty="0"/>
-              <a:t>One-way ANCOVA</a:t>
-            </a:r>
-          </a:p>
-        </p:txBody>
-      </p:sp>
-      <p:pic>
-        <p:nvPicPr>
-          <p:cNvPr id="5" name="Picture 4">
-            <a:extLst>
-              <a:ext uri="{FF2B5EF4-FFF2-40B4-BE49-F238E27FC236}">
-                <a16:creationId xmlns:a16="http://schemas.microsoft.com/office/drawing/2014/main" id="{079853A8-18E9-BB0C-79A1-F7AD8B21CC78}"/>
-              </a:ext>
-            </a:extLst>
-          </p:cNvPr>
-          <p:cNvPicPr>
-            <a:picLocks noChangeAspect="1"/>
-          </p:cNvPicPr>
-          <p:nvPr/>
-        </p:nvPicPr>
-        <p:blipFill>
-          <a:blip r:embed="rId3"/>
-          <a:stretch>
-            <a:fillRect/>
-          </a:stretch>
-        </p:blipFill>
-        <p:spPr>
-          <a:xfrm>
-            <a:off x="11112" y="1322395"/>
-            <a:ext cx="10080625" cy="5938586"/>
-          </a:xfrm>
-          <a:prstGeom prst="rect">
-            <a:avLst/>
-          </a:prstGeom>
-        </p:spPr>
-      </p:pic>
-    </p:spTree>
-    <p:extLst>
-      <p:ext uri="{BB962C8B-B14F-4D97-AF65-F5344CB8AC3E}">
-        <p14:creationId xmlns:p14="http://schemas.microsoft.com/office/powerpoint/2010/main" val="595731011"/>
-      </p:ext>
-    </p:extLst>
-  </p:cSld>
-  <p:clrMapOvr>
-    <a:masterClrMapping/>
-  </p:clrMapOvr>
-</p:sld>
-</file>
-
-<file path=ppt/slides/slide3.xml><?xml version="1.0" encoding="utf-8"?>
-<p:sld xmlns:a="http://schemas.openxmlformats.org/drawingml/2006/main" xmlns:r="http://schemas.openxmlformats.org/officeDocument/2006/relationships" xmlns:p="http://schemas.openxmlformats.org/presentationml/2006/main">
-  <p:cSld>
-    <p:spTree>
-      <p:nvGrpSpPr>
-        <p:cNvPr id="1" name=""/>
-        <p:cNvGrpSpPr/>
-        <p:nvPr/>
-      </p:nvGrpSpPr>
-      <p:grpSpPr>
-        <a:xfrm>
-          <a:off x="0" y="0"/>
-          <a:ext cx="0" cy="0"/>
-          <a:chOff x="0" y="0"/>
-          <a:chExt cx="0" cy="0"/>
-        </a:xfrm>
-      </p:grpSpPr>
-      <p:sp>
-        <p:nvSpPr>
-          <p:cNvPr id="6" name="Rectangle 4">
-            <a:extLst>
-              <a:ext uri="{FF2B5EF4-FFF2-40B4-BE49-F238E27FC236}">
-                <a16:creationId xmlns:a16="http://schemas.microsoft.com/office/drawing/2014/main" id="{5A31ACBC-ED41-BA7B-410E-C71BE39BD59A}"/>
-              </a:ext>
-            </a:extLst>
-          </p:cNvPr>
-          <p:cNvSpPr txBox="1">
-            <a:spLocks noChangeArrowheads="1"/>
-          </p:cNvSpPr>
-          <p:nvPr/>
-        </p:nvSpPr>
-        <p:spPr bwMode="auto">
-          <a:xfrm>
-            <a:off x="315912" y="2255837"/>
-            <a:ext cx="9647068" cy="2387600"/>
-          </a:xfrm>
-          <a:prstGeom prst="rect">
-            <a:avLst/>
-          </a:prstGeom>
-          <a:noFill/>
-          <a:ln>
-            <a:noFill/>
-          </a:ln>
-          <a:effectLst/>
-          <a:extLst>
-            <a:ext uri="{909E8E84-426E-40DD-AFC4-6F175D3DCCD1}">
-              <a14:hiddenFill xmlns:a14="http://schemas.microsoft.com/office/drawing/2010/main">
-                <a:solidFill>
-                  <a:srgbClr val="FFFFFF"/>
-                </a:solidFill>
-              </a14:hiddenFill>
-            </a:ext>
-            <a:ext uri="{91240B29-F687-4F45-9708-019B960494DF}">
-              <a14:hiddenLine xmlns:a14="http://schemas.microsoft.com/office/drawing/2010/main" w="9525">
-                <a:solidFill>
-                  <a:srgbClr val="000000"/>
-                </a:solidFill>
-                <a:round/>
-                <a:headEnd/>
-                <a:tailEnd/>
-              </a14:hiddenLine>
-            </a:ext>
-            <a:ext uri="{AF507438-7753-43E0-B8FC-AC1667EBCBE1}">
-              <a14:hiddenEffects xmlns:a14="http://schemas.microsoft.com/office/drawing/2010/main">
-                <a:effectLst>
-                  <a:outerShdw dist="35921" dir="2700000" algn="ctr" rotWithShape="0">
-                    <a:schemeClr val="bg2"/>
-                  </a:outerShdw>
-                </a:effectLst>
-              </a14:hiddenEffects>
-            </a:ext>
-          </a:extLst>
-        </p:spPr>
-        <p:txBody>
-          <a:bodyPr vert="horz" wrap="square" lIns="0" tIns="0" rIns="0" bIns="0" numCol="1" anchor="ctr" anchorCtr="0" compatLnSpc="1">
-            <a:prstTxWarp prst="textNoShape">
-              <a:avLst/>
-            </a:prstTxWarp>
-          </a:bodyPr>
-          <a:lstStyle>
-            <a:lvl1pPr algn="ctr" defTabSz="449263" rtl="0" eaLnBrk="1" fontAlgn="base" hangingPunct="1">
-              <a:lnSpc>
-                <a:spcPct val="117000"/>
-              </a:lnSpc>
-              <a:spcBef>
-                <a:spcPct val="0"/>
-              </a:spcBef>
-              <a:spcAft>
-                <a:spcPct val="0"/>
-              </a:spcAft>
-              <a:buClr>
-                <a:srgbClr val="000000"/>
-              </a:buClr>
-              <a:buSzPct val="100000"/>
-              <a:buFont typeface="Times New Roman" pitchFamily="16" charset="0"/>
-              <a:defRPr sz="3600">
-                <a:solidFill>
-                  <a:srgbClr val="820000"/>
-                </a:solidFill>
-                <a:latin typeface="Tahoma" pitchFamily="34" charset="0"/>
-                <a:ea typeface="Tahoma" pitchFamily="34" charset="0"/>
-                <a:cs typeface="Tahoma" pitchFamily="34" charset="0"/>
-              </a:defRPr>
-            </a:lvl1pPr>
-            <a:lvl2pPr marL="742950" indent="-285750" algn="ctr" defTabSz="449263" rtl="0" eaLnBrk="1" fontAlgn="base" hangingPunct="1">
-              <a:lnSpc>
-                <a:spcPct val="117000"/>
-              </a:lnSpc>
-              <a:spcBef>
-                <a:spcPct val="0"/>
-              </a:spcBef>
-              <a:spcAft>
-                <a:spcPct val="0"/>
-              </a:spcAft>
-              <a:buClr>
-                <a:srgbClr val="000000"/>
-              </a:buClr>
-              <a:buSzPct val="100000"/>
-              <a:buFont typeface="Times New Roman" pitchFamily="16" charset="0"/>
-              <a:defRPr sz="4400">
-                <a:solidFill>
-                  <a:srgbClr val="000000"/>
-                </a:solidFill>
-                <a:latin typeface="Comic Sans MS" charset="0"/>
-                <a:ea typeface="msmincho" charset="0"/>
-                <a:cs typeface="msmincho" charset="0"/>
-              </a:defRPr>
-            </a:lvl2pPr>
-            <a:lvl3pPr marL="1143000" indent="-228600" algn="ctr" defTabSz="449263" rtl="0" eaLnBrk="1" fontAlgn="base" hangingPunct="1">
-              <a:lnSpc>
-                <a:spcPct val="117000"/>
-              </a:lnSpc>
-              <a:spcBef>
-                <a:spcPct val="0"/>
-              </a:spcBef>
-              <a:spcAft>
-                <a:spcPct val="0"/>
-              </a:spcAft>
-              <a:buClr>
-                <a:srgbClr val="000000"/>
-              </a:buClr>
-              <a:buSzPct val="100000"/>
-              <a:buFont typeface="Times New Roman" pitchFamily="16" charset="0"/>
-              <a:defRPr sz="4400">
-                <a:solidFill>
-                  <a:srgbClr val="000000"/>
-                </a:solidFill>
-                <a:latin typeface="Comic Sans MS" charset="0"/>
-                <a:ea typeface="msmincho" charset="0"/>
-                <a:cs typeface="msmincho" charset="0"/>
-              </a:defRPr>
-            </a:lvl3pPr>
-            <a:lvl4pPr marL="1600200" indent="-228600" algn="ctr" defTabSz="449263" rtl="0" eaLnBrk="1" fontAlgn="base" hangingPunct="1">
-              <a:lnSpc>
-                <a:spcPct val="117000"/>
-              </a:lnSpc>
-              <a:spcBef>
-                <a:spcPct val="0"/>
-              </a:spcBef>
-              <a:spcAft>
-                <a:spcPct val="0"/>
-              </a:spcAft>
-              <a:buClr>
-                <a:srgbClr val="000000"/>
-              </a:buClr>
-              <a:buSzPct val="100000"/>
-              <a:buFont typeface="Times New Roman" pitchFamily="16" charset="0"/>
-              <a:defRPr sz="4400">
-                <a:solidFill>
-                  <a:srgbClr val="000000"/>
-                </a:solidFill>
-                <a:latin typeface="Comic Sans MS" charset="0"/>
-                <a:ea typeface="msmincho" charset="0"/>
-                <a:cs typeface="msmincho" charset="0"/>
-              </a:defRPr>
-            </a:lvl4pPr>
-            <a:lvl5pPr marL="2057400" indent="-228600" algn="ctr" defTabSz="449263" rtl="0" eaLnBrk="1" fontAlgn="base" hangingPunct="1">
-              <a:lnSpc>
-                <a:spcPct val="117000"/>
-              </a:lnSpc>
-              <a:spcBef>
-                <a:spcPct val="0"/>
-              </a:spcBef>
-              <a:spcAft>
-                <a:spcPct val="0"/>
-              </a:spcAft>
-              <a:buClr>
-                <a:srgbClr val="000000"/>
-              </a:buClr>
-              <a:buSzPct val="100000"/>
-              <a:buFont typeface="Times New Roman" pitchFamily="16" charset="0"/>
-              <a:defRPr sz="4400">
-                <a:solidFill>
-                  <a:srgbClr val="000000"/>
-                </a:solidFill>
-                <a:latin typeface="Comic Sans MS" charset="0"/>
-                <a:ea typeface="msmincho" charset="0"/>
-                <a:cs typeface="msmincho" charset="0"/>
-              </a:defRPr>
-            </a:lvl5pPr>
-            <a:lvl6pPr marL="2514600" indent="-228600" algn="ctr" defTabSz="449263" rtl="0" eaLnBrk="1" fontAlgn="base" hangingPunct="1">
-              <a:lnSpc>
-                <a:spcPct val="117000"/>
-              </a:lnSpc>
-              <a:spcBef>
-                <a:spcPct val="0"/>
-              </a:spcBef>
-              <a:spcAft>
-                <a:spcPct val="0"/>
-              </a:spcAft>
-              <a:buClr>
-                <a:srgbClr val="000000"/>
-              </a:buClr>
-              <a:buSzPct val="100000"/>
-              <a:buFont typeface="Times New Roman" pitchFamily="16" charset="0"/>
-              <a:defRPr sz="4400">
-                <a:solidFill>
-                  <a:srgbClr val="000000"/>
-                </a:solidFill>
-                <a:latin typeface="Comic Sans MS" charset="0"/>
-                <a:ea typeface="msmincho" charset="0"/>
-                <a:cs typeface="msmincho" charset="0"/>
-              </a:defRPr>
-            </a:lvl6pPr>
-            <a:lvl7pPr marL="2971800" indent="-228600" algn="ctr" defTabSz="449263" rtl="0" eaLnBrk="1" fontAlgn="base" hangingPunct="1">
-              <a:lnSpc>
-                <a:spcPct val="117000"/>
-              </a:lnSpc>
-              <a:spcBef>
-                <a:spcPct val="0"/>
-              </a:spcBef>
-              <a:spcAft>
-                <a:spcPct val="0"/>
-              </a:spcAft>
-              <a:buClr>
-                <a:srgbClr val="000000"/>
-              </a:buClr>
-              <a:buSzPct val="100000"/>
-              <a:buFont typeface="Times New Roman" pitchFamily="16" charset="0"/>
-              <a:defRPr sz="4400">
-                <a:solidFill>
-                  <a:srgbClr val="000000"/>
-                </a:solidFill>
-                <a:latin typeface="Comic Sans MS" charset="0"/>
-                <a:ea typeface="msmincho" charset="0"/>
-                <a:cs typeface="msmincho" charset="0"/>
-              </a:defRPr>
-            </a:lvl7pPr>
-            <a:lvl8pPr marL="3429000" indent="-228600" algn="ctr" defTabSz="449263" rtl="0" eaLnBrk="1" fontAlgn="base" hangingPunct="1">
-              <a:lnSpc>
-                <a:spcPct val="117000"/>
-              </a:lnSpc>
-              <a:spcBef>
-                <a:spcPct val="0"/>
-              </a:spcBef>
-              <a:spcAft>
-                <a:spcPct val="0"/>
-              </a:spcAft>
-              <a:buClr>
-                <a:srgbClr val="000000"/>
-              </a:buClr>
-              <a:buSzPct val="100000"/>
-              <a:buFont typeface="Times New Roman" pitchFamily="16" charset="0"/>
-              <a:defRPr sz="4400">
-                <a:solidFill>
-                  <a:srgbClr val="000000"/>
-                </a:solidFill>
-                <a:latin typeface="Comic Sans MS" charset="0"/>
-                <a:ea typeface="msmincho" charset="0"/>
-                <a:cs typeface="msmincho" charset="0"/>
-              </a:defRPr>
-            </a:lvl8pPr>
-            <a:lvl9pPr marL="3886200" indent="-228600" algn="ctr" defTabSz="449263" rtl="0" eaLnBrk="1" fontAlgn="base" hangingPunct="1">
-              <a:lnSpc>
-                <a:spcPct val="117000"/>
-              </a:lnSpc>
-              <a:spcBef>
-                <a:spcPct val="0"/>
-              </a:spcBef>
-              <a:spcAft>
-                <a:spcPct val="0"/>
-              </a:spcAft>
-              <a:buClr>
-                <a:srgbClr val="000000"/>
-              </a:buClr>
-              <a:buSzPct val="100000"/>
-              <a:buFont typeface="Times New Roman" pitchFamily="16" charset="0"/>
-              <a:defRPr sz="4400">
-                <a:solidFill>
-                  <a:srgbClr val="000000"/>
-                </a:solidFill>
-                <a:latin typeface="Comic Sans MS" charset="0"/>
-                <a:ea typeface="msmincho" charset="0"/>
-                <a:cs typeface="msmincho" charset="0"/>
-              </a:defRPr>
-            </a:lvl9pPr>
-          </a:lstStyle>
-          <a:p>
-            <a:r>
-              <a:rPr lang="en-US" altLang="en-US" sz="4800" kern="0" dirty="0">
-                <a:latin typeface="Times New Roman" panose="02020603050405020304" pitchFamily="18" charset="0"/>
-                <a:cs typeface="Times New Roman" panose="02020603050405020304" pitchFamily="18" charset="0"/>
-              </a:rPr>
-              <a:t>ANOVA and Regression</a:t>
-            </a:r>
-          </a:p>
-        </p:txBody>
-      </p:sp>
-      <p:grpSp>
-        <p:nvGrpSpPr>
-          <p:cNvPr id="7" name="object 4">
-            <a:extLst>
-              <a:ext uri="{FF2B5EF4-FFF2-40B4-BE49-F238E27FC236}">
-                <a16:creationId xmlns:a16="http://schemas.microsoft.com/office/drawing/2014/main" id="{1708282C-484D-BBCA-86A9-6D254C2121CC}"/>
-              </a:ext>
-            </a:extLst>
-          </p:cNvPr>
-          <p:cNvGrpSpPr/>
-          <p:nvPr/>
-        </p:nvGrpSpPr>
-        <p:grpSpPr>
-          <a:xfrm>
-            <a:off x="1230312" y="4237037"/>
-            <a:ext cx="8144032" cy="20134"/>
-            <a:chOff x="215998" y="1776746"/>
-            <a:chExt cx="4109720" cy="10160"/>
-          </a:xfrm>
-        </p:grpSpPr>
-        <p:sp>
-          <p:nvSpPr>
-            <p:cNvPr id="8" name="object 5">
-              <a:extLst>
-                <a:ext uri="{FF2B5EF4-FFF2-40B4-BE49-F238E27FC236}">
-                  <a16:creationId xmlns:a16="http://schemas.microsoft.com/office/drawing/2014/main" id="{189DA436-86BC-EC27-39D7-E5729ADDD168}"/>
-                </a:ext>
-              </a:extLst>
-            </p:cNvPr>
-            <p:cNvSpPr/>
-            <p:nvPr/>
-          </p:nvSpPr>
-          <p:spPr>
-            <a:xfrm>
-              <a:off x="218528" y="1779276"/>
-              <a:ext cx="4104640" cy="5080"/>
-            </a:xfrm>
-            <a:custGeom>
-              <a:avLst/>
-              <a:gdLst/>
-              <a:ahLst/>
-              <a:cxnLst/>
-              <a:rect l="l" t="t" r="r" b="b"/>
-              <a:pathLst>
-                <a:path w="4104640" h="5080">
-                  <a:moveTo>
-                    <a:pt x="0" y="5060"/>
-                  </a:moveTo>
-                  <a:lnTo>
-                    <a:pt x="0" y="0"/>
-                  </a:lnTo>
-                  <a:lnTo>
-                    <a:pt x="4104055" y="0"/>
-                  </a:lnTo>
-                  <a:lnTo>
-                    <a:pt x="4104055" y="5060"/>
-                  </a:lnTo>
-                  <a:lnTo>
-                    <a:pt x="0" y="5060"/>
-                  </a:lnTo>
-                  <a:close/>
-                </a:path>
-              </a:pathLst>
-            </a:custGeom>
-            <a:solidFill>
-              <a:srgbClr val="EB801A"/>
-            </a:solidFill>
-          </p:spPr>
-          <p:txBody>
-            <a:bodyPr wrap="square" lIns="0" tIns="0" rIns="0" bIns="0" rtlCol="0"/>
-            <a:lstStyle/>
-            <a:p>
-              <a:endParaRPr sz="8406"/>
-            </a:p>
-          </p:txBody>
-        </p:sp>
-        <p:sp>
-          <p:nvSpPr>
-            <p:cNvPr id="9" name="object 6">
-              <a:extLst>
-                <a:ext uri="{FF2B5EF4-FFF2-40B4-BE49-F238E27FC236}">
-                  <a16:creationId xmlns:a16="http://schemas.microsoft.com/office/drawing/2014/main" id="{F31B3D97-A844-6C54-2FE5-44B05B6B2874}"/>
-                </a:ext>
-              </a:extLst>
-            </p:cNvPr>
-            <p:cNvSpPr/>
-            <p:nvPr/>
-          </p:nvSpPr>
-          <p:spPr>
-            <a:xfrm>
-              <a:off x="218528" y="1779276"/>
-              <a:ext cx="4104640" cy="5080"/>
-            </a:xfrm>
-            <a:custGeom>
-              <a:avLst/>
-              <a:gdLst/>
-              <a:ahLst/>
-              <a:cxnLst/>
-              <a:rect l="l" t="t" r="r" b="b"/>
-              <a:pathLst>
-                <a:path w="4104640" h="5080">
-                  <a:moveTo>
-                    <a:pt x="0" y="5060"/>
-                  </a:moveTo>
-                  <a:lnTo>
-                    <a:pt x="0" y="0"/>
-                  </a:lnTo>
-                  <a:lnTo>
-                    <a:pt x="4104055" y="0"/>
-                  </a:lnTo>
-                  <a:lnTo>
-                    <a:pt x="4104055" y="5060"/>
-                  </a:lnTo>
-                  <a:lnTo>
-                    <a:pt x="0" y="5060"/>
-                  </a:lnTo>
-                  <a:close/>
-                </a:path>
-              </a:pathLst>
-            </a:custGeom>
-            <a:ln w="5060">
-              <a:solidFill>
-                <a:srgbClr val="EB801A"/>
-              </a:solidFill>
-            </a:ln>
-          </p:spPr>
-          <p:txBody>
-            <a:bodyPr wrap="square" lIns="0" tIns="0" rIns="0" bIns="0" rtlCol="0"/>
-            <a:lstStyle/>
-            <a:p>
-              <a:endParaRPr sz="8406"/>
-            </a:p>
-          </p:txBody>
-        </p:sp>
-      </p:grpSp>
-    </p:spTree>
-    <p:extLst>
-      <p:ext uri="{BB962C8B-B14F-4D97-AF65-F5344CB8AC3E}">
-        <p14:creationId xmlns:p14="http://schemas.microsoft.com/office/powerpoint/2010/main" val="2934890774"/>
-      </p:ext>
-    </p:extLst>
-  </p:cSld>
-  <p:clrMapOvr>
-    <a:masterClrMapping/>
-  </p:clrMapOvr>
-</p:sld>
-</file>
-
-<file path=ppt/slides/slide30.xml><?xml version="1.0" encoding="utf-8"?>
-<p:sld xmlns:a="http://schemas.openxmlformats.org/drawingml/2006/main" xmlns:r="http://schemas.openxmlformats.org/officeDocument/2006/relationships" xmlns:p="http://schemas.openxmlformats.org/presentationml/2006/main">
-  <p:cSld>
-    <p:spTree>
-      <p:nvGrpSpPr>
-        <p:cNvPr id="1" name=""/>
-        <p:cNvGrpSpPr/>
-        <p:nvPr/>
-      </p:nvGrpSpPr>
-      <p:grpSpPr>
-        <a:xfrm>
-          <a:off x="0" y="0"/>
-          <a:ext cx="0" cy="0"/>
-          <a:chOff x="0" y="0"/>
-          <a:chExt cx="0" cy="0"/>
-        </a:xfrm>
-      </p:grpSpPr>
-      <p:sp>
-        <p:nvSpPr>
-          <p:cNvPr id="2" name="Title 1">
-            <a:extLst>
-              <a:ext uri="{FF2B5EF4-FFF2-40B4-BE49-F238E27FC236}">
-                <a16:creationId xmlns:a16="http://schemas.microsoft.com/office/drawing/2014/main" id="{1D473DCE-485E-57B7-9EFE-7057ABDEA3AE}"/>
-              </a:ext>
-            </a:extLst>
-          </p:cNvPr>
-          <p:cNvSpPr>
-            <a:spLocks noGrp="1"/>
-          </p:cNvSpPr>
-          <p:nvPr>
-            <p:ph type="title"/>
-          </p:nvPr>
-        </p:nvSpPr>
-        <p:spPr>
-          <a:xfrm>
-            <a:off x="239712" y="122237"/>
-            <a:ext cx="7772401" cy="1260475"/>
-          </a:xfrm>
-        </p:spPr>
-        <p:txBody>
-          <a:bodyPr/>
-          <a:lstStyle/>
-          <a:p>
-            <a:r>
-              <a:rPr lang="en-US" dirty="0"/>
-              <a:t>One-way ANCOVA</a:t>
-            </a:r>
-          </a:p>
-        </p:txBody>
-      </p:sp>
-      <p:sp>
-        <p:nvSpPr>
-          <p:cNvPr id="3" name="Text Placeholder 2">
-            <a:extLst>
-              <a:ext uri="{FF2B5EF4-FFF2-40B4-BE49-F238E27FC236}">
-                <a16:creationId xmlns:a16="http://schemas.microsoft.com/office/drawing/2014/main" id="{1F11CF7C-DB1A-73A2-C1DB-A101635FA263}"/>
-              </a:ext>
-            </a:extLst>
-          </p:cNvPr>
-          <p:cNvSpPr>
-            <a:spLocks noGrp="1"/>
-          </p:cNvSpPr>
-          <p:nvPr>
-            <p:ph type="body" sz="quarter" idx="10"/>
-          </p:nvPr>
-        </p:nvSpPr>
-        <p:spPr>
-          <a:xfrm>
-            <a:off x="-1" y="4541837"/>
-            <a:ext cx="10080625" cy="1828800"/>
-          </a:xfrm>
-        </p:spPr>
-        <p:txBody>
-          <a:bodyPr/>
-          <a:lstStyle/>
-          <a:p>
-            <a:pPr marL="182880" indent="0" algn="l">
-              <a:buNone/>
-            </a:pPr>
-            <a:r>
-              <a:rPr lang="en-US" sz="2400" b="0" i="0" u="none" strike="noStrike" baseline="0" dirty="0" err="1">
-                <a:latin typeface="Times New Roman" panose="02020603050405020304" pitchFamily="18" charset="0"/>
-                <a:cs typeface="Times New Roman" panose="02020603050405020304" pitchFamily="18" charset="0"/>
-              </a:rPr>
-              <a:t>lsmeans</a:t>
-            </a:r>
-            <a:r>
-              <a:rPr lang="en-US" sz="2400" b="0" i="0" u="none" strike="noStrike" baseline="0" dirty="0">
-                <a:latin typeface="Times New Roman" panose="02020603050405020304" pitchFamily="18" charset="0"/>
-                <a:cs typeface="Times New Roman" panose="02020603050405020304" pitchFamily="18" charset="0"/>
-              </a:rPr>
-              <a:t>: Least-Squares Means</a:t>
-            </a:r>
-          </a:p>
-          <a:p>
-            <a:pPr marL="182880" indent="0" algn="l">
-              <a:buNone/>
-            </a:pPr>
-            <a:r>
-              <a:rPr lang="en-US" sz="2400" b="0" i="0" u="none" strike="noStrike" baseline="0" dirty="0">
-                <a:latin typeface="Times New Roman" panose="02020603050405020304" pitchFamily="18" charset="0"/>
-                <a:cs typeface="Times New Roman" panose="02020603050405020304" pitchFamily="18" charset="0"/>
-              </a:rPr>
-              <a:t>Obtain least-squares means for many linear, generalized linear, and mixed models. Compute contrasts or linear functions of least-squares means and comparisons of slopes. Plots and compact letter displays.</a:t>
-            </a:r>
-          </a:p>
-          <a:p>
-            <a:pPr marL="182880" indent="0" algn="l">
-              <a:buNone/>
-            </a:pPr>
-            <a:r>
-              <a:rPr lang="en-US" sz="2400" b="0" i="0" u="none" strike="noStrike" baseline="0" dirty="0">
-                <a:latin typeface="Times New Roman" panose="02020603050405020304" pitchFamily="18" charset="0"/>
-                <a:cs typeface="Times New Roman" panose="02020603050405020304" pitchFamily="18" charset="0"/>
-                <a:hlinkClick r:id="rId2"/>
-              </a:rPr>
-              <a:t>https://cran.r-project.org/web/packages/lsmeans/vignettes/using-lsmeans.pdf</a:t>
-            </a:r>
-            <a:r>
-              <a:rPr lang="en-US" sz="2400" b="0" i="0" u="none" strike="noStrike" baseline="0" dirty="0">
-                <a:latin typeface="Times New Roman" panose="02020603050405020304" pitchFamily="18" charset="0"/>
-                <a:cs typeface="Times New Roman" panose="02020603050405020304" pitchFamily="18" charset="0"/>
-              </a:rPr>
-              <a:t> </a:t>
-            </a:r>
-            <a:endParaRPr lang="en-US" sz="2400" dirty="0">
-              <a:solidFill>
-                <a:srgbClr val="C00000"/>
-              </a:solidFill>
-              <a:latin typeface="Times New Roman" panose="02020603050405020304" pitchFamily="18" charset="0"/>
-              <a:cs typeface="Times New Roman" panose="02020603050405020304" pitchFamily="18" charset="0"/>
-            </a:endParaRPr>
-          </a:p>
-        </p:txBody>
-      </p:sp>
-      <p:pic>
-        <p:nvPicPr>
-          <p:cNvPr id="6" name="Picture 5">
-            <a:extLst>
-              <a:ext uri="{FF2B5EF4-FFF2-40B4-BE49-F238E27FC236}">
-                <a16:creationId xmlns:a16="http://schemas.microsoft.com/office/drawing/2014/main" id="{996BE726-6883-60EF-7EBC-67AD54121DAA}"/>
-              </a:ext>
-            </a:extLst>
-          </p:cNvPr>
-          <p:cNvPicPr>
-            <a:picLocks noChangeAspect="1"/>
-          </p:cNvPicPr>
-          <p:nvPr/>
-        </p:nvPicPr>
-        <p:blipFill>
-          <a:blip r:embed="rId3"/>
-          <a:stretch>
-            <a:fillRect/>
-          </a:stretch>
-        </p:blipFill>
-        <p:spPr>
-          <a:xfrm>
-            <a:off x="65087" y="1304028"/>
-            <a:ext cx="9928225" cy="3237810"/>
-          </a:xfrm>
-          <a:prstGeom prst="rect">
-            <a:avLst/>
-          </a:prstGeom>
-        </p:spPr>
-      </p:pic>
-    </p:spTree>
-    <p:extLst>
-      <p:ext uri="{BB962C8B-B14F-4D97-AF65-F5344CB8AC3E}">
-        <p14:creationId xmlns:p14="http://schemas.microsoft.com/office/powerpoint/2010/main" val="3100168377"/>
-      </p:ext>
-    </p:extLst>
-  </p:cSld>
-  <p:clrMapOvr>
-    <a:masterClrMapping/>
-  </p:clrMapOvr>
-</p:sld>
-</file>
-
-<file path=ppt/slides/slide31.xml><?xml version="1.0" encoding="utf-8"?>
+<file path=ppt/slides/slide23.xml><?xml version="1.0" encoding="utf-8"?>
 <p:sld xmlns:a="http://schemas.openxmlformats.org/drawingml/2006/main" xmlns:r="http://schemas.openxmlformats.org/officeDocument/2006/relationships" xmlns:p="http://schemas.openxmlformats.org/presentationml/2006/main">
   <p:cSld>
     <p:spTree>
@@ -29804,7 +26426,7 @@
 </p:sld>
 </file>
 
-<file path=ppt/slides/slide32.xml><?xml version="1.0" encoding="utf-8"?>
+<file path=ppt/slides/slide24.xml><?xml version="1.0" encoding="utf-8"?>
 <p:sld xmlns:a="http://schemas.openxmlformats.org/drawingml/2006/main" xmlns:r="http://schemas.openxmlformats.org/officeDocument/2006/relationships" xmlns:p="http://schemas.openxmlformats.org/presentationml/2006/main">
   <p:cSld>
     <p:spTree>
@@ -30028,7 +26650,7 @@
 </p:sld>
 </file>
 
-<file path=ppt/slides/slide33.xml><?xml version="1.0" encoding="utf-8"?>
+<file path=ppt/slides/slide25.xml><?xml version="1.0" encoding="utf-8"?>
 <p:sld xmlns:a="http://schemas.openxmlformats.org/drawingml/2006/main" xmlns:r="http://schemas.openxmlformats.org/officeDocument/2006/relationships" xmlns:p="http://schemas.openxmlformats.org/presentationml/2006/main">
   <p:cSld>
     <p:spTree>
@@ -30440,7 +27062,7 @@
 </p:sld>
 </file>
 
-<file path=ppt/slides/slide34.xml><?xml version="1.0" encoding="utf-8"?>
+<file path=ppt/slides/slide26.xml><?xml version="1.0" encoding="utf-8"?>
 <p:sld xmlns:a="http://schemas.openxmlformats.org/drawingml/2006/main" xmlns:r="http://schemas.openxmlformats.org/officeDocument/2006/relationships" xmlns:p="http://schemas.openxmlformats.org/presentationml/2006/main">
   <p:cSld>
     <p:spTree>
@@ -31348,7 +27970,7 @@
 </p:sld>
 </file>
 
-<file path=ppt/slides/slide35.xml><?xml version="1.0" encoding="utf-8"?>
+<file path=ppt/slides/slide27.xml><?xml version="1.0" encoding="utf-8"?>
 <p:sld xmlns:a="http://schemas.openxmlformats.org/drawingml/2006/main" xmlns:r="http://schemas.openxmlformats.org/officeDocument/2006/relationships" xmlns:p="http://schemas.openxmlformats.org/presentationml/2006/main">
   <p:cSld>
     <p:spTree>
@@ -32432,7 +29054,7 @@
 </p:sld>
 </file>
 
-<file path=ppt/slides/slide36.xml><?xml version="1.0" encoding="utf-8"?>
+<file path=ppt/slides/slide28.xml><?xml version="1.0" encoding="utf-8"?>
 <p:sld xmlns:a="http://schemas.openxmlformats.org/drawingml/2006/main" xmlns:r="http://schemas.openxmlformats.org/officeDocument/2006/relationships" xmlns:p="http://schemas.openxmlformats.org/presentationml/2006/main">
   <p:cSld>
     <p:spTree>
@@ -32648,7 +29270,7 @@
 </p:sld>
 </file>
 
-<file path=ppt/slides/slide37.xml><?xml version="1.0" encoding="utf-8"?>
+<file path=ppt/slides/slide29.xml><?xml version="1.0" encoding="utf-8"?>
 <p:sld xmlns:a="http://schemas.openxmlformats.org/drawingml/2006/main" xmlns:r="http://schemas.openxmlformats.org/officeDocument/2006/relationships" xmlns:p="http://schemas.openxmlformats.org/presentationml/2006/main">
   <p:cSld>
     <p:spTree>
@@ -32866,7 +29488,463 @@
 </p:sld>
 </file>
 
-<file path=ppt/slides/slide38.xml><?xml version="1.0" encoding="utf-8"?>
+<file path=ppt/slides/slide3.xml><?xml version="1.0" encoding="utf-8"?>
+<p:sld xmlns:a="http://schemas.openxmlformats.org/drawingml/2006/main" xmlns:r="http://schemas.openxmlformats.org/officeDocument/2006/relationships" xmlns:p="http://schemas.openxmlformats.org/presentationml/2006/main">
+  <p:cSld>
+    <p:spTree>
+      <p:nvGrpSpPr>
+        <p:cNvPr id="1" name=""/>
+        <p:cNvGrpSpPr/>
+        <p:nvPr/>
+      </p:nvGrpSpPr>
+      <p:grpSpPr>
+        <a:xfrm>
+          <a:off x="0" y="0"/>
+          <a:ext cx="0" cy="0"/>
+          <a:chOff x="0" y="0"/>
+          <a:chExt cx="0" cy="0"/>
+        </a:xfrm>
+      </p:grpSpPr>
+      <p:sp>
+        <p:nvSpPr>
+          <p:cNvPr id="6" name="Rectangle 4">
+            <a:extLst>
+              <a:ext uri="{FF2B5EF4-FFF2-40B4-BE49-F238E27FC236}">
+                <a16:creationId xmlns:a16="http://schemas.microsoft.com/office/drawing/2014/main" id="{5A31ACBC-ED41-BA7B-410E-C71BE39BD59A}"/>
+              </a:ext>
+            </a:extLst>
+          </p:cNvPr>
+          <p:cNvSpPr txBox="1">
+            <a:spLocks noChangeArrowheads="1"/>
+          </p:cNvSpPr>
+          <p:nvPr/>
+        </p:nvSpPr>
+        <p:spPr bwMode="auto">
+          <a:xfrm>
+            <a:off x="315912" y="2255837"/>
+            <a:ext cx="9647068" cy="2387600"/>
+          </a:xfrm>
+          <a:prstGeom prst="rect">
+            <a:avLst/>
+          </a:prstGeom>
+          <a:noFill/>
+          <a:ln>
+            <a:noFill/>
+          </a:ln>
+          <a:effectLst/>
+          <a:extLst>
+            <a:ext uri="{909E8E84-426E-40DD-AFC4-6F175D3DCCD1}">
+              <a14:hiddenFill xmlns:a14="http://schemas.microsoft.com/office/drawing/2010/main">
+                <a:solidFill>
+                  <a:srgbClr val="FFFFFF"/>
+                </a:solidFill>
+              </a14:hiddenFill>
+            </a:ext>
+            <a:ext uri="{91240B29-F687-4F45-9708-019B960494DF}">
+              <a14:hiddenLine xmlns:a14="http://schemas.microsoft.com/office/drawing/2010/main" w="9525">
+                <a:solidFill>
+                  <a:srgbClr val="000000"/>
+                </a:solidFill>
+                <a:round/>
+                <a:headEnd/>
+                <a:tailEnd/>
+              </a14:hiddenLine>
+            </a:ext>
+            <a:ext uri="{AF507438-7753-43E0-B8FC-AC1667EBCBE1}">
+              <a14:hiddenEffects xmlns:a14="http://schemas.microsoft.com/office/drawing/2010/main">
+                <a:effectLst>
+                  <a:outerShdw dist="35921" dir="2700000" algn="ctr" rotWithShape="0">
+                    <a:schemeClr val="bg2"/>
+                  </a:outerShdw>
+                </a:effectLst>
+              </a14:hiddenEffects>
+            </a:ext>
+          </a:extLst>
+        </p:spPr>
+        <p:txBody>
+          <a:bodyPr vert="horz" wrap="square" lIns="0" tIns="0" rIns="0" bIns="0" numCol="1" anchor="ctr" anchorCtr="0" compatLnSpc="1">
+            <a:prstTxWarp prst="textNoShape">
+              <a:avLst/>
+            </a:prstTxWarp>
+          </a:bodyPr>
+          <a:lstStyle>
+            <a:lvl1pPr algn="ctr" defTabSz="449263" rtl="0" eaLnBrk="1" fontAlgn="base" hangingPunct="1">
+              <a:lnSpc>
+                <a:spcPct val="117000"/>
+              </a:lnSpc>
+              <a:spcBef>
+                <a:spcPct val="0"/>
+              </a:spcBef>
+              <a:spcAft>
+                <a:spcPct val="0"/>
+              </a:spcAft>
+              <a:buClr>
+                <a:srgbClr val="000000"/>
+              </a:buClr>
+              <a:buSzPct val="100000"/>
+              <a:buFont typeface="Times New Roman" pitchFamily="16" charset="0"/>
+              <a:defRPr sz="3600">
+                <a:solidFill>
+                  <a:srgbClr val="820000"/>
+                </a:solidFill>
+                <a:latin typeface="Tahoma" pitchFamily="34" charset="0"/>
+                <a:ea typeface="Tahoma" pitchFamily="34" charset="0"/>
+                <a:cs typeface="Tahoma" pitchFamily="34" charset="0"/>
+              </a:defRPr>
+            </a:lvl1pPr>
+            <a:lvl2pPr marL="742950" indent="-285750" algn="ctr" defTabSz="449263" rtl="0" eaLnBrk="1" fontAlgn="base" hangingPunct="1">
+              <a:lnSpc>
+                <a:spcPct val="117000"/>
+              </a:lnSpc>
+              <a:spcBef>
+                <a:spcPct val="0"/>
+              </a:spcBef>
+              <a:spcAft>
+                <a:spcPct val="0"/>
+              </a:spcAft>
+              <a:buClr>
+                <a:srgbClr val="000000"/>
+              </a:buClr>
+              <a:buSzPct val="100000"/>
+              <a:buFont typeface="Times New Roman" pitchFamily="16" charset="0"/>
+              <a:defRPr sz="4400">
+                <a:solidFill>
+                  <a:srgbClr val="000000"/>
+                </a:solidFill>
+                <a:latin typeface="Comic Sans MS" charset="0"/>
+                <a:ea typeface="msmincho" charset="0"/>
+                <a:cs typeface="msmincho" charset="0"/>
+              </a:defRPr>
+            </a:lvl2pPr>
+            <a:lvl3pPr marL="1143000" indent="-228600" algn="ctr" defTabSz="449263" rtl="0" eaLnBrk="1" fontAlgn="base" hangingPunct="1">
+              <a:lnSpc>
+                <a:spcPct val="117000"/>
+              </a:lnSpc>
+              <a:spcBef>
+                <a:spcPct val="0"/>
+              </a:spcBef>
+              <a:spcAft>
+                <a:spcPct val="0"/>
+              </a:spcAft>
+              <a:buClr>
+                <a:srgbClr val="000000"/>
+              </a:buClr>
+              <a:buSzPct val="100000"/>
+              <a:buFont typeface="Times New Roman" pitchFamily="16" charset="0"/>
+              <a:defRPr sz="4400">
+                <a:solidFill>
+                  <a:srgbClr val="000000"/>
+                </a:solidFill>
+                <a:latin typeface="Comic Sans MS" charset="0"/>
+                <a:ea typeface="msmincho" charset="0"/>
+                <a:cs typeface="msmincho" charset="0"/>
+              </a:defRPr>
+            </a:lvl3pPr>
+            <a:lvl4pPr marL="1600200" indent="-228600" algn="ctr" defTabSz="449263" rtl="0" eaLnBrk="1" fontAlgn="base" hangingPunct="1">
+              <a:lnSpc>
+                <a:spcPct val="117000"/>
+              </a:lnSpc>
+              <a:spcBef>
+                <a:spcPct val="0"/>
+              </a:spcBef>
+              <a:spcAft>
+                <a:spcPct val="0"/>
+              </a:spcAft>
+              <a:buClr>
+                <a:srgbClr val="000000"/>
+              </a:buClr>
+              <a:buSzPct val="100000"/>
+              <a:buFont typeface="Times New Roman" pitchFamily="16" charset="0"/>
+              <a:defRPr sz="4400">
+                <a:solidFill>
+                  <a:srgbClr val="000000"/>
+                </a:solidFill>
+                <a:latin typeface="Comic Sans MS" charset="0"/>
+                <a:ea typeface="msmincho" charset="0"/>
+                <a:cs typeface="msmincho" charset="0"/>
+              </a:defRPr>
+            </a:lvl4pPr>
+            <a:lvl5pPr marL="2057400" indent="-228600" algn="ctr" defTabSz="449263" rtl="0" eaLnBrk="1" fontAlgn="base" hangingPunct="1">
+              <a:lnSpc>
+                <a:spcPct val="117000"/>
+              </a:lnSpc>
+              <a:spcBef>
+                <a:spcPct val="0"/>
+              </a:spcBef>
+              <a:spcAft>
+                <a:spcPct val="0"/>
+              </a:spcAft>
+              <a:buClr>
+                <a:srgbClr val="000000"/>
+              </a:buClr>
+              <a:buSzPct val="100000"/>
+              <a:buFont typeface="Times New Roman" pitchFamily="16" charset="0"/>
+              <a:defRPr sz="4400">
+                <a:solidFill>
+                  <a:srgbClr val="000000"/>
+                </a:solidFill>
+                <a:latin typeface="Comic Sans MS" charset="0"/>
+                <a:ea typeface="msmincho" charset="0"/>
+                <a:cs typeface="msmincho" charset="0"/>
+              </a:defRPr>
+            </a:lvl5pPr>
+            <a:lvl6pPr marL="2514600" indent="-228600" algn="ctr" defTabSz="449263" rtl="0" eaLnBrk="1" fontAlgn="base" hangingPunct="1">
+              <a:lnSpc>
+                <a:spcPct val="117000"/>
+              </a:lnSpc>
+              <a:spcBef>
+                <a:spcPct val="0"/>
+              </a:spcBef>
+              <a:spcAft>
+                <a:spcPct val="0"/>
+              </a:spcAft>
+              <a:buClr>
+                <a:srgbClr val="000000"/>
+              </a:buClr>
+              <a:buSzPct val="100000"/>
+              <a:buFont typeface="Times New Roman" pitchFamily="16" charset="0"/>
+              <a:defRPr sz="4400">
+                <a:solidFill>
+                  <a:srgbClr val="000000"/>
+                </a:solidFill>
+                <a:latin typeface="Comic Sans MS" charset="0"/>
+                <a:ea typeface="msmincho" charset="0"/>
+                <a:cs typeface="msmincho" charset="0"/>
+              </a:defRPr>
+            </a:lvl6pPr>
+            <a:lvl7pPr marL="2971800" indent="-228600" algn="ctr" defTabSz="449263" rtl="0" eaLnBrk="1" fontAlgn="base" hangingPunct="1">
+              <a:lnSpc>
+                <a:spcPct val="117000"/>
+              </a:lnSpc>
+              <a:spcBef>
+                <a:spcPct val="0"/>
+              </a:spcBef>
+              <a:spcAft>
+                <a:spcPct val="0"/>
+              </a:spcAft>
+              <a:buClr>
+                <a:srgbClr val="000000"/>
+              </a:buClr>
+              <a:buSzPct val="100000"/>
+              <a:buFont typeface="Times New Roman" pitchFamily="16" charset="0"/>
+              <a:defRPr sz="4400">
+                <a:solidFill>
+                  <a:srgbClr val="000000"/>
+                </a:solidFill>
+                <a:latin typeface="Comic Sans MS" charset="0"/>
+                <a:ea typeface="msmincho" charset="0"/>
+                <a:cs typeface="msmincho" charset="0"/>
+              </a:defRPr>
+            </a:lvl7pPr>
+            <a:lvl8pPr marL="3429000" indent="-228600" algn="ctr" defTabSz="449263" rtl="0" eaLnBrk="1" fontAlgn="base" hangingPunct="1">
+              <a:lnSpc>
+                <a:spcPct val="117000"/>
+              </a:lnSpc>
+              <a:spcBef>
+                <a:spcPct val="0"/>
+              </a:spcBef>
+              <a:spcAft>
+                <a:spcPct val="0"/>
+              </a:spcAft>
+              <a:buClr>
+                <a:srgbClr val="000000"/>
+              </a:buClr>
+              <a:buSzPct val="100000"/>
+              <a:buFont typeface="Times New Roman" pitchFamily="16" charset="0"/>
+              <a:defRPr sz="4400">
+                <a:solidFill>
+                  <a:srgbClr val="000000"/>
+                </a:solidFill>
+                <a:latin typeface="Comic Sans MS" charset="0"/>
+                <a:ea typeface="msmincho" charset="0"/>
+                <a:cs typeface="msmincho" charset="0"/>
+              </a:defRPr>
+            </a:lvl8pPr>
+            <a:lvl9pPr marL="3886200" indent="-228600" algn="ctr" defTabSz="449263" rtl="0" eaLnBrk="1" fontAlgn="base" hangingPunct="1">
+              <a:lnSpc>
+                <a:spcPct val="117000"/>
+              </a:lnSpc>
+              <a:spcBef>
+                <a:spcPct val="0"/>
+              </a:spcBef>
+              <a:spcAft>
+                <a:spcPct val="0"/>
+              </a:spcAft>
+              <a:buClr>
+                <a:srgbClr val="000000"/>
+              </a:buClr>
+              <a:buSzPct val="100000"/>
+              <a:buFont typeface="Times New Roman" pitchFamily="16" charset="0"/>
+              <a:defRPr sz="4400">
+                <a:solidFill>
+                  <a:srgbClr val="000000"/>
+                </a:solidFill>
+                <a:latin typeface="Comic Sans MS" charset="0"/>
+                <a:ea typeface="msmincho" charset="0"/>
+                <a:cs typeface="msmincho" charset="0"/>
+              </a:defRPr>
+            </a:lvl9pPr>
+          </a:lstStyle>
+          <a:p>
+            <a:r>
+              <a:rPr lang="en-US" altLang="en-US" sz="4800" kern="0" dirty="0">
+                <a:latin typeface="Times New Roman" panose="02020603050405020304" pitchFamily="18" charset="0"/>
+                <a:cs typeface="Times New Roman" panose="02020603050405020304" pitchFamily="18" charset="0"/>
+              </a:rPr>
+              <a:t>ANOVA and Regression</a:t>
+            </a:r>
+          </a:p>
+        </p:txBody>
+      </p:sp>
+      <p:grpSp>
+        <p:nvGrpSpPr>
+          <p:cNvPr id="7" name="object 4">
+            <a:extLst>
+              <a:ext uri="{FF2B5EF4-FFF2-40B4-BE49-F238E27FC236}">
+                <a16:creationId xmlns:a16="http://schemas.microsoft.com/office/drawing/2014/main" id="{1708282C-484D-BBCA-86A9-6D254C2121CC}"/>
+              </a:ext>
+            </a:extLst>
+          </p:cNvPr>
+          <p:cNvGrpSpPr/>
+          <p:nvPr/>
+        </p:nvGrpSpPr>
+        <p:grpSpPr>
+          <a:xfrm>
+            <a:off x="1230312" y="4237037"/>
+            <a:ext cx="8144032" cy="20134"/>
+            <a:chOff x="215998" y="1776746"/>
+            <a:chExt cx="4109720" cy="10160"/>
+          </a:xfrm>
+        </p:grpSpPr>
+        <p:sp>
+          <p:nvSpPr>
+            <p:cNvPr id="8" name="object 5">
+              <a:extLst>
+                <a:ext uri="{FF2B5EF4-FFF2-40B4-BE49-F238E27FC236}">
+                  <a16:creationId xmlns:a16="http://schemas.microsoft.com/office/drawing/2014/main" id="{189DA436-86BC-EC27-39D7-E5729ADDD168}"/>
+                </a:ext>
+              </a:extLst>
+            </p:cNvPr>
+            <p:cNvSpPr/>
+            <p:nvPr/>
+          </p:nvSpPr>
+          <p:spPr>
+            <a:xfrm>
+              <a:off x="218528" y="1779276"/>
+              <a:ext cx="4104640" cy="5080"/>
+            </a:xfrm>
+            <a:custGeom>
+              <a:avLst/>
+              <a:gdLst/>
+              <a:ahLst/>
+              <a:cxnLst/>
+              <a:rect l="l" t="t" r="r" b="b"/>
+              <a:pathLst>
+                <a:path w="4104640" h="5080">
+                  <a:moveTo>
+                    <a:pt x="0" y="5060"/>
+                  </a:moveTo>
+                  <a:lnTo>
+                    <a:pt x="0" y="0"/>
+                  </a:lnTo>
+                  <a:lnTo>
+                    <a:pt x="4104055" y="0"/>
+                  </a:lnTo>
+                  <a:lnTo>
+                    <a:pt x="4104055" y="5060"/>
+                  </a:lnTo>
+                  <a:lnTo>
+                    <a:pt x="0" y="5060"/>
+                  </a:lnTo>
+                  <a:close/>
+                </a:path>
+              </a:pathLst>
+            </a:custGeom>
+            <a:solidFill>
+              <a:srgbClr val="EB801A"/>
+            </a:solidFill>
+          </p:spPr>
+          <p:txBody>
+            <a:bodyPr wrap="square" lIns="0" tIns="0" rIns="0" bIns="0" rtlCol="0"/>
+            <a:lstStyle/>
+            <a:p>
+              <a:endParaRPr sz="8406"/>
+            </a:p>
+          </p:txBody>
+        </p:sp>
+        <p:sp>
+          <p:nvSpPr>
+            <p:cNvPr id="9" name="object 6">
+              <a:extLst>
+                <a:ext uri="{FF2B5EF4-FFF2-40B4-BE49-F238E27FC236}">
+                  <a16:creationId xmlns:a16="http://schemas.microsoft.com/office/drawing/2014/main" id="{F31B3D97-A844-6C54-2FE5-44B05B6B2874}"/>
+                </a:ext>
+              </a:extLst>
+            </p:cNvPr>
+            <p:cNvSpPr/>
+            <p:nvPr/>
+          </p:nvSpPr>
+          <p:spPr>
+            <a:xfrm>
+              <a:off x="218528" y="1779276"/>
+              <a:ext cx="4104640" cy="5080"/>
+            </a:xfrm>
+            <a:custGeom>
+              <a:avLst/>
+              <a:gdLst/>
+              <a:ahLst/>
+              <a:cxnLst/>
+              <a:rect l="l" t="t" r="r" b="b"/>
+              <a:pathLst>
+                <a:path w="4104640" h="5080">
+                  <a:moveTo>
+                    <a:pt x="0" y="5060"/>
+                  </a:moveTo>
+                  <a:lnTo>
+                    <a:pt x="0" y="0"/>
+                  </a:lnTo>
+                  <a:lnTo>
+                    <a:pt x="4104055" y="0"/>
+                  </a:lnTo>
+                  <a:lnTo>
+                    <a:pt x="4104055" y="5060"/>
+                  </a:lnTo>
+                  <a:lnTo>
+                    <a:pt x="0" y="5060"/>
+                  </a:lnTo>
+                  <a:close/>
+                </a:path>
+              </a:pathLst>
+            </a:custGeom>
+            <a:ln w="5060">
+              <a:solidFill>
+                <a:srgbClr val="EB801A"/>
+              </a:solidFill>
+            </a:ln>
+          </p:spPr>
+          <p:txBody>
+            <a:bodyPr wrap="square" lIns="0" tIns="0" rIns="0" bIns="0" rtlCol="0"/>
+            <a:lstStyle/>
+            <a:p>
+              <a:endParaRPr sz="8406"/>
+            </a:p>
+          </p:txBody>
+        </p:sp>
+      </p:grpSp>
+    </p:spTree>
+    <p:extLst>
+      <p:ext uri="{BB962C8B-B14F-4D97-AF65-F5344CB8AC3E}">
+        <p14:creationId xmlns:p14="http://schemas.microsoft.com/office/powerpoint/2010/main" val="2934890774"/>
+      </p:ext>
+    </p:extLst>
+  </p:cSld>
+  <p:clrMapOvr>
+    <a:masterClrMapping/>
+  </p:clrMapOvr>
+</p:sld>
+</file>
+
+<file path=ppt/slides/slide30.xml><?xml version="1.0" encoding="utf-8"?>
 <p:sld xmlns:a="http://schemas.openxmlformats.org/drawingml/2006/main" xmlns:r="http://schemas.openxmlformats.org/officeDocument/2006/relationships" xmlns:p="http://schemas.openxmlformats.org/presentationml/2006/main">
   <p:cSld>
     <p:spTree>
@@ -33115,7 +30193,7 @@
 </p:sld>
 </file>
 
-<file path=ppt/slides/slide39.xml><?xml version="1.0" encoding="utf-8"?>
+<file path=ppt/slides/slide31.xml><?xml version="1.0" encoding="utf-8"?>
 <p:sld xmlns:a="http://schemas.openxmlformats.org/drawingml/2006/main" xmlns:r="http://schemas.openxmlformats.org/officeDocument/2006/relationships" xmlns:p="http://schemas.openxmlformats.org/presentationml/2006/main">
   <p:cSld>
     <p:spTree>
@@ -33148,7 +30226,12 @@
             <p:ph type="title"/>
           </p:nvPr>
         </p:nvSpPr>
-        <p:spPr/>
+        <p:spPr>
+          <a:xfrm>
+            <a:off x="239712" y="157162"/>
+            <a:ext cx="7772401" cy="1260475"/>
+          </a:xfrm>
+        </p:spPr>
         <p:txBody>
           <a:bodyPr/>
           <a:lstStyle/>
@@ -33329,657 +30412,7 @@
 </p:sld>
 </file>
 
-<file path=ppt/slides/slide4.xml><?xml version="1.0" encoding="utf-8"?>
-<p:sld xmlns:a="http://schemas.openxmlformats.org/drawingml/2006/main" xmlns:r="http://schemas.openxmlformats.org/officeDocument/2006/relationships" xmlns:p="http://schemas.openxmlformats.org/presentationml/2006/main">
-  <p:cSld>
-    <p:spTree>
-      <p:nvGrpSpPr>
-        <p:cNvPr id="1" name=""/>
-        <p:cNvGrpSpPr/>
-        <p:nvPr/>
-      </p:nvGrpSpPr>
-      <p:grpSpPr>
-        <a:xfrm>
-          <a:off x="0" y="0"/>
-          <a:ext cx="0" cy="0"/>
-          <a:chOff x="0" y="0"/>
-          <a:chExt cx="0" cy="0"/>
-        </a:xfrm>
-      </p:grpSpPr>
-      <p:sp>
-        <p:nvSpPr>
-          <p:cNvPr id="2" name="Title 1">
-            <a:extLst>
-              <a:ext uri="{FF2B5EF4-FFF2-40B4-BE49-F238E27FC236}">
-                <a16:creationId xmlns:a16="http://schemas.microsoft.com/office/drawing/2014/main" id="{4ACD4FC7-A367-4162-ECE7-06C08105B180}"/>
-              </a:ext>
-            </a:extLst>
-          </p:cNvPr>
-          <p:cNvSpPr>
-            <a:spLocks noGrp="1"/>
-          </p:cNvSpPr>
-          <p:nvPr>
-            <p:ph type="title"/>
-          </p:nvPr>
-        </p:nvSpPr>
-        <p:spPr>
-          <a:xfrm>
-            <a:off x="315912" y="309562"/>
-            <a:ext cx="9677400" cy="1260475"/>
-          </a:xfrm>
-        </p:spPr>
-        <p:txBody>
-          <a:bodyPr/>
-          <a:lstStyle/>
-          <a:p>
-            <a:r>
-              <a:rPr lang="en-US" dirty="0"/>
-              <a:t>One-Way Analysis of Variance and Regression</a:t>
-            </a:r>
-          </a:p>
-        </p:txBody>
-      </p:sp>
-      <mc:AlternateContent xmlns:mc="http://schemas.openxmlformats.org/markup-compatibility/2006" xmlns:a14="http://schemas.microsoft.com/office/drawing/2010/main">
-        <mc:Choice Requires="a14">
-          <p:sp>
-            <p:nvSpPr>
-              <p:cNvPr id="3" name="Text Placeholder 2">
-                <a:extLst>
-                  <a:ext uri="{FF2B5EF4-FFF2-40B4-BE49-F238E27FC236}">
-                    <a16:creationId xmlns:a16="http://schemas.microsoft.com/office/drawing/2014/main" id="{AC1E7C7D-0946-65A3-7FFD-FA963A347AB6}"/>
-                  </a:ext>
-                </a:extLst>
-              </p:cNvPr>
-              <p:cNvSpPr>
-                <a:spLocks noGrp="1"/>
-              </p:cNvSpPr>
-              <p:nvPr>
-                <p:ph type="body" sz="quarter" idx="10"/>
-              </p:nvPr>
-            </p:nvSpPr>
-            <p:spPr>
-              <a:xfrm>
-                <a:off x="468312" y="1570037"/>
-                <a:ext cx="9372600" cy="5029200"/>
-              </a:xfrm>
-            </p:spPr>
-            <p:txBody>
-              <a:bodyPr/>
-              <a:lstStyle/>
-              <a:p>
-                <a:pPr marL="182880" indent="0" algn="l">
-                  <a:buNone/>
-                </a:pPr>
-                <a:r>
-                  <a:rPr lang="en-US" sz="2000" b="0" i="0" u="none" strike="noStrike" baseline="0" dirty="0">
-                    <a:solidFill>
-                      <a:srgbClr val="000000"/>
-                    </a:solidFill>
-                    <a:latin typeface="Times New Roman" panose="02020603050405020304" pitchFamily="18" charset="0"/>
-                    <a:cs typeface="Times New Roman" panose="02020603050405020304" pitchFamily="18" charset="0"/>
-                  </a:rPr>
-                  <a:t>We can use linear regression to conduct the same tests in the one-way ANOVA setting</a:t>
-                </a:r>
-              </a:p>
-              <a:p>
-                <a:pPr marL="182880" indent="0" algn="l">
-                  <a:buNone/>
-                </a:pPr>
-                <a:r>
-                  <a:rPr lang="en-US" sz="2000" b="0" i="0" u="none" strike="noStrike" baseline="0" dirty="0">
-                    <a:solidFill>
-                      <a:srgbClr val="000000"/>
-                    </a:solidFill>
-                    <a:latin typeface="Times New Roman" panose="02020603050405020304" pitchFamily="18" charset="0"/>
-                    <a:cs typeface="Times New Roman" panose="02020603050405020304" pitchFamily="18" charset="0"/>
-                  </a:rPr>
-                  <a:t>The one-way ANOVA is the </a:t>
-                </a:r>
-                <a:r>
-                  <a:rPr lang="en-US" sz="2000" b="0" i="0" u="none" strike="noStrike" baseline="0" dirty="0">
-                    <a:solidFill>
-                      <a:srgbClr val="A10000"/>
-                    </a:solidFill>
-                    <a:latin typeface="Times New Roman" panose="02020603050405020304" pitchFamily="18" charset="0"/>
-                    <a:cs typeface="Times New Roman" panose="02020603050405020304" pitchFamily="18" charset="0"/>
-                  </a:rPr>
-                  <a:t>same as performing a regression </a:t>
-                </a:r>
-                <a:r>
-                  <a:rPr lang="en-US" sz="2000" b="0" i="0" u="none" strike="noStrike" baseline="0" dirty="0">
-                    <a:solidFill>
-                      <a:srgbClr val="000000"/>
-                    </a:solidFill>
-                    <a:latin typeface="Times New Roman" panose="02020603050405020304" pitchFamily="18" charset="0"/>
-                    <a:cs typeface="Times New Roman" panose="02020603050405020304" pitchFamily="18" charset="0"/>
-                  </a:rPr>
-                  <a:t>where the explanatory variable in the model is a variable or variables that indicate group membership</a:t>
-                </a:r>
-              </a:p>
-              <a:p>
-                <a:pPr marL="182880" indent="0">
-                  <a:buNone/>
-                </a:pPr>
-                <a14:m>
-                  <m:oMath xmlns:m="http://schemas.openxmlformats.org/officeDocument/2006/math">
-                    <m:r>
-                      <a:rPr lang="en-US" sz="2000" b="0" i="1" smtClean="0">
-                        <a:solidFill>
-                          <a:srgbClr val="0000FF"/>
-                        </a:solidFill>
-                        <a:latin typeface="Cambria Math" panose="02040503050406030204" pitchFamily="18" charset="0"/>
-                        <a:cs typeface="Times New Roman" panose="02020603050405020304" pitchFamily="18" charset="0"/>
-                      </a:rPr>
-                      <m:t>𝑦</m:t>
-                    </m:r>
-                    <m:r>
-                      <a:rPr lang="en-US" sz="2000" b="0" i="1" smtClean="0">
-                        <a:solidFill>
-                          <a:srgbClr val="0000FF"/>
-                        </a:solidFill>
-                        <a:latin typeface="Cambria Math" panose="02040503050406030204" pitchFamily="18" charset="0"/>
-                        <a:cs typeface="Times New Roman" panose="02020603050405020304" pitchFamily="18" charset="0"/>
-                      </a:rPr>
-                      <m:t>=</m:t>
-                    </m:r>
-                    <m:sSub>
-                      <m:sSubPr>
-                        <m:ctrlPr>
-                          <a:rPr lang="en-US" sz="2000" b="0" i="1" smtClean="0">
-                            <a:solidFill>
-                              <a:srgbClr val="0000FF"/>
-                            </a:solidFill>
-                            <a:latin typeface="Cambria Math" panose="02040503050406030204" pitchFamily="18" charset="0"/>
-                            <a:cs typeface="Times New Roman" panose="02020603050405020304" pitchFamily="18" charset="0"/>
-                          </a:rPr>
-                        </m:ctrlPr>
-                      </m:sSubPr>
-                      <m:e>
-                        <m:r>
-                          <a:rPr lang="en-US" sz="2000" b="0" i="1" smtClean="0">
-                            <a:solidFill>
-                              <a:srgbClr val="0000FF"/>
-                            </a:solidFill>
-                            <a:latin typeface="Cambria Math" panose="02040503050406030204" pitchFamily="18" charset="0"/>
-                            <a:ea typeface="Cambria Math" panose="02040503050406030204" pitchFamily="18" charset="0"/>
-                            <a:cs typeface="Times New Roman" panose="02020603050405020304" pitchFamily="18" charset="0"/>
-                          </a:rPr>
-                          <m:t>𝛽</m:t>
-                        </m:r>
-                      </m:e>
-                      <m:sub>
-                        <m:r>
-                          <a:rPr lang="en-US" sz="2000" b="0" i="1" smtClean="0">
-                            <a:solidFill>
-                              <a:srgbClr val="0000FF"/>
-                            </a:solidFill>
-                            <a:latin typeface="Cambria Math" panose="02040503050406030204" pitchFamily="18" charset="0"/>
-                            <a:cs typeface="Times New Roman" panose="02020603050405020304" pitchFamily="18" charset="0"/>
-                          </a:rPr>
-                          <m:t>0</m:t>
-                        </m:r>
-                      </m:sub>
-                    </m:sSub>
-                    <m:r>
-                      <a:rPr lang="en-US" sz="2000" b="0" i="1" smtClean="0">
-                        <a:solidFill>
-                          <a:srgbClr val="0000FF"/>
-                        </a:solidFill>
-                        <a:latin typeface="Cambria Math" panose="02040503050406030204" pitchFamily="18" charset="0"/>
-                        <a:cs typeface="Times New Roman" panose="02020603050405020304" pitchFamily="18" charset="0"/>
-                      </a:rPr>
-                      <m:t>+</m:t>
-                    </m:r>
-                    <m:sSub>
-                      <m:sSubPr>
-                        <m:ctrlPr>
-                          <a:rPr lang="en-US" sz="2000" i="1">
-                            <a:solidFill>
-                              <a:srgbClr val="0000FF"/>
-                            </a:solidFill>
-                            <a:latin typeface="Cambria Math" panose="02040503050406030204" pitchFamily="18" charset="0"/>
-                            <a:cs typeface="Times New Roman" panose="02020603050405020304" pitchFamily="18" charset="0"/>
-                          </a:rPr>
-                        </m:ctrlPr>
-                      </m:sSubPr>
-                      <m:e>
-                        <m:r>
-                          <a:rPr lang="en-US" sz="2000" i="1">
-                            <a:solidFill>
-                              <a:srgbClr val="0000FF"/>
-                            </a:solidFill>
-                            <a:latin typeface="Cambria Math" panose="02040503050406030204" pitchFamily="18" charset="0"/>
-                            <a:ea typeface="Cambria Math" panose="02040503050406030204" pitchFamily="18" charset="0"/>
-                            <a:cs typeface="Times New Roman" panose="02020603050405020304" pitchFamily="18" charset="0"/>
-                          </a:rPr>
-                          <m:t>𝛽</m:t>
-                        </m:r>
-                      </m:e>
-                      <m:sub>
-                        <m:r>
-                          <a:rPr lang="en-US" sz="2000" b="0" i="1" smtClean="0">
-                            <a:solidFill>
-                              <a:srgbClr val="0000FF"/>
-                            </a:solidFill>
-                            <a:latin typeface="Cambria Math" panose="02040503050406030204" pitchFamily="18" charset="0"/>
-                            <a:ea typeface="Cambria Math" panose="02040503050406030204" pitchFamily="18" charset="0"/>
-                            <a:cs typeface="Times New Roman" panose="02020603050405020304" pitchFamily="18" charset="0"/>
-                          </a:rPr>
-                          <m:t>1</m:t>
-                        </m:r>
-                      </m:sub>
-                    </m:sSub>
-                    <m:sSub>
-                      <m:sSubPr>
-                        <m:ctrlPr>
-                          <a:rPr lang="en-US" sz="2000" i="1" smtClean="0">
-                            <a:solidFill>
-                              <a:srgbClr val="0000FF"/>
-                            </a:solidFill>
-                            <a:latin typeface="Cambria Math" panose="02040503050406030204" pitchFamily="18" charset="0"/>
-                            <a:cs typeface="Times New Roman" panose="02020603050405020304" pitchFamily="18" charset="0"/>
-                          </a:rPr>
-                        </m:ctrlPr>
-                      </m:sSubPr>
-                      <m:e>
-                        <m:r>
-                          <a:rPr lang="en-US" sz="2000" b="0" i="1" smtClean="0">
-                            <a:solidFill>
-                              <a:srgbClr val="0000FF"/>
-                            </a:solidFill>
-                            <a:latin typeface="Cambria Math" panose="02040503050406030204" pitchFamily="18" charset="0"/>
-                            <a:cs typeface="Times New Roman" panose="02020603050405020304" pitchFamily="18" charset="0"/>
-                          </a:rPr>
-                          <m:t>𝑥</m:t>
-                        </m:r>
-                      </m:e>
-                      <m:sub>
-                        <m:r>
-                          <a:rPr lang="en-US" sz="2000" b="0" i="1" smtClean="0">
-                            <a:solidFill>
-                              <a:srgbClr val="0000FF"/>
-                            </a:solidFill>
-                            <a:latin typeface="Cambria Math" panose="02040503050406030204" pitchFamily="18" charset="0"/>
-                            <a:cs typeface="Times New Roman" panose="02020603050405020304" pitchFamily="18" charset="0"/>
-                          </a:rPr>
-                          <m:t>1</m:t>
-                        </m:r>
-                      </m:sub>
-                    </m:sSub>
-                    <m:r>
-                      <a:rPr lang="en-US" sz="2000" b="0" i="1" smtClean="0">
-                        <a:solidFill>
-                          <a:srgbClr val="0000FF"/>
-                        </a:solidFill>
-                        <a:latin typeface="Cambria Math" panose="02040503050406030204" pitchFamily="18" charset="0"/>
-                        <a:cs typeface="Times New Roman" panose="02020603050405020304" pitchFamily="18" charset="0"/>
-                      </a:rPr>
-                      <m:t>+</m:t>
-                    </m:r>
-                    <m:sSub>
-                      <m:sSubPr>
-                        <m:ctrlPr>
-                          <a:rPr lang="en-US" sz="2000" i="1">
-                            <a:solidFill>
-                              <a:srgbClr val="0000FF"/>
-                            </a:solidFill>
-                            <a:latin typeface="Cambria Math" panose="02040503050406030204" pitchFamily="18" charset="0"/>
-                            <a:cs typeface="Times New Roman" panose="02020603050405020304" pitchFamily="18" charset="0"/>
-                          </a:rPr>
-                        </m:ctrlPr>
-                      </m:sSubPr>
-                      <m:e>
-                        <m:r>
-                          <a:rPr lang="en-US" sz="2000" i="1">
-                            <a:solidFill>
-                              <a:srgbClr val="0000FF"/>
-                            </a:solidFill>
-                            <a:latin typeface="Cambria Math" panose="02040503050406030204" pitchFamily="18" charset="0"/>
-                            <a:ea typeface="Cambria Math" panose="02040503050406030204" pitchFamily="18" charset="0"/>
-                            <a:cs typeface="Times New Roman" panose="02020603050405020304" pitchFamily="18" charset="0"/>
-                          </a:rPr>
-                          <m:t>𝛽</m:t>
-                        </m:r>
-                      </m:e>
-                      <m:sub>
-                        <m:r>
-                          <a:rPr lang="en-US" sz="2000" b="0" i="1" smtClean="0">
-                            <a:solidFill>
-                              <a:srgbClr val="0000FF"/>
-                            </a:solidFill>
-                            <a:latin typeface="Cambria Math" panose="02040503050406030204" pitchFamily="18" charset="0"/>
-                            <a:ea typeface="Cambria Math" panose="02040503050406030204" pitchFamily="18" charset="0"/>
-                            <a:cs typeface="Times New Roman" panose="02020603050405020304" pitchFamily="18" charset="0"/>
-                          </a:rPr>
-                          <m:t>2</m:t>
-                        </m:r>
-                      </m:sub>
-                    </m:sSub>
-                    <m:sSub>
-                      <m:sSubPr>
-                        <m:ctrlPr>
-                          <a:rPr lang="en-US" sz="2000" i="1">
-                            <a:solidFill>
-                              <a:srgbClr val="0000FF"/>
-                            </a:solidFill>
-                            <a:latin typeface="Cambria Math" panose="02040503050406030204" pitchFamily="18" charset="0"/>
-                            <a:cs typeface="Times New Roman" panose="02020603050405020304" pitchFamily="18" charset="0"/>
-                          </a:rPr>
-                        </m:ctrlPr>
-                      </m:sSubPr>
-                      <m:e>
-                        <m:r>
-                          <a:rPr lang="en-US" sz="2000" i="1">
-                            <a:solidFill>
-                              <a:srgbClr val="0000FF"/>
-                            </a:solidFill>
-                            <a:latin typeface="Cambria Math" panose="02040503050406030204" pitchFamily="18" charset="0"/>
-                            <a:cs typeface="Times New Roman" panose="02020603050405020304" pitchFamily="18" charset="0"/>
-                          </a:rPr>
-                          <m:t>𝑥</m:t>
-                        </m:r>
-                      </m:e>
-                      <m:sub>
-                        <m:r>
-                          <a:rPr lang="en-US" sz="2000" b="0" i="1" smtClean="0">
-                            <a:solidFill>
-                              <a:srgbClr val="0000FF"/>
-                            </a:solidFill>
-                            <a:latin typeface="Cambria Math" panose="02040503050406030204" pitchFamily="18" charset="0"/>
-                            <a:cs typeface="Times New Roman" panose="02020603050405020304" pitchFamily="18" charset="0"/>
-                          </a:rPr>
-                          <m:t>2</m:t>
-                        </m:r>
-                      </m:sub>
-                    </m:sSub>
-                    <m:r>
-                      <a:rPr lang="en-US" sz="2000" b="0" i="1" smtClean="0">
-                        <a:solidFill>
-                          <a:srgbClr val="0000FF"/>
-                        </a:solidFill>
-                        <a:latin typeface="Cambria Math" panose="02040503050406030204" pitchFamily="18" charset="0"/>
-                        <a:cs typeface="Times New Roman" panose="02020603050405020304" pitchFamily="18" charset="0"/>
-                      </a:rPr>
-                      <m:t>+…+</m:t>
-                    </m:r>
-                    <m:sSub>
-                      <m:sSubPr>
-                        <m:ctrlPr>
-                          <a:rPr lang="en-US" sz="2000" i="1">
-                            <a:solidFill>
-                              <a:srgbClr val="0000FF"/>
-                            </a:solidFill>
-                            <a:latin typeface="Cambria Math" panose="02040503050406030204" pitchFamily="18" charset="0"/>
-                            <a:cs typeface="Times New Roman" panose="02020603050405020304" pitchFamily="18" charset="0"/>
-                          </a:rPr>
-                        </m:ctrlPr>
-                      </m:sSubPr>
-                      <m:e>
-                        <m:r>
-                          <a:rPr lang="en-US" sz="2000" i="1">
-                            <a:solidFill>
-                              <a:srgbClr val="0000FF"/>
-                            </a:solidFill>
-                            <a:latin typeface="Cambria Math" panose="02040503050406030204" pitchFamily="18" charset="0"/>
-                            <a:ea typeface="Cambria Math" panose="02040503050406030204" pitchFamily="18" charset="0"/>
-                            <a:cs typeface="Times New Roman" panose="02020603050405020304" pitchFamily="18" charset="0"/>
-                          </a:rPr>
-                          <m:t>𝛽</m:t>
-                        </m:r>
-                      </m:e>
-                      <m:sub>
-                        <m:r>
-                          <a:rPr lang="en-US" sz="2000" b="0" i="1" smtClean="0">
-                            <a:solidFill>
-                              <a:srgbClr val="0000FF"/>
-                            </a:solidFill>
-                            <a:latin typeface="Cambria Math" panose="02040503050406030204" pitchFamily="18" charset="0"/>
-                            <a:ea typeface="Cambria Math" panose="02040503050406030204" pitchFamily="18" charset="0"/>
-                            <a:cs typeface="Times New Roman" panose="02020603050405020304" pitchFamily="18" charset="0"/>
-                          </a:rPr>
-                          <m:t>𝑘</m:t>
-                        </m:r>
-                      </m:sub>
-                    </m:sSub>
-                    <m:sSub>
-                      <m:sSubPr>
-                        <m:ctrlPr>
-                          <a:rPr lang="en-US" sz="2000" i="1">
-                            <a:solidFill>
-                              <a:srgbClr val="0000FF"/>
-                            </a:solidFill>
-                            <a:latin typeface="Cambria Math" panose="02040503050406030204" pitchFamily="18" charset="0"/>
-                            <a:cs typeface="Times New Roman" panose="02020603050405020304" pitchFamily="18" charset="0"/>
-                          </a:rPr>
-                        </m:ctrlPr>
-                      </m:sSubPr>
-                      <m:e>
-                        <m:r>
-                          <a:rPr lang="en-US" sz="2000" i="1">
-                            <a:solidFill>
-                              <a:srgbClr val="0000FF"/>
-                            </a:solidFill>
-                            <a:latin typeface="Cambria Math" panose="02040503050406030204" pitchFamily="18" charset="0"/>
-                            <a:cs typeface="Times New Roman" panose="02020603050405020304" pitchFamily="18" charset="0"/>
-                          </a:rPr>
-                          <m:t>𝑥</m:t>
-                        </m:r>
-                      </m:e>
-                      <m:sub>
-                        <m:r>
-                          <a:rPr lang="en-US" sz="2000" b="0" i="1" smtClean="0">
-                            <a:solidFill>
-                              <a:srgbClr val="0000FF"/>
-                            </a:solidFill>
-                            <a:latin typeface="Cambria Math" panose="02040503050406030204" pitchFamily="18" charset="0"/>
-                            <a:cs typeface="Times New Roman" panose="02020603050405020304" pitchFamily="18" charset="0"/>
-                          </a:rPr>
-                          <m:t>𝑘</m:t>
-                        </m:r>
-                      </m:sub>
-                    </m:sSub>
-                  </m:oMath>
-                </a14:m>
-                <a:r>
-                  <a:rPr lang="en-US" sz="2000" dirty="0">
-                    <a:solidFill>
-                      <a:srgbClr val="0000FF"/>
-                    </a:solidFill>
-                    <a:latin typeface="Times New Roman" panose="02020603050405020304" pitchFamily="18" charset="0"/>
-                    <a:cs typeface="Times New Roman" panose="02020603050405020304" pitchFamily="18" charset="0"/>
-                  </a:rPr>
-                  <a:t>+ </a:t>
-                </a:r>
-                <a14:m>
-                  <m:oMath xmlns:m="http://schemas.openxmlformats.org/officeDocument/2006/math">
-                    <m:r>
-                      <a:rPr lang="en-US" sz="2000" i="1" dirty="0" smtClean="0">
-                        <a:solidFill>
-                          <a:srgbClr val="0000FF"/>
-                        </a:solidFill>
-                        <a:latin typeface="Cambria Math" panose="02040503050406030204" pitchFamily="18" charset="0"/>
-                        <a:cs typeface="Times New Roman" panose="02020603050405020304" pitchFamily="18" charset="0"/>
-                      </a:rPr>
-                      <m:t>𝑒</m:t>
-                    </m:r>
-                  </m:oMath>
-                </a14:m>
-                <a:endParaRPr lang="en-US" sz="2000" b="0" i="0" u="none" strike="noStrike" baseline="0" dirty="0">
-                  <a:solidFill>
-                    <a:srgbClr val="000000"/>
-                  </a:solidFill>
-                  <a:latin typeface="Times New Roman" panose="02020603050405020304" pitchFamily="18" charset="0"/>
-                  <a:cs typeface="Times New Roman" panose="02020603050405020304" pitchFamily="18" charset="0"/>
-                </a:endParaRPr>
-              </a:p>
-              <a:p>
-                <a:pPr marL="182880" indent="0" algn="l">
-                  <a:buNone/>
-                </a:pPr>
-                <a:r>
-                  <a:rPr lang="en-US" sz="2000" b="0" i="0" u="none" strike="noStrike" baseline="0" dirty="0">
-                    <a:solidFill>
-                      <a:srgbClr val="000000"/>
-                    </a:solidFill>
-                    <a:latin typeface="Times New Roman" panose="02020603050405020304" pitchFamily="18" charset="0"/>
-                    <a:cs typeface="Times New Roman" panose="02020603050405020304" pitchFamily="18" charset="0"/>
-                  </a:rPr>
-                  <a:t>In order to represent a one-way ANOVA model in the regression framework, the construction of </a:t>
-                </a:r>
-                <a:r>
-                  <a:rPr lang="en-US" sz="2000" b="0" i="0" u="none" strike="noStrike" baseline="0" dirty="0">
-                    <a:solidFill>
-                      <a:srgbClr val="000000"/>
-                    </a:solidFill>
-                    <a:highlight>
-                      <a:srgbClr val="FFFF00"/>
-                    </a:highlight>
-                    <a:latin typeface="Times New Roman" panose="02020603050405020304" pitchFamily="18" charset="0"/>
-                    <a:cs typeface="Times New Roman" panose="02020603050405020304" pitchFamily="18" charset="0"/>
-                  </a:rPr>
-                  <a:t>dummy variables </a:t>
-                </a:r>
-                <a:r>
-                  <a:rPr lang="en-US" sz="2000" b="0" i="0" u="none" strike="noStrike" baseline="0" dirty="0">
-                    <a:solidFill>
-                      <a:srgbClr val="000000"/>
-                    </a:solidFill>
-                    <a:latin typeface="Times New Roman" panose="02020603050405020304" pitchFamily="18" charset="0"/>
-                    <a:cs typeface="Times New Roman" panose="02020603050405020304" pitchFamily="18" charset="0"/>
-                  </a:rPr>
-                  <a:t>is required.</a:t>
-                </a:r>
-              </a:p>
-              <a:p>
-                <a:pPr marL="182880" indent="0" algn="l">
-                  <a:buNone/>
-                </a:pPr>
-                <a:r>
-                  <a:rPr lang="en-US" sz="2000" b="0" i="0" u="none" strike="noStrike" baseline="0" dirty="0">
-                    <a:solidFill>
-                      <a:srgbClr val="000000"/>
-                    </a:solidFill>
-                    <a:latin typeface="Times New Roman" panose="02020603050405020304" pitchFamily="18" charset="0"/>
-                    <a:cs typeface="Times New Roman" panose="02020603050405020304" pitchFamily="18" charset="0"/>
-                  </a:rPr>
-                  <a:t>For a particular categorical variable with </a:t>
-                </a:r>
-                <a:r>
-                  <a:rPr lang="en-US" sz="2000" b="0" i="0" u="none" strike="noStrike" baseline="0" dirty="0">
-                    <a:solidFill>
-                      <a:srgbClr val="8C4513"/>
-                    </a:solidFill>
-                    <a:latin typeface="Times New Roman" panose="02020603050405020304" pitchFamily="18" charset="0"/>
-                    <a:cs typeface="Times New Roman" panose="02020603050405020304" pitchFamily="18" charset="0"/>
-                  </a:rPr>
-                  <a:t>k categories, k-1 dummy variables are needed</a:t>
-                </a:r>
-                <a:r>
-                  <a:rPr lang="en-US" sz="2000" b="0" i="0" u="none" strike="noStrike" baseline="0" dirty="0">
-                    <a:solidFill>
-                      <a:srgbClr val="000000"/>
-                    </a:solidFill>
-                    <a:latin typeface="Times New Roman" panose="02020603050405020304" pitchFamily="18" charset="0"/>
-                    <a:cs typeface="Times New Roman" panose="02020603050405020304" pitchFamily="18" charset="0"/>
-                  </a:rPr>
-                  <a:t>.</a:t>
-                </a:r>
-                <a:endParaRPr lang="en-US" sz="2000" dirty="0">
-                  <a:latin typeface="Times New Roman" panose="02020603050405020304" pitchFamily="18" charset="0"/>
-                  <a:cs typeface="Times New Roman" panose="02020603050405020304" pitchFamily="18" charset="0"/>
-                </a:endParaRPr>
-              </a:p>
-            </p:txBody>
-          </p:sp>
-        </mc:Choice>
-        <mc:Fallback xmlns="">
-          <p:sp>
-            <p:nvSpPr>
-              <p:cNvPr id="3" name="Text Placeholder 2">
-                <a:extLst>
-                  <a:ext uri="{FF2B5EF4-FFF2-40B4-BE49-F238E27FC236}">
-                    <a16:creationId xmlns:a16="http://schemas.microsoft.com/office/drawing/2014/main" id="{AC1E7C7D-0946-65A3-7FFD-FA963A347AB6}"/>
-                  </a:ext>
-                </a:extLst>
-              </p:cNvPr>
-              <p:cNvSpPr>
-                <a:spLocks noGrp="1" noRot="1" noChangeAspect="1" noMove="1" noResize="1" noEditPoints="1" noAdjustHandles="1" noChangeArrowheads="1" noChangeShapeType="1" noTextEdit="1"/>
-              </p:cNvSpPr>
-              <p:nvPr>
-                <p:ph type="body" sz="quarter" idx="10"/>
-              </p:nvPr>
-            </p:nvSpPr>
-            <p:spPr>
-              <a:xfrm>
-                <a:off x="468312" y="1570037"/>
-                <a:ext cx="9372600" cy="5029200"/>
-              </a:xfrm>
-              <a:blipFill>
-                <a:blip r:embed="rId2"/>
-                <a:stretch>
-                  <a:fillRect t="-1091"/>
-                </a:stretch>
-              </a:blipFill>
-            </p:spPr>
-            <p:txBody>
-              <a:bodyPr/>
-              <a:lstStyle/>
-              <a:p>
-                <a:r>
-                  <a:rPr lang="en-US">
-                    <a:noFill/>
-                  </a:rPr>
-                  <a:t> </a:t>
-                </a:r>
-              </a:p>
-            </p:txBody>
-          </p:sp>
-        </mc:Fallback>
-      </mc:AlternateContent>
-      <p:pic>
-        <p:nvPicPr>
-          <p:cNvPr id="5" name="Picture 4">
-            <a:extLst>
-              <a:ext uri="{FF2B5EF4-FFF2-40B4-BE49-F238E27FC236}">
-                <a16:creationId xmlns:a16="http://schemas.microsoft.com/office/drawing/2014/main" id="{36F2D744-5098-D9EB-B159-1C8122F81546}"/>
-              </a:ext>
-            </a:extLst>
-          </p:cNvPr>
-          <p:cNvPicPr>
-            <a:picLocks noChangeAspect="1"/>
-          </p:cNvPicPr>
-          <p:nvPr/>
-        </p:nvPicPr>
-        <p:blipFill>
-          <a:blip r:embed="rId3"/>
-          <a:stretch>
-            <a:fillRect/>
-          </a:stretch>
-        </p:blipFill>
-        <p:spPr>
-          <a:xfrm>
-            <a:off x="696912" y="4990674"/>
-            <a:ext cx="3810000" cy="1997927"/>
-          </a:xfrm>
-          <a:prstGeom prst="rect">
-            <a:avLst/>
-          </a:prstGeom>
-        </p:spPr>
-      </p:pic>
-    </p:spTree>
-    <p:extLst>
-      <p:ext uri="{BB962C8B-B14F-4D97-AF65-F5344CB8AC3E}">
-        <p14:creationId xmlns:p14="http://schemas.microsoft.com/office/powerpoint/2010/main" val="1330744714"/>
-      </p:ext>
-    </p:extLst>
-  </p:cSld>
-  <p:clrMapOvr>
-    <a:masterClrMapping/>
-  </p:clrMapOvr>
-</p:sld>
-</file>
-
-<file path=ppt/slides/slide40.xml><?xml version="1.0" encoding="utf-8"?>
+<file path=ppt/slides/slide32.xml><?xml version="1.0" encoding="utf-8"?>
 <p:sld xmlns:a="http://schemas.openxmlformats.org/drawingml/2006/main" xmlns:r="http://schemas.openxmlformats.org/officeDocument/2006/relationships" xmlns:p="http://schemas.openxmlformats.org/presentationml/2006/main">
   <p:cSld>
     <p:spTree>
@@ -34012,7 +30445,12 @@
             <p:ph type="title"/>
           </p:nvPr>
         </p:nvSpPr>
-        <p:spPr/>
+        <p:spPr>
+          <a:xfrm>
+            <a:off x="468312" y="157162"/>
+            <a:ext cx="7772401" cy="1260475"/>
+          </a:xfrm>
+        </p:spPr>
         <p:txBody>
           <a:bodyPr/>
           <a:lstStyle/>
@@ -34098,7 +30536,21 @@
                 <a:latin typeface="Times New Roman" panose="02020603050405020304" pitchFamily="18" charset="0"/>
                 <a:cs typeface="Times New Roman" panose="02020603050405020304" pitchFamily="18" charset="0"/>
               </a:rPr>
-              <a:t>There is an interaction given that there is not one effect of the birth month across both genders.</a:t>
+              <a:t>There is an interaction given that there is not </a:t>
+            </a:r>
+            <a:r>
+              <a:rPr lang="en-US" sz="2400" dirty="0">
+                <a:latin typeface="Times New Roman" panose="02020603050405020304" pitchFamily="18" charset="0"/>
+                <a:cs typeface="Times New Roman" panose="02020603050405020304" pitchFamily="18" charset="0"/>
+              </a:rPr>
+              <a:t>the same</a:t>
+            </a:r>
+            <a:r>
+              <a:rPr lang="en-US" sz="2400" b="0" i="0" u="none" strike="noStrike" baseline="0" dirty="0">
+                <a:latin typeface="Times New Roman" panose="02020603050405020304" pitchFamily="18" charset="0"/>
+                <a:cs typeface="Times New Roman" panose="02020603050405020304" pitchFamily="18" charset="0"/>
+              </a:rPr>
+              <a:t> effect of the birth month across both genders.</a:t>
             </a:r>
             <a:endParaRPr lang="en-US" sz="2400" dirty="0">
               <a:latin typeface="Times New Roman" panose="02020603050405020304" pitchFamily="18" charset="0"/>
@@ -34180,7 +30632,7 @@
 </p:sld>
 </file>
 
-<file path=ppt/slides/slide41.xml><?xml version="1.0" encoding="utf-8"?>
+<file path=ppt/slides/slide33.xml><?xml version="1.0" encoding="utf-8"?>
 <p:sld xmlns:a="http://schemas.openxmlformats.org/drawingml/2006/main" xmlns:r="http://schemas.openxmlformats.org/officeDocument/2006/relationships" xmlns:p="http://schemas.openxmlformats.org/presentationml/2006/main">
   <p:cSld>
     <p:spTree>
@@ -34434,7 +30886,7 @@
 </p:sld>
 </file>
 
-<file path=ppt/slides/slide42.xml><?xml version="1.0" encoding="utf-8"?>
+<file path=ppt/slides/slide34.xml><?xml version="1.0" encoding="utf-8"?>
 <p:sld xmlns:a="http://schemas.openxmlformats.org/drawingml/2006/main" xmlns:r="http://schemas.openxmlformats.org/officeDocument/2006/relationships" xmlns:p="http://schemas.openxmlformats.org/presentationml/2006/main">
   <p:cSld>
     <p:spTree>
@@ -34552,7 +31004,7 @@
 </p:sld>
 </file>
 
-<file path=ppt/slides/slide43.xml><?xml version="1.0" encoding="utf-8"?>
+<file path=ppt/slides/slide35.xml><?xml version="1.0" encoding="utf-8"?>
 <p:sld xmlns:a="http://schemas.openxmlformats.org/drawingml/2006/main" xmlns:r="http://schemas.openxmlformats.org/officeDocument/2006/relationships" xmlns:p="http://schemas.openxmlformats.org/presentationml/2006/main">
   <p:cSld>
     <p:spTree>
@@ -35338,7 +31790,7 @@
 </p:sld>
 </file>
 
-<file path=ppt/slides/slide44.xml><?xml version="1.0" encoding="utf-8"?>
+<file path=ppt/slides/slide36.xml><?xml version="1.0" encoding="utf-8"?>
 <p:sld xmlns:a="http://schemas.openxmlformats.org/drawingml/2006/main" xmlns:r="http://schemas.openxmlformats.org/officeDocument/2006/relationships" xmlns:p="http://schemas.openxmlformats.org/presentationml/2006/main">
   <p:cSld>
     <p:spTree>
@@ -35398,7 +31850,7 @@
 </p:sld>
 </file>
 
-<file path=ppt/slides/slide45.xml><?xml version="1.0" encoding="utf-8"?>
+<file path=ppt/slides/slide37.xml><?xml version="1.0" encoding="utf-8"?>
 <p:sld xmlns:a="http://schemas.openxmlformats.org/drawingml/2006/main" xmlns:r="http://schemas.openxmlformats.org/officeDocument/2006/relationships" xmlns:p="http://schemas.openxmlformats.org/presentationml/2006/main">
   <p:cSld>
     <p:spTree>
@@ -35448,31 +31900,6 @@
           </a:p>
         </p:txBody>
       </p:sp>
-      <p:sp>
-        <p:nvSpPr>
-          <p:cNvPr id="3" name="Text Placeholder 2">
-            <a:extLst>
-              <a:ext uri="{FF2B5EF4-FFF2-40B4-BE49-F238E27FC236}">
-                <a16:creationId xmlns:a16="http://schemas.microsoft.com/office/drawing/2014/main" id="{565436ED-729E-03E2-6CFF-AAAFC4321223}"/>
-              </a:ext>
-            </a:extLst>
-          </p:cNvPr>
-          <p:cNvSpPr>
-            <a:spLocks noGrp="1"/>
-          </p:cNvSpPr>
-          <p:nvPr>
-            <p:ph type="body" sz="quarter" idx="10"/>
-          </p:nvPr>
-        </p:nvSpPr>
-        <p:spPr/>
-        <p:txBody>
-          <a:bodyPr/>
-          <a:lstStyle/>
-          <a:p>
-            <a:endParaRPr lang="en-US"/>
-          </a:p>
-        </p:txBody>
-      </p:sp>
       <p:pic>
         <p:nvPicPr>
           <p:cNvPr id="5" name="Picture 4">
@@ -35516,7 +31943,7 @@
 </p:sld>
 </file>
 
-<file path=ppt/slides/slide46.xml><?xml version="1.0" encoding="utf-8"?>
+<file path=ppt/slides/slide38.xml><?xml version="1.0" encoding="utf-8"?>
 <p:sld xmlns:a="http://schemas.openxmlformats.org/drawingml/2006/main" xmlns:r="http://schemas.openxmlformats.org/officeDocument/2006/relationships" xmlns:p="http://schemas.openxmlformats.org/presentationml/2006/main">
   <p:cSld>
     <p:spTree>
@@ -35676,7 +32103,7 @@
 </p:sld>
 </file>
 
-<file path=ppt/slides/slide47.xml><?xml version="1.0" encoding="utf-8"?>
+<file path=ppt/slides/slide4.xml><?xml version="1.0" encoding="utf-8"?>
 <p:sld xmlns:a="http://schemas.openxmlformats.org/drawingml/2006/main" xmlns:r="http://schemas.openxmlformats.org/officeDocument/2006/relationships" xmlns:p="http://schemas.openxmlformats.org/presentationml/2006/main">
   <p:cSld>
     <p:spTree>
@@ -35698,7 +32125,7 @@
           <p:cNvPr id="2" name="Title 1">
             <a:extLst>
               <a:ext uri="{FF2B5EF4-FFF2-40B4-BE49-F238E27FC236}">
-                <a16:creationId xmlns:a16="http://schemas.microsoft.com/office/drawing/2014/main" id="{0A32AA2F-1F29-8343-B654-B246F5A52FD9}"/>
+                <a16:creationId xmlns:a16="http://schemas.microsoft.com/office/drawing/2014/main" id="{4ACD4FC7-A367-4162-ECE7-06C08105B180}"/>
               </a:ext>
             </a:extLst>
           </p:cNvPr>
@@ -35711,8 +32138,8 @@
         </p:nvSpPr>
         <p:spPr>
           <a:xfrm>
-            <a:off x="963378" y="309562"/>
-            <a:ext cx="7772401" cy="1260475"/>
+            <a:off x="315912" y="309562"/>
+            <a:ext cx="9677400" cy="1260475"/>
           </a:xfrm>
         </p:spPr>
         <p:txBody>
@@ -35721,17 +32148,574 @@
           <a:p>
             <a:r>
               <a:rPr lang="en-US" dirty="0"/>
-              <a:t>An Example: R Commands</a:t>
+              <a:t>One-Way Analysis of Variance and Regression</a:t>
             </a:r>
           </a:p>
         </p:txBody>
       </p:sp>
+      <mc:AlternateContent xmlns:mc="http://schemas.openxmlformats.org/markup-compatibility/2006" xmlns:a14="http://schemas.microsoft.com/office/drawing/2010/main">
+        <mc:Choice Requires="a14">
+          <p:sp>
+            <p:nvSpPr>
+              <p:cNvPr id="3" name="Text Placeholder 2">
+                <a:extLst>
+                  <a:ext uri="{FF2B5EF4-FFF2-40B4-BE49-F238E27FC236}">
+                    <a16:creationId xmlns:a16="http://schemas.microsoft.com/office/drawing/2014/main" id="{AC1E7C7D-0946-65A3-7FFD-FA963A347AB6}"/>
+                  </a:ext>
+                </a:extLst>
+              </p:cNvPr>
+              <p:cNvSpPr>
+                <a:spLocks noGrp="1"/>
+              </p:cNvSpPr>
+              <p:nvPr>
+                <p:ph type="body" sz="quarter" idx="10"/>
+              </p:nvPr>
+            </p:nvSpPr>
+            <p:spPr>
+              <a:xfrm>
+                <a:off x="468312" y="1570037"/>
+                <a:ext cx="9372600" cy="5029200"/>
+              </a:xfrm>
+            </p:spPr>
+            <p:txBody>
+              <a:bodyPr/>
+              <a:lstStyle/>
+              <a:p>
+                <a:pPr marL="182880" indent="0" algn="l">
+                  <a:buNone/>
+                </a:pPr>
+                <a:r>
+                  <a:rPr lang="en-US" sz="2000" b="0" i="0" u="none" strike="noStrike" baseline="0" dirty="0">
+                    <a:solidFill>
+                      <a:srgbClr val="000000"/>
+                    </a:solidFill>
+                    <a:latin typeface="Times New Roman" panose="02020603050405020304" pitchFamily="18" charset="0"/>
+                    <a:cs typeface="Times New Roman" panose="02020603050405020304" pitchFamily="18" charset="0"/>
+                  </a:rPr>
+                  <a:t>We can use linear regression to conduct the same tests in the one-way ANOVA setting</a:t>
+                </a:r>
+              </a:p>
+              <a:p>
+                <a:pPr marL="182880" indent="0" algn="l">
+                  <a:buNone/>
+                </a:pPr>
+                <a:r>
+                  <a:rPr lang="en-US" sz="2000" b="0" i="0" u="none" strike="noStrike" baseline="0" dirty="0">
+                    <a:solidFill>
+                      <a:srgbClr val="000000"/>
+                    </a:solidFill>
+                    <a:latin typeface="Times New Roman" panose="02020603050405020304" pitchFamily="18" charset="0"/>
+                    <a:cs typeface="Times New Roman" panose="02020603050405020304" pitchFamily="18" charset="0"/>
+                  </a:rPr>
+                  <a:t>The one-way ANOVA is the </a:t>
+                </a:r>
+                <a:r>
+                  <a:rPr lang="en-US" sz="2000" b="0" i="0" u="none" strike="noStrike" baseline="0" dirty="0">
+                    <a:solidFill>
+                      <a:srgbClr val="A10000"/>
+                    </a:solidFill>
+                    <a:latin typeface="Times New Roman" panose="02020603050405020304" pitchFamily="18" charset="0"/>
+                    <a:cs typeface="Times New Roman" panose="02020603050405020304" pitchFamily="18" charset="0"/>
+                  </a:rPr>
+                  <a:t>same as performing a regression </a:t>
+                </a:r>
+                <a:r>
+                  <a:rPr lang="en-US" sz="2000" b="0" i="0" u="none" strike="noStrike" baseline="0" dirty="0">
+                    <a:solidFill>
+                      <a:srgbClr val="000000"/>
+                    </a:solidFill>
+                    <a:latin typeface="Times New Roman" panose="02020603050405020304" pitchFamily="18" charset="0"/>
+                    <a:cs typeface="Times New Roman" panose="02020603050405020304" pitchFamily="18" charset="0"/>
+                  </a:rPr>
+                  <a:t>where the explanatory variable in the model is a variable or variables that indicate group membership</a:t>
+                </a:r>
+              </a:p>
+              <a:p>
+                <a:pPr marL="182880" indent="0">
+                  <a:buNone/>
+                </a:pPr>
+                <a14:m>
+                  <m:oMath xmlns:m="http://schemas.openxmlformats.org/officeDocument/2006/math">
+                    <m:r>
+                      <a:rPr lang="en-US" sz="2000" b="0" i="1" smtClean="0">
+                        <a:solidFill>
+                          <a:srgbClr val="0000FF"/>
+                        </a:solidFill>
+                        <a:latin typeface="Cambria Math" panose="02040503050406030204" pitchFamily="18" charset="0"/>
+                        <a:cs typeface="Times New Roman" panose="02020603050405020304" pitchFamily="18" charset="0"/>
+                      </a:rPr>
+                      <m:t>𝑦</m:t>
+                    </m:r>
+                    <m:r>
+                      <a:rPr lang="en-US" sz="2000" b="0" i="1" smtClean="0">
+                        <a:solidFill>
+                          <a:srgbClr val="0000FF"/>
+                        </a:solidFill>
+                        <a:latin typeface="Cambria Math" panose="02040503050406030204" pitchFamily="18" charset="0"/>
+                        <a:cs typeface="Times New Roman" panose="02020603050405020304" pitchFamily="18" charset="0"/>
+                      </a:rPr>
+                      <m:t>=</m:t>
+                    </m:r>
+                    <m:sSub>
+                      <m:sSubPr>
+                        <m:ctrlPr>
+                          <a:rPr lang="en-US" sz="2000" b="0" i="1" smtClean="0">
+                            <a:solidFill>
+                              <a:srgbClr val="0000FF"/>
+                            </a:solidFill>
+                            <a:latin typeface="Cambria Math" panose="02040503050406030204" pitchFamily="18" charset="0"/>
+                            <a:cs typeface="Times New Roman" panose="02020603050405020304" pitchFamily="18" charset="0"/>
+                          </a:rPr>
+                        </m:ctrlPr>
+                      </m:sSubPr>
+                      <m:e>
+                        <m:r>
+                          <a:rPr lang="en-US" sz="2000" b="0" i="1" smtClean="0">
+                            <a:solidFill>
+                              <a:srgbClr val="0000FF"/>
+                            </a:solidFill>
+                            <a:latin typeface="Cambria Math" panose="02040503050406030204" pitchFamily="18" charset="0"/>
+                            <a:ea typeface="Cambria Math" panose="02040503050406030204" pitchFamily="18" charset="0"/>
+                            <a:cs typeface="Times New Roman" panose="02020603050405020304" pitchFamily="18" charset="0"/>
+                          </a:rPr>
+                          <m:t>𝛽</m:t>
+                        </m:r>
+                      </m:e>
+                      <m:sub>
+                        <m:r>
+                          <a:rPr lang="en-US" sz="2000" b="0" i="1" smtClean="0">
+                            <a:solidFill>
+                              <a:srgbClr val="0000FF"/>
+                            </a:solidFill>
+                            <a:latin typeface="Cambria Math" panose="02040503050406030204" pitchFamily="18" charset="0"/>
+                            <a:cs typeface="Times New Roman" panose="02020603050405020304" pitchFamily="18" charset="0"/>
+                          </a:rPr>
+                          <m:t>0</m:t>
+                        </m:r>
+                      </m:sub>
+                    </m:sSub>
+                    <m:r>
+                      <a:rPr lang="en-US" sz="2000" b="0" i="1" smtClean="0">
+                        <a:solidFill>
+                          <a:srgbClr val="0000FF"/>
+                        </a:solidFill>
+                        <a:latin typeface="Cambria Math" panose="02040503050406030204" pitchFamily="18" charset="0"/>
+                        <a:cs typeface="Times New Roman" panose="02020603050405020304" pitchFamily="18" charset="0"/>
+                      </a:rPr>
+                      <m:t>+</m:t>
+                    </m:r>
+                    <m:sSub>
+                      <m:sSubPr>
+                        <m:ctrlPr>
+                          <a:rPr lang="en-US" sz="2000" i="1">
+                            <a:solidFill>
+                              <a:srgbClr val="0000FF"/>
+                            </a:solidFill>
+                            <a:latin typeface="Cambria Math" panose="02040503050406030204" pitchFamily="18" charset="0"/>
+                            <a:cs typeface="Times New Roman" panose="02020603050405020304" pitchFamily="18" charset="0"/>
+                          </a:rPr>
+                        </m:ctrlPr>
+                      </m:sSubPr>
+                      <m:e>
+                        <m:r>
+                          <a:rPr lang="en-US" sz="2000" i="1">
+                            <a:solidFill>
+                              <a:srgbClr val="0000FF"/>
+                            </a:solidFill>
+                            <a:latin typeface="Cambria Math" panose="02040503050406030204" pitchFamily="18" charset="0"/>
+                            <a:ea typeface="Cambria Math" panose="02040503050406030204" pitchFamily="18" charset="0"/>
+                            <a:cs typeface="Times New Roman" panose="02020603050405020304" pitchFamily="18" charset="0"/>
+                          </a:rPr>
+                          <m:t>𝛽</m:t>
+                        </m:r>
+                      </m:e>
+                      <m:sub>
+                        <m:r>
+                          <a:rPr lang="en-US" sz="2000" b="0" i="1" smtClean="0">
+                            <a:solidFill>
+                              <a:srgbClr val="0000FF"/>
+                            </a:solidFill>
+                            <a:latin typeface="Cambria Math" panose="02040503050406030204" pitchFamily="18" charset="0"/>
+                            <a:ea typeface="Cambria Math" panose="02040503050406030204" pitchFamily="18" charset="0"/>
+                            <a:cs typeface="Times New Roman" panose="02020603050405020304" pitchFamily="18" charset="0"/>
+                          </a:rPr>
+                          <m:t>1</m:t>
+                        </m:r>
+                      </m:sub>
+                    </m:sSub>
+                    <m:sSub>
+                      <m:sSubPr>
+                        <m:ctrlPr>
+                          <a:rPr lang="en-US" sz="2000" i="1" smtClean="0">
+                            <a:solidFill>
+                              <a:srgbClr val="0000FF"/>
+                            </a:solidFill>
+                            <a:latin typeface="Cambria Math" panose="02040503050406030204" pitchFamily="18" charset="0"/>
+                            <a:cs typeface="Times New Roman" panose="02020603050405020304" pitchFamily="18" charset="0"/>
+                          </a:rPr>
+                        </m:ctrlPr>
+                      </m:sSubPr>
+                      <m:e>
+                        <m:r>
+                          <a:rPr lang="en-US" sz="2000" b="0" i="1" smtClean="0">
+                            <a:solidFill>
+                              <a:srgbClr val="0000FF"/>
+                            </a:solidFill>
+                            <a:latin typeface="Cambria Math" panose="02040503050406030204" pitchFamily="18" charset="0"/>
+                            <a:cs typeface="Times New Roman" panose="02020603050405020304" pitchFamily="18" charset="0"/>
+                          </a:rPr>
+                          <m:t>𝑥</m:t>
+                        </m:r>
+                      </m:e>
+                      <m:sub>
+                        <m:r>
+                          <a:rPr lang="en-US" sz="2000" b="0" i="1" smtClean="0">
+                            <a:solidFill>
+                              <a:srgbClr val="0000FF"/>
+                            </a:solidFill>
+                            <a:latin typeface="Cambria Math" panose="02040503050406030204" pitchFamily="18" charset="0"/>
+                            <a:cs typeface="Times New Roman" panose="02020603050405020304" pitchFamily="18" charset="0"/>
+                          </a:rPr>
+                          <m:t>1</m:t>
+                        </m:r>
+                      </m:sub>
+                    </m:sSub>
+                    <m:r>
+                      <a:rPr lang="en-US" sz="2000" b="0" i="1" smtClean="0">
+                        <a:solidFill>
+                          <a:srgbClr val="0000FF"/>
+                        </a:solidFill>
+                        <a:latin typeface="Cambria Math" panose="02040503050406030204" pitchFamily="18" charset="0"/>
+                        <a:cs typeface="Times New Roman" panose="02020603050405020304" pitchFamily="18" charset="0"/>
+                      </a:rPr>
+                      <m:t>+</m:t>
+                    </m:r>
+                    <m:sSub>
+                      <m:sSubPr>
+                        <m:ctrlPr>
+                          <a:rPr lang="en-US" sz="2000" i="1">
+                            <a:solidFill>
+                              <a:srgbClr val="0000FF"/>
+                            </a:solidFill>
+                            <a:latin typeface="Cambria Math" panose="02040503050406030204" pitchFamily="18" charset="0"/>
+                            <a:cs typeface="Times New Roman" panose="02020603050405020304" pitchFamily="18" charset="0"/>
+                          </a:rPr>
+                        </m:ctrlPr>
+                      </m:sSubPr>
+                      <m:e>
+                        <m:r>
+                          <a:rPr lang="en-US" sz="2000" i="1">
+                            <a:solidFill>
+                              <a:srgbClr val="0000FF"/>
+                            </a:solidFill>
+                            <a:latin typeface="Cambria Math" panose="02040503050406030204" pitchFamily="18" charset="0"/>
+                            <a:ea typeface="Cambria Math" panose="02040503050406030204" pitchFamily="18" charset="0"/>
+                            <a:cs typeface="Times New Roman" panose="02020603050405020304" pitchFamily="18" charset="0"/>
+                          </a:rPr>
+                          <m:t>𝛽</m:t>
+                        </m:r>
+                      </m:e>
+                      <m:sub>
+                        <m:r>
+                          <a:rPr lang="en-US" sz="2000" b="0" i="1" smtClean="0">
+                            <a:solidFill>
+                              <a:srgbClr val="0000FF"/>
+                            </a:solidFill>
+                            <a:latin typeface="Cambria Math" panose="02040503050406030204" pitchFamily="18" charset="0"/>
+                            <a:ea typeface="Cambria Math" panose="02040503050406030204" pitchFamily="18" charset="0"/>
+                            <a:cs typeface="Times New Roman" panose="02020603050405020304" pitchFamily="18" charset="0"/>
+                          </a:rPr>
+                          <m:t>2</m:t>
+                        </m:r>
+                      </m:sub>
+                    </m:sSub>
+                    <m:sSub>
+                      <m:sSubPr>
+                        <m:ctrlPr>
+                          <a:rPr lang="en-US" sz="2000" i="1">
+                            <a:solidFill>
+                              <a:srgbClr val="0000FF"/>
+                            </a:solidFill>
+                            <a:latin typeface="Cambria Math" panose="02040503050406030204" pitchFamily="18" charset="0"/>
+                            <a:cs typeface="Times New Roman" panose="02020603050405020304" pitchFamily="18" charset="0"/>
+                          </a:rPr>
+                        </m:ctrlPr>
+                      </m:sSubPr>
+                      <m:e>
+                        <m:r>
+                          <a:rPr lang="en-US" sz="2000" i="1">
+                            <a:solidFill>
+                              <a:srgbClr val="0000FF"/>
+                            </a:solidFill>
+                            <a:latin typeface="Cambria Math" panose="02040503050406030204" pitchFamily="18" charset="0"/>
+                            <a:cs typeface="Times New Roman" panose="02020603050405020304" pitchFamily="18" charset="0"/>
+                          </a:rPr>
+                          <m:t>𝑥</m:t>
+                        </m:r>
+                      </m:e>
+                      <m:sub>
+                        <m:r>
+                          <a:rPr lang="en-US" sz="2000" b="0" i="1" smtClean="0">
+                            <a:solidFill>
+                              <a:srgbClr val="0000FF"/>
+                            </a:solidFill>
+                            <a:latin typeface="Cambria Math" panose="02040503050406030204" pitchFamily="18" charset="0"/>
+                            <a:cs typeface="Times New Roman" panose="02020603050405020304" pitchFamily="18" charset="0"/>
+                          </a:rPr>
+                          <m:t>2</m:t>
+                        </m:r>
+                      </m:sub>
+                    </m:sSub>
+                    <m:r>
+                      <a:rPr lang="en-US" sz="2000" b="0" i="1" smtClean="0">
+                        <a:solidFill>
+                          <a:srgbClr val="0000FF"/>
+                        </a:solidFill>
+                        <a:latin typeface="Cambria Math" panose="02040503050406030204" pitchFamily="18" charset="0"/>
+                        <a:cs typeface="Times New Roman" panose="02020603050405020304" pitchFamily="18" charset="0"/>
+                      </a:rPr>
+                      <m:t>+…+</m:t>
+                    </m:r>
+                    <m:sSub>
+                      <m:sSubPr>
+                        <m:ctrlPr>
+                          <a:rPr lang="en-US" sz="2000" i="1">
+                            <a:solidFill>
+                              <a:srgbClr val="0000FF"/>
+                            </a:solidFill>
+                            <a:latin typeface="Cambria Math" panose="02040503050406030204" pitchFamily="18" charset="0"/>
+                            <a:cs typeface="Times New Roman" panose="02020603050405020304" pitchFamily="18" charset="0"/>
+                          </a:rPr>
+                        </m:ctrlPr>
+                      </m:sSubPr>
+                      <m:e>
+                        <m:r>
+                          <a:rPr lang="en-US" sz="2000" i="1">
+                            <a:solidFill>
+                              <a:srgbClr val="0000FF"/>
+                            </a:solidFill>
+                            <a:latin typeface="Cambria Math" panose="02040503050406030204" pitchFamily="18" charset="0"/>
+                            <a:ea typeface="Cambria Math" panose="02040503050406030204" pitchFamily="18" charset="0"/>
+                            <a:cs typeface="Times New Roman" panose="02020603050405020304" pitchFamily="18" charset="0"/>
+                          </a:rPr>
+                          <m:t>𝛽</m:t>
+                        </m:r>
+                      </m:e>
+                      <m:sub>
+                        <m:r>
+                          <a:rPr lang="en-US" sz="2000" b="0" i="1" smtClean="0">
+                            <a:solidFill>
+                              <a:srgbClr val="0000FF"/>
+                            </a:solidFill>
+                            <a:latin typeface="Cambria Math" panose="02040503050406030204" pitchFamily="18" charset="0"/>
+                            <a:ea typeface="Cambria Math" panose="02040503050406030204" pitchFamily="18" charset="0"/>
+                            <a:cs typeface="Times New Roman" panose="02020603050405020304" pitchFamily="18" charset="0"/>
+                          </a:rPr>
+                          <m:t>𝑘</m:t>
+                        </m:r>
+                      </m:sub>
+                    </m:sSub>
+                    <m:sSub>
+                      <m:sSubPr>
+                        <m:ctrlPr>
+                          <a:rPr lang="en-US" sz="2000" i="1">
+                            <a:solidFill>
+                              <a:srgbClr val="0000FF"/>
+                            </a:solidFill>
+                            <a:latin typeface="Cambria Math" panose="02040503050406030204" pitchFamily="18" charset="0"/>
+                            <a:cs typeface="Times New Roman" panose="02020603050405020304" pitchFamily="18" charset="0"/>
+                          </a:rPr>
+                        </m:ctrlPr>
+                      </m:sSubPr>
+                      <m:e>
+                        <m:r>
+                          <a:rPr lang="en-US" sz="2000" i="1">
+                            <a:solidFill>
+                              <a:srgbClr val="0000FF"/>
+                            </a:solidFill>
+                            <a:latin typeface="Cambria Math" panose="02040503050406030204" pitchFamily="18" charset="0"/>
+                            <a:cs typeface="Times New Roman" panose="02020603050405020304" pitchFamily="18" charset="0"/>
+                          </a:rPr>
+                          <m:t>𝑥</m:t>
+                        </m:r>
+                      </m:e>
+                      <m:sub>
+                        <m:r>
+                          <a:rPr lang="en-US" sz="2000" b="0" i="1" smtClean="0">
+                            <a:solidFill>
+                              <a:srgbClr val="0000FF"/>
+                            </a:solidFill>
+                            <a:latin typeface="Cambria Math" panose="02040503050406030204" pitchFamily="18" charset="0"/>
+                            <a:cs typeface="Times New Roman" panose="02020603050405020304" pitchFamily="18" charset="0"/>
+                          </a:rPr>
+                          <m:t>𝑘</m:t>
+                        </m:r>
+                      </m:sub>
+                    </m:sSub>
+                  </m:oMath>
+                </a14:m>
+                <a:r>
+                  <a:rPr lang="en-US" sz="2000" dirty="0">
+                    <a:solidFill>
+                      <a:srgbClr val="0000FF"/>
+                    </a:solidFill>
+                    <a:latin typeface="Times New Roman" panose="02020603050405020304" pitchFamily="18" charset="0"/>
+                    <a:cs typeface="Times New Roman" panose="02020603050405020304" pitchFamily="18" charset="0"/>
+                  </a:rPr>
+                  <a:t>+ </a:t>
+                </a:r>
+                <a14:m>
+                  <m:oMath xmlns:m="http://schemas.openxmlformats.org/officeDocument/2006/math">
+                    <m:r>
+                      <a:rPr lang="en-US" sz="2000" i="1" dirty="0" smtClean="0">
+                        <a:solidFill>
+                          <a:srgbClr val="0000FF"/>
+                        </a:solidFill>
+                        <a:latin typeface="Cambria Math" panose="02040503050406030204" pitchFamily="18" charset="0"/>
+                        <a:cs typeface="Times New Roman" panose="02020603050405020304" pitchFamily="18" charset="0"/>
+                      </a:rPr>
+                      <m:t>𝑒</m:t>
+                    </m:r>
+                  </m:oMath>
+                </a14:m>
+                <a:endParaRPr lang="en-US" sz="2000" b="0" i="0" u="none" strike="noStrike" baseline="0" dirty="0">
+                  <a:solidFill>
+                    <a:srgbClr val="000000"/>
+                  </a:solidFill>
+                  <a:latin typeface="Times New Roman" panose="02020603050405020304" pitchFamily="18" charset="0"/>
+                  <a:cs typeface="Times New Roman" panose="02020603050405020304" pitchFamily="18" charset="0"/>
+                </a:endParaRPr>
+              </a:p>
+              <a:p>
+                <a:pPr marL="182880" indent="0" algn="l">
+                  <a:buNone/>
+                </a:pPr>
+                <a:r>
+                  <a:rPr lang="en-US" sz="2000" b="0" i="0" u="none" strike="noStrike" baseline="0" dirty="0">
+                    <a:solidFill>
+                      <a:srgbClr val="000000"/>
+                    </a:solidFill>
+                    <a:latin typeface="Times New Roman" panose="02020603050405020304" pitchFamily="18" charset="0"/>
+                    <a:cs typeface="Times New Roman" panose="02020603050405020304" pitchFamily="18" charset="0"/>
+                  </a:rPr>
+                  <a:t>In order to represent a one-way ANOVA model in the regression framework, the construction of </a:t>
+                </a:r>
+                <a:r>
+                  <a:rPr lang="en-US" sz="2000" b="0" i="0" u="none" strike="noStrike" baseline="0" dirty="0">
+                    <a:solidFill>
+                      <a:srgbClr val="000000"/>
+                    </a:solidFill>
+                    <a:highlight>
+                      <a:srgbClr val="FFFF00"/>
+                    </a:highlight>
+                    <a:latin typeface="Times New Roman" panose="02020603050405020304" pitchFamily="18" charset="0"/>
+                    <a:cs typeface="Times New Roman" panose="02020603050405020304" pitchFamily="18" charset="0"/>
+                  </a:rPr>
+                  <a:t>dummy variables </a:t>
+                </a:r>
+                <a:r>
+                  <a:rPr lang="en-US" sz="2000" b="0" i="0" u="none" strike="noStrike" baseline="0" dirty="0">
+                    <a:solidFill>
+                      <a:srgbClr val="000000"/>
+                    </a:solidFill>
+                    <a:latin typeface="Times New Roman" panose="02020603050405020304" pitchFamily="18" charset="0"/>
+                    <a:cs typeface="Times New Roman" panose="02020603050405020304" pitchFamily="18" charset="0"/>
+                  </a:rPr>
+                  <a:t>is required.</a:t>
+                </a:r>
+              </a:p>
+              <a:p>
+                <a:pPr marL="182880" indent="0" algn="l">
+                  <a:buNone/>
+                </a:pPr>
+                <a:r>
+                  <a:rPr lang="en-US" sz="2000" b="0" i="0" u="none" strike="noStrike" baseline="0" dirty="0">
+                    <a:solidFill>
+                      <a:srgbClr val="000000"/>
+                    </a:solidFill>
+                    <a:latin typeface="Times New Roman" panose="02020603050405020304" pitchFamily="18" charset="0"/>
+                    <a:cs typeface="Times New Roman" panose="02020603050405020304" pitchFamily="18" charset="0"/>
+                  </a:rPr>
+                  <a:t>For a particular categorical variable with </a:t>
+                </a:r>
+                <a:r>
+                  <a:rPr lang="en-US" sz="2000" b="0" i="0" u="none" strike="noStrike" baseline="0" dirty="0">
+                    <a:solidFill>
+                      <a:srgbClr val="8C4513"/>
+                    </a:solidFill>
+                    <a:latin typeface="Times New Roman" panose="02020603050405020304" pitchFamily="18" charset="0"/>
+                    <a:cs typeface="Times New Roman" panose="02020603050405020304" pitchFamily="18" charset="0"/>
+                  </a:rPr>
+                  <a:t>k categories, k-1 dummy variables are needed</a:t>
+                </a:r>
+                <a:r>
+                  <a:rPr lang="en-US" sz="2000" b="0" i="0" u="none" strike="noStrike" baseline="0" dirty="0">
+                    <a:solidFill>
+                      <a:srgbClr val="000000"/>
+                    </a:solidFill>
+                    <a:latin typeface="Times New Roman" panose="02020603050405020304" pitchFamily="18" charset="0"/>
+                    <a:cs typeface="Times New Roman" panose="02020603050405020304" pitchFamily="18" charset="0"/>
+                  </a:rPr>
+                  <a:t>.</a:t>
+                </a:r>
+                <a:endParaRPr lang="en-US" sz="2000" dirty="0">
+                  <a:latin typeface="Times New Roman" panose="02020603050405020304" pitchFamily="18" charset="0"/>
+                  <a:cs typeface="Times New Roman" panose="02020603050405020304" pitchFamily="18" charset="0"/>
+                </a:endParaRPr>
+              </a:p>
+            </p:txBody>
+          </p:sp>
+        </mc:Choice>
+        <mc:Fallback xmlns="">
+          <p:sp>
+            <p:nvSpPr>
+              <p:cNvPr id="3" name="Text Placeholder 2">
+                <a:extLst>
+                  <a:ext uri="{FF2B5EF4-FFF2-40B4-BE49-F238E27FC236}">
+                    <a16:creationId xmlns:a16="http://schemas.microsoft.com/office/drawing/2014/main" id="{AC1E7C7D-0946-65A3-7FFD-FA963A347AB6}"/>
+                  </a:ext>
+                </a:extLst>
+              </p:cNvPr>
+              <p:cNvSpPr>
+                <a:spLocks noGrp="1" noRot="1" noChangeAspect="1" noMove="1" noResize="1" noEditPoints="1" noAdjustHandles="1" noChangeArrowheads="1" noChangeShapeType="1" noTextEdit="1"/>
+              </p:cNvSpPr>
+              <p:nvPr>
+                <p:ph type="body" sz="quarter" idx="10"/>
+              </p:nvPr>
+            </p:nvSpPr>
+            <p:spPr>
+              <a:xfrm>
+                <a:off x="468312" y="1570037"/>
+                <a:ext cx="9372600" cy="5029200"/>
+              </a:xfrm>
+              <a:blipFill>
+                <a:blip r:embed="rId2"/>
+                <a:stretch>
+                  <a:fillRect t="-1091"/>
+                </a:stretch>
+              </a:blipFill>
+            </p:spPr>
+            <p:txBody>
+              <a:bodyPr/>
+              <a:lstStyle/>
+              <a:p>
+                <a:r>
+                  <a:rPr lang="en-US">
+                    <a:noFill/>
+                  </a:rPr>
+                  <a:t> </a:t>
+                </a:r>
+              </a:p>
+            </p:txBody>
+          </p:sp>
+        </mc:Fallback>
+      </mc:AlternateContent>
       <p:pic>
         <p:nvPicPr>
           <p:cNvPr id="5" name="Picture 4">
             <a:extLst>
               <a:ext uri="{FF2B5EF4-FFF2-40B4-BE49-F238E27FC236}">
-                <a16:creationId xmlns:a16="http://schemas.microsoft.com/office/drawing/2014/main" id="{0F9F1623-9704-8AC0-FFDA-3C82BB650E98}"/>
+                <a16:creationId xmlns:a16="http://schemas.microsoft.com/office/drawing/2014/main" id="{36F2D744-5098-D9EB-B159-1C8122F81546}"/>
               </a:ext>
             </a:extLst>
           </p:cNvPr>
@@ -35748,409 +32732,8 @@
         </p:blipFill>
         <p:spPr>
           <a:xfrm>
-            <a:off x="0" y="1341436"/>
-            <a:ext cx="6596907" cy="4572001"/>
-          </a:xfrm>
-          <a:prstGeom prst="rect">
-            <a:avLst/>
-          </a:prstGeom>
-        </p:spPr>
-      </p:pic>
-      <p:graphicFrame>
-        <p:nvGraphicFramePr>
-          <p:cNvPr id="4" name="Object 3">
-            <a:extLst>
-              <a:ext uri="{FF2B5EF4-FFF2-40B4-BE49-F238E27FC236}">
-                <a16:creationId xmlns:a16="http://schemas.microsoft.com/office/drawing/2014/main" id="{81B1AD28-551B-F328-1D94-F72292B01F67}"/>
-              </a:ext>
-            </a:extLst>
-          </p:cNvPr>
-          <p:cNvGraphicFramePr>
-            <a:graphicFrameLocks noChangeAspect="1"/>
-          </p:cNvGraphicFramePr>
-          <p:nvPr>
-            <p:extLst>
-              <p:ext uri="{D42A27DB-BD31-4B8C-83A1-F6EECF244321}">
-                <p14:modId xmlns:p14="http://schemas.microsoft.com/office/powerpoint/2010/main" val="2532490384"/>
-              </p:ext>
-            </p:extLst>
-          </p:nvPr>
-        </p:nvGraphicFramePr>
-        <p:xfrm>
-          <a:off x="6629790" y="1345695"/>
-          <a:ext cx="3286125" cy="1515484"/>
-        </p:xfrm>
-        <a:graphic>
-          <a:graphicData uri="http://schemas.openxmlformats.org/presentationml/2006/ole">
-            <mc:AlternateContent xmlns:mc="http://schemas.openxmlformats.org/markup-compatibility/2006">
-              <mc:Choice xmlns:v="urn:schemas-microsoft-com:vml" Requires="v">
-                <p:oleObj name="Bitmap Image" r:id="rId4" imgW="4048200" imgH="1866960" progId="Paint.Picture">
-                  <p:embed/>
-                </p:oleObj>
-              </mc:Choice>
-              <mc:Fallback>
-                <p:oleObj name="Bitmap Image" r:id="rId4" imgW="4048200" imgH="1866960" progId="Paint.Picture">
-                  <p:embed/>
-                  <p:pic>
-                    <p:nvPicPr>
-                      <p:cNvPr id="4" name="Object 3">
-                        <a:extLst>
-                          <a:ext uri="{FF2B5EF4-FFF2-40B4-BE49-F238E27FC236}">
-                            <a16:creationId xmlns:a16="http://schemas.microsoft.com/office/drawing/2014/main" id="{81B1AD28-551B-F328-1D94-F72292B01F67}"/>
-                          </a:ext>
-                        </a:extLst>
-                      </p:cNvPr>
-                      <p:cNvPicPr/>
-                      <p:nvPr/>
-                    </p:nvPicPr>
-                    <p:blipFill>
-                      <a:blip r:embed="rId5"/>
-                      <a:stretch>
-                        <a:fillRect/>
-                      </a:stretch>
-                    </p:blipFill>
-                    <p:spPr>
-                      <a:xfrm>
-                        <a:off x="6629790" y="1345695"/>
-                        <a:ext cx="3286125" cy="1515484"/>
-                      </a:xfrm>
-                      <a:prstGeom prst="rect">
-                        <a:avLst/>
-                      </a:prstGeom>
-                    </p:spPr>
-                  </p:pic>
-                </p:oleObj>
-              </mc:Fallback>
-            </mc:AlternateContent>
-          </a:graphicData>
-        </a:graphic>
-      </p:graphicFrame>
-      <p:pic>
-        <p:nvPicPr>
-          <p:cNvPr id="7" name="Picture 6">
-            <a:extLst>
-              <a:ext uri="{FF2B5EF4-FFF2-40B4-BE49-F238E27FC236}">
-                <a16:creationId xmlns:a16="http://schemas.microsoft.com/office/drawing/2014/main" id="{A1C3FDC6-34C3-998F-F0E1-0AC298870B5C}"/>
-              </a:ext>
-            </a:extLst>
-          </p:cNvPr>
-          <p:cNvPicPr>
-            <a:picLocks noChangeAspect="1"/>
-          </p:cNvPicPr>
-          <p:nvPr/>
-        </p:nvPicPr>
-        <p:blipFill>
-          <a:blip r:embed="rId6"/>
-          <a:stretch>
-            <a:fillRect/>
-          </a:stretch>
-        </p:blipFill>
-        <p:spPr>
-          <a:xfrm>
-            <a:off x="6596907" y="3312120"/>
-            <a:ext cx="3319008" cy="1133869"/>
-          </a:xfrm>
-          <a:prstGeom prst="rect">
-            <a:avLst/>
-          </a:prstGeom>
-        </p:spPr>
-      </p:pic>
-      <p:pic>
-        <p:nvPicPr>
-          <p:cNvPr id="9" name="Picture 8">
-            <a:extLst>
-              <a:ext uri="{FF2B5EF4-FFF2-40B4-BE49-F238E27FC236}">
-                <a16:creationId xmlns:a16="http://schemas.microsoft.com/office/drawing/2014/main" id="{8F0BEFBB-6549-9DD5-6791-906BB6D9E712}"/>
-              </a:ext>
-            </a:extLst>
-          </p:cNvPr>
-          <p:cNvPicPr>
-            <a:picLocks noChangeAspect="1"/>
-          </p:cNvPicPr>
-          <p:nvPr/>
-        </p:nvPicPr>
-        <p:blipFill>
-          <a:blip r:embed="rId7"/>
-          <a:stretch>
-            <a:fillRect/>
-          </a:stretch>
-        </p:blipFill>
-        <p:spPr>
-          <a:xfrm>
-            <a:off x="6602156" y="5171233"/>
-            <a:ext cx="3126963" cy="1428004"/>
-          </a:xfrm>
-          <a:prstGeom prst="rect">
-            <a:avLst/>
-          </a:prstGeom>
-        </p:spPr>
-      </p:pic>
-      <p:cxnSp>
-        <p:nvCxnSpPr>
-          <p:cNvPr id="8" name="Straight Connector 7">
-            <a:extLst>
-              <a:ext uri="{FF2B5EF4-FFF2-40B4-BE49-F238E27FC236}">
-                <a16:creationId xmlns:a16="http://schemas.microsoft.com/office/drawing/2014/main" id="{E44A8EF1-C107-90C6-6CA5-7865A1662324}"/>
-              </a:ext>
-            </a:extLst>
-          </p:cNvPr>
-          <p:cNvCxnSpPr/>
-          <p:nvPr/>
-        </p:nvCxnSpPr>
-        <p:spPr bwMode="auto">
-          <a:xfrm>
-            <a:off x="6596907" y="2027237"/>
-            <a:ext cx="3319008" cy="0"/>
-          </a:xfrm>
-          <a:prstGeom prst="line">
-            <a:avLst/>
-          </a:prstGeom>
-          <a:solidFill>
-            <a:srgbClr val="00B8FF"/>
-          </a:solidFill>
-          <a:ln w="9525" cap="flat" cmpd="sng" algn="ctr">
-            <a:solidFill>
-              <a:srgbClr val="FF0000"/>
-            </a:solidFill>
-            <a:prstDash val="solid"/>
-            <a:round/>
-            <a:headEnd type="none" w="med" len="med"/>
-            <a:tailEnd type="none" w="med" len="med"/>
-          </a:ln>
-          <a:effectLst/>
-          <a:extLst>
-            <a:ext uri="{AF507438-7753-43E0-B8FC-AC1667EBCBE1}">
-              <a14:hiddenEffects xmlns:a14="http://schemas.microsoft.com/office/drawing/2010/main">
-                <a:effectLst>
-                  <a:outerShdw dist="35921" dir="2700000" algn="ctr" rotWithShape="0">
-                    <a:schemeClr val="bg2"/>
-                  </a:outerShdw>
-                </a:effectLst>
-              </a14:hiddenEffects>
-            </a:ext>
-          </a:extLst>
-        </p:spPr>
-      </p:cxnSp>
-      <p:cxnSp>
-        <p:nvCxnSpPr>
-          <p:cNvPr id="10" name="Straight Connector 9">
-            <a:extLst>
-              <a:ext uri="{FF2B5EF4-FFF2-40B4-BE49-F238E27FC236}">
-                <a16:creationId xmlns:a16="http://schemas.microsoft.com/office/drawing/2014/main" id="{B12B5408-737B-0763-2479-B91854EEA8B3}"/>
-              </a:ext>
-            </a:extLst>
-          </p:cNvPr>
-          <p:cNvCxnSpPr/>
-          <p:nvPr/>
-        </p:nvCxnSpPr>
-        <p:spPr bwMode="auto">
-          <a:xfrm>
-            <a:off x="6574138" y="4008437"/>
-            <a:ext cx="3319008" cy="0"/>
-          </a:xfrm>
-          <a:prstGeom prst="line">
-            <a:avLst/>
-          </a:prstGeom>
-          <a:solidFill>
-            <a:srgbClr val="00B8FF"/>
-          </a:solidFill>
-          <a:ln w="9525" cap="flat" cmpd="sng" algn="ctr">
-            <a:solidFill>
-              <a:srgbClr val="FF0000"/>
-            </a:solidFill>
-            <a:prstDash val="solid"/>
-            <a:round/>
-            <a:headEnd type="none" w="med" len="med"/>
-            <a:tailEnd type="none" w="med" len="med"/>
-          </a:ln>
-          <a:effectLst/>
-          <a:extLst>
-            <a:ext uri="{AF507438-7753-43E0-B8FC-AC1667EBCBE1}">
-              <a14:hiddenEffects xmlns:a14="http://schemas.microsoft.com/office/drawing/2010/main">
-                <a:effectLst>
-                  <a:outerShdw dist="35921" dir="2700000" algn="ctr" rotWithShape="0">
-                    <a:schemeClr val="bg2"/>
-                  </a:outerShdw>
-                </a:effectLst>
-              </a14:hiddenEffects>
-            </a:ext>
-          </a:extLst>
-        </p:spPr>
-      </p:cxnSp>
-      <p:cxnSp>
-        <p:nvCxnSpPr>
-          <p:cNvPr id="11" name="Straight Connector 10">
-            <a:extLst>
-              <a:ext uri="{FF2B5EF4-FFF2-40B4-BE49-F238E27FC236}">
-                <a16:creationId xmlns:a16="http://schemas.microsoft.com/office/drawing/2014/main" id="{BC834258-3947-1589-55CD-03C20F87B91D}"/>
-              </a:ext>
-            </a:extLst>
-          </p:cNvPr>
-          <p:cNvCxnSpPr/>
-          <p:nvPr/>
-        </p:nvCxnSpPr>
-        <p:spPr bwMode="auto">
-          <a:xfrm>
-            <a:off x="6629790" y="5837237"/>
-            <a:ext cx="3319008" cy="0"/>
-          </a:xfrm>
-          <a:prstGeom prst="line">
-            <a:avLst/>
-          </a:prstGeom>
-          <a:solidFill>
-            <a:srgbClr val="00B8FF"/>
-          </a:solidFill>
-          <a:ln w="9525" cap="flat" cmpd="sng" algn="ctr">
-            <a:solidFill>
-              <a:srgbClr val="FF0000"/>
-            </a:solidFill>
-            <a:prstDash val="solid"/>
-            <a:round/>
-            <a:headEnd type="none" w="med" len="med"/>
-            <a:tailEnd type="none" w="med" len="med"/>
-          </a:ln>
-          <a:effectLst/>
-          <a:extLst>
-            <a:ext uri="{AF507438-7753-43E0-B8FC-AC1667EBCBE1}">
-              <a14:hiddenEffects xmlns:a14="http://schemas.microsoft.com/office/drawing/2010/main">
-                <a:effectLst>
-                  <a:outerShdw dist="35921" dir="2700000" algn="ctr" rotWithShape="0">
-                    <a:schemeClr val="bg2"/>
-                  </a:outerShdw>
-                </a:effectLst>
-              </a14:hiddenEffects>
-            </a:ext>
-          </a:extLst>
-        </p:spPr>
-      </p:cxnSp>
-      <p:cxnSp>
-        <p:nvCxnSpPr>
-          <p:cNvPr id="6" name="Straight Connector 5">
-            <a:extLst>
-              <a:ext uri="{FF2B5EF4-FFF2-40B4-BE49-F238E27FC236}">
-                <a16:creationId xmlns:a16="http://schemas.microsoft.com/office/drawing/2014/main" id="{BEB46E55-9B10-F2BD-122F-423207AB4D5D}"/>
-              </a:ext>
-            </a:extLst>
-          </p:cNvPr>
-          <p:cNvCxnSpPr/>
-          <p:nvPr/>
-        </p:nvCxnSpPr>
-        <p:spPr bwMode="auto">
-          <a:xfrm>
-            <a:off x="3896846" y="3094037"/>
-            <a:ext cx="1905466" cy="0"/>
-          </a:xfrm>
-          <a:prstGeom prst="line">
-            <a:avLst/>
-          </a:prstGeom>
-          <a:solidFill>
-            <a:srgbClr val="00B8FF"/>
-          </a:solidFill>
-          <a:ln w="9525" cap="flat" cmpd="sng" algn="ctr">
-            <a:solidFill>
-              <a:srgbClr val="FF0000"/>
-            </a:solidFill>
-            <a:prstDash val="solid"/>
-            <a:round/>
-            <a:headEnd type="none" w="med" len="med"/>
-            <a:tailEnd type="none" w="med" len="med"/>
-          </a:ln>
-          <a:effectLst/>
-          <a:extLst>
-            <a:ext uri="{AF507438-7753-43E0-B8FC-AC1667EBCBE1}">
-              <a14:hiddenEffects xmlns:a14="http://schemas.microsoft.com/office/drawing/2010/main">
-                <a:effectLst>
-                  <a:outerShdw dist="35921" dir="2700000" algn="ctr" rotWithShape="0">
-                    <a:schemeClr val="bg2"/>
-                  </a:outerShdw>
-                </a:effectLst>
-              </a14:hiddenEffects>
-            </a:ext>
-          </a:extLst>
-        </p:spPr>
-      </p:cxnSp>
-    </p:spTree>
-    <p:extLst>
-      <p:ext uri="{BB962C8B-B14F-4D97-AF65-F5344CB8AC3E}">
-        <p14:creationId xmlns:p14="http://schemas.microsoft.com/office/powerpoint/2010/main" val="2787141143"/>
-      </p:ext>
-    </p:extLst>
-  </p:cSld>
-  <p:clrMapOvr>
-    <a:masterClrMapping/>
-  </p:clrMapOvr>
-</p:sld>
-</file>
-
-<file path=ppt/slides/slide48.xml><?xml version="1.0" encoding="utf-8"?>
-<p:sld xmlns:a="http://schemas.openxmlformats.org/drawingml/2006/main" xmlns:r="http://schemas.openxmlformats.org/officeDocument/2006/relationships" xmlns:p="http://schemas.openxmlformats.org/presentationml/2006/main">
-  <p:cSld>
-    <p:spTree>
-      <p:nvGrpSpPr>
-        <p:cNvPr id="1" name=""/>
-        <p:cNvGrpSpPr/>
-        <p:nvPr/>
-      </p:nvGrpSpPr>
-      <p:grpSpPr>
-        <a:xfrm>
-          <a:off x="0" y="0"/>
-          <a:ext cx="0" cy="0"/>
-          <a:chOff x="0" y="0"/>
-          <a:chExt cx="0" cy="0"/>
-        </a:xfrm>
-      </p:grpSpPr>
-      <p:sp>
-        <p:nvSpPr>
-          <p:cNvPr id="2" name="Title 1">
-            <a:extLst>
-              <a:ext uri="{FF2B5EF4-FFF2-40B4-BE49-F238E27FC236}">
-                <a16:creationId xmlns:a16="http://schemas.microsoft.com/office/drawing/2014/main" id="{0A32AA2F-1F29-8343-B654-B246F5A52FD9}"/>
-              </a:ext>
-            </a:extLst>
-          </p:cNvPr>
-          <p:cNvSpPr>
-            <a:spLocks noGrp="1"/>
-          </p:cNvSpPr>
-          <p:nvPr>
-            <p:ph type="title"/>
-          </p:nvPr>
-        </p:nvSpPr>
-        <p:spPr/>
-        <p:txBody>
-          <a:bodyPr/>
-          <a:lstStyle/>
-          <a:p>
-            <a:r>
-              <a:rPr lang="en-US" dirty="0"/>
-              <a:t>An Example: R Commands</a:t>
-            </a:r>
-          </a:p>
-        </p:txBody>
-      </p:sp>
-      <p:pic>
-        <p:nvPicPr>
-          <p:cNvPr id="6" name="Picture 5">
-            <a:extLst>
-              <a:ext uri="{FF2B5EF4-FFF2-40B4-BE49-F238E27FC236}">
-                <a16:creationId xmlns:a16="http://schemas.microsoft.com/office/drawing/2014/main" id="{89CBCB4D-73AF-C6AE-AAA3-9AFA57988160}"/>
-              </a:ext>
-            </a:extLst>
-          </p:cNvPr>
-          <p:cNvPicPr>
-            <a:picLocks noChangeAspect="1"/>
-          </p:cNvPicPr>
-          <p:nvPr/>
-        </p:nvPicPr>
-        <p:blipFill>
-          <a:blip r:embed="rId3"/>
-          <a:stretch>
-            <a:fillRect/>
-          </a:stretch>
-        </p:blipFill>
-        <p:spPr>
-          <a:xfrm>
-            <a:off x="0" y="1399689"/>
-            <a:ext cx="10080625" cy="4760295"/>
+            <a:off x="696912" y="4990674"/>
+            <a:ext cx="3810000" cy="1997927"/>
           </a:xfrm>
           <a:prstGeom prst="rect">
             <a:avLst/>
@@ -36160,7 +32743,7 @@
     </p:spTree>
     <p:extLst>
       <p:ext uri="{BB962C8B-B14F-4D97-AF65-F5344CB8AC3E}">
-        <p14:creationId xmlns:p14="http://schemas.microsoft.com/office/powerpoint/2010/main" val="3439459238"/>
+        <p14:creationId xmlns:p14="http://schemas.microsoft.com/office/powerpoint/2010/main" val="1330744714"/>
       </p:ext>
     </p:extLst>
   </p:cSld>
@@ -36935,7 +33518,30 @@
                     <a:latin typeface="Times New Roman" panose="02020603050405020304" pitchFamily="18" charset="0"/>
                     <a:cs typeface="Times New Roman" panose="02020603050405020304" pitchFamily="18" charset="0"/>
                   </a:rPr>
-                  <a:t>mean difference between group 2 and the reference group </a:t>
+                  <a:t>mean difference between </a:t>
+                </a:r>
+                <a:r>
+                  <a:rPr lang="en-US" sz="2000" b="1" i="0" u="none" strike="noStrike" baseline="0" dirty="0">
+                    <a:solidFill>
+                      <a:srgbClr val="000000"/>
+                    </a:solidFill>
+                    <a:highlight>
+                      <a:srgbClr val="FFFF00"/>
+                    </a:highlight>
+                    <a:latin typeface="Times New Roman" panose="02020603050405020304" pitchFamily="18" charset="0"/>
+                    <a:cs typeface="Times New Roman" panose="02020603050405020304" pitchFamily="18" charset="0"/>
+                  </a:rPr>
+                  <a:t>group 2 </a:t>
+                </a:r>
+                <a:r>
+                  <a:rPr lang="en-US" sz="2000" b="1" i="0" u="none" strike="noStrike" baseline="0" dirty="0">
+                    <a:solidFill>
+                      <a:srgbClr val="000000"/>
+                    </a:solidFill>
+                    <a:latin typeface="Times New Roman" panose="02020603050405020304" pitchFamily="18" charset="0"/>
+                    <a:cs typeface="Times New Roman" panose="02020603050405020304" pitchFamily="18" charset="0"/>
+                  </a:rPr>
+                  <a:t>and the reference group </a:t>
                 </a:r>
                 <a:r>
                   <a:rPr lang="en-US" sz="2000" b="0" i="0" u="none" strike="noStrike" baseline="0" dirty="0">
@@ -37007,7 +33613,20 @@
                     <a:latin typeface="Times New Roman" panose="02020603050405020304" pitchFamily="18" charset="0"/>
                     <a:cs typeface="Times New Roman" panose="02020603050405020304" pitchFamily="18" charset="0"/>
                   </a:rPr>
-                  <a:t>is the mean difference between group </a:t>
+                  <a:t>is the mean difference between </a:t>
+                </a:r>
+                <a:r>
+                  <a:rPr lang="en-US" sz="2000" b="0" i="0" u="none" strike="noStrike" baseline="0" dirty="0">
+                    <a:solidFill>
+                      <a:srgbClr val="000000"/>
+                    </a:solidFill>
+                    <a:highlight>
+                      <a:srgbClr val="FFFF00"/>
+                    </a:highlight>
+                    <a:latin typeface="Times New Roman" panose="02020603050405020304" pitchFamily="18" charset="0"/>
+                    <a:cs typeface="Times New Roman" panose="02020603050405020304" pitchFamily="18" charset="0"/>
+                  </a:rPr>
+                  <a:t>group </a:t>
                 </a:r>
                 <a14:m>
                   <m:oMath xmlns:m="http://schemas.openxmlformats.org/officeDocument/2006/math">
@@ -37016,6 +33635,9 @@
                         <a:solidFill>
                           <a:srgbClr val="000000"/>
                         </a:solidFill>
+                        <a:highlight>
+                          <a:srgbClr val="FFFF00"/>
+                        </a:highlight>
                         <a:latin typeface="Cambria Math" panose="02040503050406030204" pitchFamily="18" charset="0"/>
                       </a:rPr>
                       <m:t>𝑘</m:t>
@@ -37025,6 +33647,9 @@
                         <a:solidFill>
                           <a:srgbClr val="000000"/>
                         </a:solidFill>
+                        <a:highlight>
+                          <a:srgbClr val="FFFF00"/>
+                        </a:highlight>
                         <a:latin typeface="Cambria Math" panose="02040503050406030204" pitchFamily="18" charset="0"/>
                       </a:rPr>
                       <m:t> </m:t>
@@ -37051,6 +33676,9 @@
                         <a:solidFill>
                           <a:srgbClr val="000000"/>
                         </a:solidFill>
+                        <a:highlight>
+                          <a:srgbClr val="FFFF00"/>
+                        </a:highlight>
                         <a:latin typeface="Cambria Math" panose="02040503050406030204" pitchFamily="18" charset="0"/>
                       </a:rPr>
                       <m:t>𝑒</m:t>
@@ -37062,6 +33690,9 @@
                     <a:solidFill>
                       <a:srgbClr val="000000"/>
                     </a:solidFill>
+                    <a:highlight>
+                      <a:srgbClr val="FFFF00"/>
+                    </a:highlight>
                     <a:latin typeface="Times New Roman" panose="02020603050405020304" pitchFamily="18" charset="0"/>
                     <a:cs typeface="Times New Roman" panose="02020603050405020304" pitchFamily="18" charset="0"/>
                   </a:rPr>
@@ -37076,6 +33707,9 @@
                             <a:solidFill>
                               <a:srgbClr val="000000"/>
                             </a:solidFill>
+                            <a:highlight>
+                              <a:srgbClr val="FFFF00"/>
+                            </a:highlight>
                             <a:latin typeface="Cambria Math" panose="02040503050406030204" pitchFamily="18" charset="0"/>
                           </a:rPr>
                         </m:ctrlPr>
@@ -37086,6 +33720,9 @@
                             <a:solidFill>
                               <a:srgbClr val="000000"/>
                             </a:solidFill>
+                            <a:highlight>
+                              <a:srgbClr val="FFFF00"/>
+                            </a:highlight>
                             <a:latin typeface="Cambria Math" panose="02040503050406030204" pitchFamily="18" charset="0"/>
                             <a:ea typeface="Cambria Math" panose="02040503050406030204" pitchFamily="18" charset="0"/>
                           </a:rPr>
@@ -37098,6 +33735,9 @@
                             <a:solidFill>
                               <a:srgbClr val="000000"/>
                             </a:solidFill>
+                            <a:highlight>
+                              <a:srgbClr val="FFFF00"/>
+                            </a:highlight>
                             <a:latin typeface="Cambria Math" panose="02040503050406030204" pitchFamily="18" charset="0"/>
                           </a:rPr>
                           <m:t>2</m:t>
@@ -37107,6 +33747,9 @@
                   </m:oMath>
                 </a14:m>
                 <a:endParaRPr lang="en-US" sz="2000" dirty="0">
+                  <a:highlight>
+                    <a:srgbClr val="FFFF00"/>
+                  </a:highlight>
                   <a:latin typeface="Times New Roman" panose="02020603050405020304" pitchFamily="18" charset="0"/>
                   <a:cs typeface="Times New Roman" panose="02020603050405020304" pitchFamily="18" charset="0"/>
                 </a:endParaRPr>
@@ -38001,11 +34644,26 @@
                     <a:latin typeface="Times New Roman" panose="02020603050405020304" pitchFamily="18" charset="0"/>
                     <a:cs typeface="Times New Roman" panose="02020603050405020304" pitchFamily="18" charset="0"/>
                   </a:rPr>
-                  <a:t>versus the alternative that at least one of the slope coefficients is different from zero</a:t>
+                  <a:t>versus </a:t>
                 </a:r>
               </a:p>
               <a:p>
                 <a:pPr algn="l"/>
+                <a:r>
+                  <a:rPr lang="en-US" sz="2000" b="0" i="0" u="none" strike="noStrike" baseline="0" dirty="0">
+                    <a:solidFill>
+                      <a:srgbClr val="000000"/>
+                    </a:solidFill>
+                    <a:latin typeface="Times New Roman" panose="02020603050405020304" pitchFamily="18" charset="0"/>
+                    <a:cs typeface="Times New Roman" panose="02020603050405020304" pitchFamily="18" charset="0"/>
+                  </a:rPr>
+                  <a:t>the alternative that at least one of the slope coefficients is different from zero</a:t>
+                </a:r>
+              </a:p>
+              <a:p>
+                <a:pPr marL="182880" indent="0" algn="l">
+                  <a:buNone/>
+                </a:pPr>
                 <a14:m>
                   <m:oMath xmlns:m="http://schemas.openxmlformats.org/officeDocument/2006/math">
                     <m:sSub>
@@ -38206,7 +34864,7 @@
               <a:blipFill>
                 <a:blip r:embed="rId2"/>
                 <a:stretch>
-                  <a:fillRect t="-1091" r="-260" b="-5939"/>
+                  <a:fillRect t="-1091" r="-260" b="-9455"/>
                 </a:stretch>
               </a:blipFill>
             </p:spPr>
@@ -39338,6 +35996,36 @@
           <a:xfrm>
             <a:off x="6902399" y="1491072"/>
             <a:ext cx="3014713" cy="1538574"/>
+          </a:xfrm>
+          <a:prstGeom prst="rect">
+            <a:avLst/>
+          </a:prstGeom>
+        </p:spPr>
+      </p:pic>
+      <p:pic>
+        <p:nvPicPr>
+          <p:cNvPr id="6" name="Picture 5">
+            <a:extLst>
+              <a:ext uri="{FF2B5EF4-FFF2-40B4-BE49-F238E27FC236}">
+                <a16:creationId xmlns:a16="http://schemas.microsoft.com/office/drawing/2014/main" id="{814C8529-7630-DA57-9E64-ED78CE1ADFAF}"/>
+              </a:ext>
+            </a:extLst>
+          </p:cNvPr>
+          <p:cNvPicPr>
+            <a:picLocks noChangeAspect="1"/>
+          </p:cNvPicPr>
+          <p:nvPr/>
+        </p:nvPicPr>
+        <p:blipFill>
+          <a:blip r:embed="rId5"/>
+          <a:stretch>
+            <a:fillRect/>
+          </a:stretch>
+        </p:blipFill>
+        <p:spPr>
+          <a:xfrm>
+            <a:off x="392112" y="5854126"/>
+            <a:ext cx="4876800" cy="1410069"/>
           </a:xfrm>
           <a:prstGeom prst="rect">
             <a:avLst/>
